--- a/MiniProject3/MiniProject3_Presentation.pptx
+++ b/MiniProject3/MiniProject3_Presentation.pptx
@@ -7,7 +7,7 @@
   <p:sldIdLst>
     <p:sldId id="286" r:id="rId2"/>
     <p:sldId id="287" r:id="rId3"/>
-    <p:sldId id="305" r:id="rId4"/>
+    <p:sldId id="306" r:id="rId4"/>
     <p:sldId id="295" r:id="rId5"/>
     <p:sldId id="296" r:id="rId6"/>
     <p:sldId id="298" r:id="rId7"/>
@@ -916,753 +916,6 @@
 </file>
 
 <file path=ppt/diagrams/colors2.xml><?xml version="1.0" encoding="utf-8"?>
-<dgm:colorsDef xmlns:dgm="http://schemas.openxmlformats.org/drawingml/2006/diagram" xmlns:a="http://schemas.openxmlformats.org/drawingml/2006/main" uniqueId="urn:microsoft.com/office/officeart/2005/8/colors/accent1_2">
-  <dgm:title val=""/>
-  <dgm:desc val=""/>
-  <dgm:catLst>
-    <dgm:cat type="accent1" pri="11200"/>
-  </dgm:catLst>
-  <dgm:styleLbl name="node0">
-    <dgm:fillClrLst meth="repeat">
-      <a:schemeClr val="accent1"/>
-    </dgm:fillClrLst>
-    <dgm:linClrLst meth="repeat">
-      <a:schemeClr val="lt1"/>
-    </dgm:linClrLst>
-    <dgm:effectClrLst/>
-    <dgm:txLinClrLst/>
-    <dgm:txFillClrLst/>
-    <dgm:txEffectClrLst/>
-  </dgm:styleLbl>
-  <dgm:styleLbl name="alignNode1">
-    <dgm:fillClrLst meth="repeat">
-      <a:schemeClr val="accent1"/>
-    </dgm:fillClrLst>
-    <dgm:linClrLst meth="repeat">
-      <a:schemeClr val="accent1"/>
-    </dgm:linClrLst>
-    <dgm:effectClrLst/>
-    <dgm:txLinClrLst/>
-    <dgm:txFillClrLst/>
-    <dgm:txEffectClrLst/>
-  </dgm:styleLbl>
-  <dgm:styleLbl name="node1">
-    <dgm:fillClrLst meth="repeat">
-      <a:schemeClr val="accent1"/>
-    </dgm:fillClrLst>
-    <dgm:linClrLst meth="repeat">
-      <a:schemeClr val="lt1"/>
-    </dgm:linClrLst>
-    <dgm:effectClrLst/>
-    <dgm:txLinClrLst/>
-    <dgm:txFillClrLst/>
-    <dgm:txEffectClrLst/>
-  </dgm:styleLbl>
-  <dgm:styleLbl name="lnNode1">
-    <dgm:fillClrLst meth="repeat">
-      <a:schemeClr val="accent1"/>
-    </dgm:fillClrLst>
-    <dgm:linClrLst meth="repeat">
-      <a:schemeClr val="lt1"/>
-    </dgm:linClrLst>
-    <dgm:effectClrLst/>
-    <dgm:txLinClrLst/>
-    <dgm:txFillClrLst/>
-    <dgm:txEffectClrLst/>
-  </dgm:styleLbl>
-  <dgm:styleLbl name="vennNode1">
-    <dgm:fillClrLst meth="repeat">
-      <a:schemeClr val="accent1">
-        <a:alpha val="50000"/>
-      </a:schemeClr>
-    </dgm:fillClrLst>
-    <dgm:linClrLst meth="repeat">
-      <a:schemeClr val="lt1"/>
-    </dgm:linClrLst>
-    <dgm:effectClrLst/>
-    <dgm:txLinClrLst/>
-    <dgm:txFillClrLst/>
-    <dgm:txEffectClrLst/>
-  </dgm:styleLbl>
-  <dgm:styleLbl name="node2">
-    <dgm:fillClrLst meth="repeat">
-      <a:schemeClr val="accent1"/>
-    </dgm:fillClrLst>
-    <dgm:linClrLst meth="repeat">
-      <a:schemeClr val="lt1"/>
-    </dgm:linClrLst>
-    <dgm:effectClrLst/>
-    <dgm:txLinClrLst/>
-    <dgm:txFillClrLst/>
-    <dgm:txEffectClrLst/>
-  </dgm:styleLbl>
-  <dgm:styleLbl name="node3">
-    <dgm:fillClrLst meth="repeat">
-      <a:schemeClr val="accent1"/>
-    </dgm:fillClrLst>
-    <dgm:linClrLst meth="repeat">
-      <a:schemeClr val="lt1"/>
-    </dgm:linClrLst>
-    <dgm:effectClrLst/>
-    <dgm:txLinClrLst/>
-    <dgm:txFillClrLst/>
-    <dgm:txEffectClrLst/>
-  </dgm:styleLbl>
-  <dgm:styleLbl name="node4">
-    <dgm:fillClrLst meth="repeat">
-      <a:schemeClr val="accent1"/>
-    </dgm:fillClrLst>
-    <dgm:linClrLst meth="repeat">
-      <a:schemeClr val="lt1"/>
-    </dgm:linClrLst>
-    <dgm:effectClrLst/>
-    <dgm:txLinClrLst/>
-    <dgm:txFillClrLst/>
-    <dgm:txEffectClrLst/>
-  </dgm:styleLbl>
-  <dgm:styleLbl name="fgImgPlace1">
-    <dgm:fillClrLst meth="repeat">
-      <a:schemeClr val="accent1">
-        <a:tint val="50000"/>
-      </a:schemeClr>
-    </dgm:fillClrLst>
-    <dgm:linClrLst meth="repeat">
-      <a:schemeClr val="lt1"/>
-    </dgm:linClrLst>
-    <dgm:effectClrLst/>
-    <dgm:txLinClrLst/>
-    <dgm:txFillClrLst meth="repeat">
-      <a:schemeClr val="lt1"/>
-    </dgm:txFillClrLst>
-    <dgm:txEffectClrLst/>
-  </dgm:styleLbl>
-  <dgm:styleLbl name="alignImgPlace1">
-    <dgm:fillClrLst meth="repeat">
-      <a:schemeClr val="accent1">
-        <a:tint val="50000"/>
-      </a:schemeClr>
-    </dgm:fillClrLst>
-    <dgm:linClrLst meth="repeat">
-      <a:schemeClr val="lt1"/>
-    </dgm:linClrLst>
-    <dgm:effectClrLst/>
-    <dgm:txLinClrLst/>
-    <dgm:txFillClrLst meth="repeat">
-      <a:schemeClr val="lt1"/>
-    </dgm:txFillClrLst>
-    <dgm:txEffectClrLst/>
-  </dgm:styleLbl>
-  <dgm:styleLbl name="bgImgPlace1">
-    <dgm:fillClrLst meth="repeat">
-      <a:schemeClr val="accent1">
-        <a:tint val="50000"/>
-      </a:schemeClr>
-    </dgm:fillClrLst>
-    <dgm:linClrLst meth="repeat">
-      <a:schemeClr val="lt1"/>
-    </dgm:linClrLst>
-    <dgm:effectClrLst/>
-    <dgm:txLinClrLst/>
-    <dgm:txFillClrLst meth="repeat">
-      <a:schemeClr val="lt1"/>
-    </dgm:txFillClrLst>
-    <dgm:txEffectClrLst/>
-  </dgm:styleLbl>
-  <dgm:styleLbl name="sibTrans2D1">
-    <dgm:fillClrLst meth="repeat">
-      <a:schemeClr val="accent1">
-        <a:tint val="60000"/>
-      </a:schemeClr>
-    </dgm:fillClrLst>
-    <dgm:linClrLst meth="repeat">
-      <a:schemeClr val="accent1">
-        <a:tint val="60000"/>
-      </a:schemeClr>
-    </dgm:linClrLst>
-    <dgm:effectClrLst/>
-    <dgm:txLinClrLst/>
-    <dgm:txFillClrLst/>
-    <dgm:txEffectClrLst/>
-  </dgm:styleLbl>
-  <dgm:styleLbl name="fgSibTrans2D1">
-    <dgm:fillClrLst meth="repeat">
-      <a:schemeClr val="accent1">
-        <a:tint val="60000"/>
-      </a:schemeClr>
-    </dgm:fillClrLst>
-    <dgm:linClrLst meth="repeat">
-      <a:schemeClr val="accent1">
-        <a:tint val="60000"/>
-      </a:schemeClr>
-    </dgm:linClrLst>
-    <dgm:effectClrLst/>
-    <dgm:txLinClrLst/>
-    <dgm:txFillClrLst/>
-    <dgm:txEffectClrLst/>
-  </dgm:styleLbl>
-  <dgm:styleLbl name="bgSibTrans2D1">
-    <dgm:fillClrLst meth="repeat">
-      <a:schemeClr val="accent1">
-        <a:tint val="60000"/>
-      </a:schemeClr>
-    </dgm:fillClrLst>
-    <dgm:linClrLst meth="repeat">
-      <a:schemeClr val="accent1">
-        <a:tint val="60000"/>
-      </a:schemeClr>
-    </dgm:linClrLst>
-    <dgm:effectClrLst/>
-    <dgm:txLinClrLst/>
-    <dgm:txFillClrLst/>
-    <dgm:txEffectClrLst/>
-  </dgm:styleLbl>
-  <dgm:styleLbl name="sibTrans1D1">
-    <dgm:fillClrLst meth="repeat">
-      <a:schemeClr val="accent1"/>
-    </dgm:fillClrLst>
-    <dgm:linClrLst meth="repeat">
-      <a:schemeClr val="accent1"/>
-    </dgm:linClrLst>
-    <dgm:effectClrLst/>
-    <dgm:txLinClrLst/>
-    <dgm:txFillClrLst meth="repeat">
-      <a:schemeClr val="tx1"/>
-    </dgm:txFillClrLst>
-    <dgm:txEffectClrLst/>
-  </dgm:styleLbl>
-  <dgm:styleLbl name="callout">
-    <dgm:fillClrLst meth="repeat">
-      <a:schemeClr val="accent1"/>
-    </dgm:fillClrLst>
-    <dgm:linClrLst meth="repeat">
-      <a:schemeClr val="accent1">
-        <a:tint val="50000"/>
-      </a:schemeClr>
-    </dgm:linClrLst>
-    <dgm:effectClrLst/>
-    <dgm:txLinClrLst/>
-    <dgm:txFillClrLst meth="repeat">
-      <a:schemeClr val="tx1"/>
-    </dgm:txFillClrLst>
-    <dgm:txEffectClrLst/>
-  </dgm:styleLbl>
-  <dgm:styleLbl name="asst0">
-    <dgm:fillClrLst meth="repeat">
-      <a:schemeClr val="accent1"/>
-    </dgm:fillClrLst>
-    <dgm:linClrLst meth="repeat">
-      <a:schemeClr val="lt1"/>
-    </dgm:linClrLst>
-    <dgm:effectClrLst/>
-    <dgm:txLinClrLst/>
-    <dgm:txFillClrLst/>
-    <dgm:txEffectClrLst/>
-  </dgm:styleLbl>
-  <dgm:styleLbl name="asst1">
-    <dgm:fillClrLst meth="repeat">
-      <a:schemeClr val="accent1"/>
-    </dgm:fillClrLst>
-    <dgm:linClrLst meth="repeat">
-      <a:schemeClr val="lt1"/>
-    </dgm:linClrLst>
-    <dgm:effectClrLst/>
-    <dgm:txLinClrLst/>
-    <dgm:txFillClrLst/>
-    <dgm:txEffectClrLst/>
-  </dgm:styleLbl>
-  <dgm:styleLbl name="asst2">
-    <dgm:fillClrLst meth="repeat">
-      <a:schemeClr val="accent1"/>
-    </dgm:fillClrLst>
-    <dgm:linClrLst meth="repeat">
-      <a:schemeClr val="lt1"/>
-    </dgm:linClrLst>
-    <dgm:effectClrLst/>
-    <dgm:txLinClrLst/>
-    <dgm:txFillClrLst/>
-    <dgm:txEffectClrLst/>
-  </dgm:styleLbl>
-  <dgm:styleLbl name="asst3">
-    <dgm:fillClrLst meth="repeat">
-      <a:schemeClr val="accent1"/>
-    </dgm:fillClrLst>
-    <dgm:linClrLst meth="repeat">
-      <a:schemeClr val="lt1"/>
-    </dgm:linClrLst>
-    <dgm:effectClrLst/>
-    <dgm:txLinClrLst/>
-    <dgm:txFillClrLst/>
-    <dgm:txEffectClrLst/>
-  </dgm:styleLbl>
-  <dgm:styleLbl name="asst4">
-    <dgm:fillClrLst meth="repeat">
-      <a:schemeClr val="accent1"/>
-    </dgm:fillClrLst>
-    <dgm:linClrLst meth="repeat">
-      <a:schemeClr val="lt1"/>
-    </dgm:linClrLst>
-    <dgm:effectClrLst/>
-    <dgm:txLinClrLst/>
-    <dgm:txFillClrLst/>
-    <dgm:txEffectClrLst/>
-  </dgm:styleLbl>
-  <dgm:styleLbl name="parChTrans2D1">
-    <dgm:fillClrLst meth="repeat">
-      <a:schemeClr val="accent1">
-        <a:tint val="60000"/>
-      </a:schemeClr>
-    </dgm:fillClrLst>
-    <dgm:linClrLst meth="repeat">
-      <a:schemeClr val="accent1">
-        <a:tint val="60000"/>
-      </a:schemeClr>
-    </dgm:linClrLst>
-    <dgm:effectClrLst/>
-    <dgm:txLinClrLst/>
-    <dgm:txFillClrLst meth="repeat">
-      <a:schemeClr val="lt1"/>
-    </dgm:txFillClrLst>
-    <dgm:txEffectClrLst/>
-  </dgm:styleLbl>
-  <dgm:styleLbl name="parChTrans2D2">
-    <dgm:fillClrLst meth="repeat">
-      <a:schemeClr val="accent1"/>
-    </dgm:fillClrLst>
-    <dgm:linClrLst meth="repeat">
-      <a:schemeClr val="accent1"/>
-    </dgm:linClrLst>
-    <dgm:effectClrLst/>
-    <dgm:txLinClrLst/>
-    <dgm:txFillClrLst meth="repeat">
-      <a:schemeClr val="lt1"/>
-    </dgm:txFillClrLst>
-    <dgm:txEffectClrLst/>
-  </dgm:styleLbl>
-  <dgm:styleLbl name="parChTrans2D3">
-    <dgm:fillClrLst meth="repeat">
-      <a:schemeClr val="accent1"/>
-    </dgm:fillClrLst>
-    <dgm:linClrLst meth="repeat">
-      <a:schemeClr val="accent1"/>
-    </dgm:linClrLst>
-    <dgm:effectClrLst/>
-    <dgm:txLinClrLst/>
-    <dgm:txFillClrLst meth="repeat">
-      <a:schemeClr val="lt1"/>
-    </dgm:txFillClrLst>
-    <dgm:txEffectClrLst/>
-  </dgm:styleLbl>
-  <dgm:styleLbl name="parChTrans2D4">
-    <dgm:fillClrLst meth="repeat">
-      <a:schemeClr val="accent1"/>
-    </dgm:fillClrLst>
-    <dgm:linClrLst meth="repeat">
-      <a:schemeClr val="accent1"/>
-    </dgm:linClrLst>
-    <dgm:effectClrLst/>
-    <dgm:txLinClrLst/>
-    <dgm:txFillClrLst meth="repeat">
-      <a:schemeClr val="lt1"/>
-    </dgm:txFillClrLst>
-    <dgm:txEffectClrLst/>
-  </dgm:styleLbl>
-  <dgm:styleLbl name="parChTrans1D1">
-    <dgm:fillClrLst meth="repeat">
-      <a:schemeClr val="accent1"/>
-    </dgm:fillClrLst>
-    <dgm:linClrLst meth="repeat">
-      <a:schemeClr val="accent1">
-        <a:shade val="60000"/>
-      </a:schemeClr>
-    </dgm:linClrLst>
-    <dgm:effectClrLst/>
-    <dgm:txLinClrLst/>
-    <dgm:txFillClrLst meth="repeat">
-      <a:schemeClr val="tx1"/>
-    </dgm:txFillClrLst>
-    <dgm:txEffectClrLst/>
-  </dgm:styleLbl>
-  <dgm:styleLbl name="parChTrans1D2">
-    <dgm:fillClrLst meth="repeat">
-      <a:schemeClr val="accent1"/>
-    </dgm:fillClrLst>
-    <dgm:linClrLst meth="repeat">
-      <a:schemeClr val="accent1">
-        <a:shade val="60000"/>
-      </a:schemeClr>
-    </dgm:linClrLst>
-    <dgm:effectClrLst/>
-    <dgm:txLinClrLst/>
-    <dgm:txFillClrLst meth="repeat">
-      <a:schemeClr val="tx1"/>
-    </dgm:txFillClrLst>
-    <dgm:txEffectClrLst/>
-  </dgm:styleLbl>
-  <dgm:styleLbl name="parChTrans1D3">
-    <dgm:fillClrLst meth="repeat">
-      <a:schemeClr val="accent1"/>
-    </dgm:fillClrLst>
-    <dgm:linClrLst meth="repeat">
-      <a:schemeClr val="accent1">
-        <a:shade val="80000"/>
-      </a:schemeClr>
-    </dgm:linClrLst>
-    <dgm:effectClrLst/>
-    <dgm:txLinClrLst/>
-    <dgm:txFillClrLst meth="repeat">
-      <a:schemeClr val="tx1"/>
-    </dgm:txFillClrLst>
-    <dgm:txEffectClrLst/>
-  </dgm:styleLbl>
-  <dgm:styleLbl name="parChTrans1D4">
-    <dgm:fillClrLst meth="repeat">
-      <a:schemeClr val="accent1"/>
-    </dgm:fillClrLst>
-    <dgm:linClrLst meth="repeat">
-      <a:schemeClr val="accent1">
-        <a:shade val="80000"/>
-      </a:schemeClr>
-    </dgm:linClrLst>
-    <dgm:effectClrLst/>
-    <dgm:txLinClrLst/>
-    <dgm:txFillClrLst meth="repeat">
-      <a:schemeClr val="tx1"/>
-    </dgm:txFillClrLst>
-    <dgm:txEffectClrLst/>
-  </dgm:styleLbl>
-  <dgm:styleLbl name="fgAcc1">
-    <dgm:fillClrLst meth="repeat">
-      <a:schemeClr val="lt1">
-        <a:alpha val="90000"/>
-      </a:schemeClr>
-    </dgm:fillClrLst>
-    <dgm:linClrLst meth="repeat">
-      <a:schemeClr val="accent1"/>
-    </dgm:linClrLst>
-    <dgm:effectClrLst/>
-    <dgm:txLinClrLst/>
-    <dgm:txFillClrLst meth="repeat">
-      <a:schemeClr val="dk1"/>
-    </dgm:txFillClrLst>
-    <dgm:txEffectClrLst/>
-  </dgm:styleLbl>
-  <dgm:styleLbl name="conFgAcc1">
-    <dgm:fillClrLst meth="repeat">
-      <a:schemeClr val="lt1">
-        <a:alpha val="90000"/>
-      </a:schemeClr>
-    </dgm:fillClrLst>
-    <dgm:linClrLst meth="repeat">
-      <a:schemeClr val="accent1"/>
-    </dgm:linClrLst>
-    <dgm:effectClrLst/>
-    <dgm:txLinClrLst/>
-    <dgm:txFillClrLst meth="repeat">
-      <a:schemeClr val="dk1"/>
-    </dgm:txFillClrLst>
-    <dgm:txEffectClrLst/>
-  </dgm:styleLbl>
-  <dgm:styleLbl name="alignAcc1">
-    <dgm:fillClrLst meth="repeat">
-      <a:schemeClr val="lt1">
-        <a:alpha val="90000"/>
-      </a:schemeClr>
-    </dgm:fillClrLst>
-    <dgm:linClrLst meth="repeat">
-      <a:schemeClr val="accent1"/>
-    </dgm:linClrLst>
-    <dgm:effectClrLst/>
-    <dgm:txLinClrLst/>
-    <dgm:txFillClrLst meth="repeat">
-      <a:schemeClr val="dk1"/>
-    </dgm:txFillClrLst>
-    <dgm:txEffectClrLst/>
-  </dgm:styleLbl>
-  <dgm:styleLbl name="trAlignAcc1">
-    <dgm:fillClrLst meth="repeat">
-      <a:schemeClr val="lt1">
-        <a:alpha val="40000"/>
-      </a:schemeClr>
-    </dgm:fillClrLst>
-    <dgm:linClrLst meth="repeat">
-      <a:schemeClr val="accent1"/>
-    </dgm:linClrLst>
-    <dgm:effectClrLst/>
-    <dgm:txLinClrLst/>
-    <dgm:txFillClrLst meth="repeat">
-      <a:schemeClr val="dk1"/>
-    </dgm:txFillClrLst>
-    <dgm:txEffectClrLst/>
-  </dgm:styleLbl>
-  <dgm:styleLbl name="bgAcc1">
-    <dgm:fillClrLst meth="repeat">
-      <a:schemeClr val="lt1">
-        <a:alpha val="90000"/>
-      </a:schemeClr>
-    </dgm:fillClrLst>
-    <dgm:linClrLst meth="repeat">
-      <a:schemeClr val="accent1"/>
-    </dgm:linClrLst>
-    <dgm:effectClrLst/>
-    <dgm:txLinClrLst/>
-    <dgm:txFillClrLst meth="repeat">
-      <a:schemeClr val="dk1"/>
-    </dgm:txFillClrLst>
-    <dgm:txEffectClrLst/>
-  </dgm:styleLbl>
-  <dgm:styleLbl name="solidFgAcc1">
-    <dgm:fillClrLst meth="repeat">
-      <a:schemeClr val="lt1"/>
-    </dgm:fillClrLst>
-    <dgm:linClrLst meth="repeat">
-      <a:schemeClr val="accent1"/>
-    </dgm:linClrLst>
-    <dgm:effectClrLst/>
-    <dgm:txLinClrLst/>
-    <dgm:txFillClrLst meth="repeat">
-      <a:schemeClr val="dk1"/>
-    </dgm:txFillClrLst>
-    <dgm:txEffectClrLst/>
-  </dgm:styleLbl>
-  <dgm:styleLbl name="solidAlignAcc1">
-    <dgm:fillClrLst meth="repeat">
-      <a:schemeClr val="lt1"/>
-    </dgm:fillClrLst>
-    <dgm:linClrLst meth="repeat">
-      <a:schemeClr val="accent1"/>
-    </dgm:linClrLst>
-    <dgm:effectClrLst/>
-    <dgm:txLinClrLst/>
-    <dgm:txFillClrLst meth="repeat">
-      <a:schemeClr val="dk1"/>
-    </dgm:txFillClrLst>
-    <dgm:txEffectClrLst/>
-  </dgm:styleLbl>
-  <dgm:styleLbl name="solidBgAcc1">
-    <dgm:fillClrLst meth="repeat">
-      <a:schemeClr val="lt1"/>
-    </dgm:fillClrLst>
-    <dgm:linClrLst meth="repeat">
-      <a:schemeClr val="accent1"/>
-    </dgm:linClrLst>
-    <dgm:effectClrLst/>
-    <dgm:txLinClrLst/>
-    <dgm:txFillClrLst meth="repeat">
-      <a:schemeClr val="dk1"/>
-    </dgm:txFillClrLst>
-    <dgm:txEffectClrLst/>
-  </dgm:styleLbl>
-  <dgm:styleLbl name="fgAccFollowNode1">
-    <dgm:fillClrLst meth="repeat">
-      <a:schemeClr val="accent1">
-        <a:alpha val="90000"/>
-        <a:tint val="40000"/>
-      </a:schemeClr>
-    </dgm:fillClrLst>
-    <dgm:linClrLst meth="repeat">
-      <a:schemeClr val="accent1">
-        <a:alpha val="90000"/>
-        <a:tint val="40000"/>
-      </a:schemeClr>
-    </dgm:linClrLst>
-    <dgm:effectClrLst/>
-    <dgm:txLinClrLst/>
-    <dgm:txFillClrLst meth="repeat">
-      <a:schemeClr val="dk1"/>
-    </dgm:txFillClrLst>
-    <dgm:txEffectClrLst/>
-  </dgm:styleLbl>
-  <dgm:styleLbl name="alignAccFollowNode1">
-    <dgm:fillClrLst meth="repeat">
-      <a:schemeClr val="accent1">
-        <a:alpha val="90000"/>
-        <a:tint val="40000"/>
-      </a:schemeClr>
-    </dgm:fillClrLst>
-    <dgm:linClrLst meth="repeat">
-      <a:schemeClr val="accent1">
-        <a:alpha val="90000"/>
-        <a:tint val="40000"/>
-      </a:schemeClr>
-    </dgm:linClrLst>
-    <dgm:effectClrLst/>
-    <dgm:txLinClrLst/>
-    <dgm:txFillClrLst meth="repeat">
-      <a:schemeClr val="dk1"/>
-    </dgm:txFillClrLst>
-    <dgm:txEffectClrLst/>
-  </dgm:styleLbl>
-  <dgm:styleLbl name="bgAccFollowNode1">
-    <dgm:fillClrLst meth="repeat">
-      <a:schemeClr val="accent1">
-        <a:alpha val="90000"/>
-        <a:tint val="40000"/>
-      </a:schemeClr>
-    </dgm:fillClrLst>
-    <dgm:linClrLst meth="repeat">
-      <a:schemeClr val="accent1">
-        <a:alpha val="90000"/>
-        <a:tint val="40000"/>
-      </a:schemeClr>
-    </dgm:linClrLst>
-    <dgm:effectClrLst/>
-    <dgm:txLinClrLst/>
-    <dgm:txFillClrLst meth="repeat">
-      <a:schemeClr val="dk1"/>
-    </dgm:txFillClrLst>
-    <dgm:txEffectClrLst/>
-  </dgm:styleLbl>
-  <dgm:styleLbl name="fgAcc0">
-    <dgm:fillClrLst meth="repeat">
-      <a:schemeClr val="lt1">
-        <a:alpha val="90000"/>
-      </a:schemeClr>
-    </dgm:fillClrLst>
-    <dgm:linClrLst meth="repeat">
-      <a:schemeClr val="accent1"/>
-    </dgm:linClrLst>
-    <dgm:effectClrLst/>
-    <dgm:txLinClrLst/>
-    <dgm:txFillClrLst meth="repeat">
-      <a:schemeClr val="dk1"/>
-    </dgm:txFillClrLst>
-    <dgm:txEffectClrLst/>
-  </dgm:styleLbl>
-  <dgm:styleLbl name="fgAcc2">
-    <dgm:fillClrLst meth="repeat">
-      <a:schemeClr val="lt1">
-        <a:alpha val="90000"/>
-      </a:schemeClr>
-    </dgm:fillClrLst>
-    <dgm:linClrLst meth="repeat">
-      <a:schemeClr val="accent1"/>
-    </dgm:linClrLst>
-    <dgm:effectClrLst/>
-    <dgm:txLinClrLst/>
-    <dgm:txFillClrLst meth="repeat">
-      <a:schemeClr val="dk1"/>
-    </dgm:txFillClrLst>
-    <dgm:txEffectClrLst/>
-  </dgm:styleLbl>
-  <dgm:styleLbl name="fgAcc3">
-    <dgm:fillClrLst meth="repeat">
-      <a:schemeClr val="lt1">
-        <a:alpha val="90000"/>
-      </a:schemeClr>
-    </dgm:fillClrLst>
-    <dgm:linClrLst meth="repeat">
-      <a:schemeClr val="accent1"/>
-    </dgm:linClrLst>
-    <dgm:effectClrLst/>
-    <dgm:txLinClrLst/>
-    <dgm:txFillClrLst meth="repeat">
-      <a:schemeClr val="dk1"/>
-    </dgm:txFillClrLst>
-    <dgm:txEffectClrLst/>
-  </dgm:styleLbl>
-  <dgm:styleLbl name="fgAcc4">
-    <dgm:fillClrLst meth="repeat">
-      <a:schemeClr val="lt1">
-        <a:alpha val="90000"/>
-      </a:schemeClr>
-    </dgm:fillClrLst>
-    <dgm:linClrLst meth="repeat">
-      <a:schemeClr val="accent1"/>
-    </dgm:linClrLst>
-    <dgm:effectClrLst/>
-    <dgm:txLinClrLst/>
-    <dgm:txFillClrLst meth="repeat">
-      <a:schemeClr val="dk1"/>
-    </dgm:txFillClrLst>
-    <dgm:txEffectClrLst/>
-  </dgm:styleLbl>
-  <dgm:styleLbl name="bgShp">
-    <dgm:fillClrLst meth="repeat">
-      <a:schemeClr val="accent1">
-        <a:tint val="40000"/>
-      </a:schemeClr>
-    </dgm:fillClrLst>
-    <dgm:linClrLst meth="repeat">
-      <a:schemeClr val="accent1"/>
-    </dgm:linClrLst>
-    <dgm:effectClrLst/>
-    <dgm:txLinClrLst/>
-    <dgm:txFillClrLst meth="repeat">
-      <a:schemeClr val="dk1"/>
-    </dgm:txFillClrLst>
-    <dgm:txEffectClrLst/>
-  </dgm:styleLbl>
-  <dgm:styleLbl name="dkBgShp">
-    <dgm:fillClrLst meth="repeat">
-      <a:schemeClr val="accent1">
-        <a:shade val="80000"/>
-      </a:schemeClr>
-    </dgm:fillClrLst>
-    <dgm:linClrLst meth="repeat">
-      <a:schemeClr val="accent1"/>
-    </dgm:linClrLst>
-    <dgm:effectClrLst/>
-    <dgm:txLinClrLst/>
-    <dgm:txFillClrLst meth="repeat">
-      <a:schemeClr val="lt1"/>
-    </dgm:txFillClrLst>
-    <dgm:txEffectClrLst/>
-  </dgm:styleLbl>
-  <dgm:styleLbl name="trBgShp">
-    <dgm:fillClrLst meth="repeat">
-      <a:schemeClr val="accent1">
-        <a:tint val="50000"/>
-        <a:alpha val="40000"/>
-      </a:schemeClr>
-    </dgm:fillClrLst>
-    <dgm:linClrLst meth="repeat">
-      <a:schemeClr val="accent1"/>
-    </dgm:linClrLst>
-    <dgm:effectClrLst/>
-    <dgm:txLinClrLst/>
-    <dgm:txFillClrLst meth="repeat">
-      <a:schemeClr val="lt1"/>
-    </dgm:txFillClrLst>
-    <dgm:txEffectClrLst/>
-  </dgm:styleLbl>
-  <dgm:styleLbl name="fgShp">
-    <dgm:fillClrLst meth="repeat">
-      <a:schemeClr val="accent1">
-        <a:tint val="60000"/>
-      </a:schemeClr>
-    </dgm:fillClrLst>
-    <dgm:linClrLst meth="repeat">
-      <a:schemeClr val="lt1"/>
-    </dgm:linClrLst>
-    <dgm:effectClrLst/>
-    <dgm:txLinClrLst/>
-    <dgm:txFillClrLst meth="repeat">
-      <a:schemeClr val="dk1"/>
-    </dgm:txFillClrLst>
-    <dgm:txEffectClrLst/>
-  </dgm:styleLbl>
-  <dgm:styleLbl name="revTx">
-    <dgm:fillClrLst meth="repeat">
-      <a:schemeClr val="lt1">
-        <a:alpha val="0"/>
-      </a:schemeClr>
-    </dgm:fillClrLst>
-    <dgm:linClrLst meth="repeat">
-      <a:schemeClr val="dk1">
-        <a:alpha val="0"/>
-      </a:schemeClr>
-    </dgm:linClrLst>
-    <dgm:effectClrLst/>
-    <dgm:txLinClrLst/>
-    <dgm:txFillClrLst meth="repeat">
-      <a:schemeClr val="tx1"/>
-    </dgm:txFillClrLst>
-    <dgm:txEffectClrLst/>
-  </dgm:styleLbl>
-</dgm:colorsDef>
-</file>
-
-<file path=ppt/diagrams/colors3.xml><?xml version="1.0" encoding="utf-8"?>
 <dgm:colorsDef xmlns:dgm="http://schemas.openxmlformats.org/drawingml/2006/diagram" xmlns:a="http://schemas.openxmlformats.org/drawingml/2006/main" uniqueId="urn:microsoft.com/office/officeart/2018/5/colors/Iconchunking_neutralbg_colorful1">
   <dgm:title val=""/>
   <dgm:desc val=""/>
@@ -2583,7 +1836,7 @@
 </dgm:colorsDef>
 </file>
 
-<file path=ppt/diagrams/colors4.xml><?xml version="1.0" encoding="utf-8"?>
+<file path=ppt/diagrams/colors3.xml><?xml version="1.0" encoding="utf-8"?>
 <dgm:colorsDef xmlns:dgm="http://schemas.openxmlformats.org/drawingml/2006/diagram" xmlns:a="http://schemas.openxmlformats.org/drawingml/2006/main" uniqueId="urn:microsoft.com/office/officeart/2005/8/colors/colorful1">
   <dgm:title val=""/>
   <dgm:desc val=""/>
@@ -3502,7 +2755,7 @@
 </dgm:colorsDef>
 </file>
 
-<file path=ppt/diagrams/colors5.xml><?xml version="1.0" encoding="utf-8"?>
+<file path=ppt/diagrams/colors4.xml><?xml version="1.0" encoding="utf-8"?>
 <dgm:colorsDef xmlns:dgm="http://schemas.openxmlformats.org/drawingml/2006/diagram" xmlns:a="http://schemas.openxmlformats.org/drawingml/2006/main" uniqueId="urn:microsoft.com/office/officeart/2005/8/colors/accent1_2">
   <dgm:title val=""/>
   <dgm:desc val=""/>
@@ -4253,7 +3506,7 @@
 <dgm:dataModel xmlns:dgm="http://schemas.openxmlformats.org/drawingml/2006/diagram" xmlns:a="http://schemas.openxmlformats.org/drawingml/2006/main">
   <dgm:ptLst>
     <dgm:pt modelId="{4698DB35-D527-4356-BAA5-476DA82ACF05}" type="doc">
-      <dgm:prSet loTypeId="urn:microsoft.com/office/officeart/2005/8/layout/vList2" loCatId="list" qsTypeId="urn:microsoft.com/office/officeart/2005/8/quickstyle/simple1" qsCatId="simple" csTypeId="urn:microsoft.com/office/officeart/2005/8/colors/colorful2" csCatId="colorful" phldr="1"/>
+      <dgm:prSet loTypeId="urn:microsoft.com/office/officeart/2008/layout/LinedList" loCatId="list" qsTypeId="urn:microsoft.com/office/officeart/2005/8/quickstyle/simple1" qsCatId="simple" csTypeId="urn:microsoft.com/office/officeart/2005/8/colors/colorful2" csCatId="colorful" phldr="1"/>
       <dgm:spPr/>
       <dgm:t>
         <a:bodyPr/>
@@ -4522,132 +3775,173 @@
         </a:p>
       </dgm:t>
     </dgm:pt>
-    <dgm:pt modelId="{7296C14E-E036-4F41-B56A-2C7E43287AA2}" type="pres">
-      <dgm:prSet presAssocID="{4698DB35-D527-4356-BAA5-476DA82ACF05}" presName="linear" presStyleCnt="0">
+    <dgm:pt modelId="{C9B294AD-7767-430D-90DD-96940CE20CDA}" type="pres">
+      <dgm:prSet presAssocID="{4698DB35-D527-4356-BAA5-476DA82ACF05}" presName="vert0" presStyleCnt="0">
         <dgm:presLayoutVars>
+          <dgm:dir/>
+          <dgm:animOne val="branch"/>
           <dgm:animLvl val="lvl"/>
-          <dgm:resizeHandles val="exact"/>
         </dgm:presLayoutVars>
       </dgm:prSet>
       <dgm:spPr/>
     </dgm:pt>
-    <dgm:pt modelId="{51128BC5-A742-43CF-BE0D-B12906F3897A}" type="pres">
-      <dgm:prSet presAssocID="{B5DF19F5-30A4-4892-AF3F-F4E4E4E09917}" presName="parentText" presStyleLbl="node1" presStyleIdx="0" presStyleCnt="7" custLinFactNeighborX="1191" custLinFactNeighborY="51233">
-        <dgm:presLayoutVars>
-          <dgm:chMax val="0"/>
-          <dgm:bulletEnabled val="1"/>
-        </dgm:presLayoutVars>
-      </dgm:prSet>
+    <dgm:pt modelId="{2CA3A101-B020-42DA-9933-692CFF38C07E}" type="pres">
+      <dgm:prSet presAssocID="{B5DF19F5-30A4-4892-AF3F-F4E4E4E09917}" presName="thickLine" presStyleLbl="alignNode1" presStyleIdx="0" presStyleCnt="7"/>
       <dgm:spPr/>
     </dgm:pt>
-    <dgm:pt modelId="{77E8B614-E493-4BF0-8AD6-9E793996FB2F}" type="pres">
-      <dgm:prSet presAssocID="{FFF5AD48-B02E-4B76-B6A2-7C6A0C73470E}" presName="spacer" presStyleCnt="0"/>
+    <dgm:pt modelId="{E9A8EA78-1AF2-4621-BCC1-CBF0FAF9991A}" type="pres">
+      <dgm:prSet presAssocID="{B5DF19F5-30A4-4892-AF3F-F4E4E4E09917}" presName="horz1" presStyleCnt="0"/>
       <dgm:spPr/>
     </dgm:pt>
-    <dgm:pt modelId="{C72AD7B6-E559-4282-9B05-D26A0F042FBC}" type="pres">
-      <dgm:prSet presAssocID="{C7AC9BE5-DFC3-49B8-9C1C-D1F481EB5457}" presName="parentText" presStyleLbl="node1" presStyleIdx="1" presStyleCnt="7">
-        <dgm:presLayoutVars>
-          <dgm:chMax val="0"/>
-          <dgm:bulletEnabled val="1"/>
-        </dgm:presLayoutVars>
-      </dgm:prSet>
+    <dgm:pt modelId="{9420408D-C169-4104-979D-BE461075E319}" type="pres">
+      <dgm:prSet presAssocID="{B5DF19F5-30A4-4892-AF3F-F4E4E4E09917}" presName="tx1" presStyleLbl="revTx" presStyleIdx="0" presStyleCnt="7"/>
       <dgm:spPr/>
     </dgm:pt>
-    <dgm:pt modelId="{8B19F223-1A60-4D28-A1EC-BF526D35EF8F}" type="pres">
-      <dgm:prSet presAssocID="{EEC14BC0-DC01-4773-AA7F-DAEC56FC44EB}" presName="spacer" presStyleCnt="0"/>
+    <dgm:pt modelId="{36DB98B5-2B88-4E0B-999E-74B383454450}" type="pres">
+      <dgm:prSet presAssocID="{B5DF19F5-30A4-4892-AF3F-F4E4E4E09917}" presName="vert1" presStyleCnt="0"/>
       <dgm:spPr/>
     </dgm:pt>
-    <dgm:pt modelId="{27CB9D3A-E98F-423B-B243-FEF0B24D4D4E}" type="pres">
-      <dgm:prSet presAssocID="{E0AB5DE4-122F-4CDF-B9BE-3BDC13075176}" presName="parentText" presStyleLbl="node1" presStyleIdx="2" presStyleCnt="7">
-        <dgm:presLayoutVars>
-          <dgm:chMax val="0"/>
-          <dgm:bulletEnabled val="1"/>
-        </dgm:presLayoutVars>
-      </dgm:prSet>
+    <dgm:pt modelId="{7342DD3C-8D4E-41B7-AE87-8965DBFB58AC}" type="pres">
+      <dgm:prSet presAssocID="{C7AC9BE5-DFC3-49B8-9C1C-D1F481EB5457}" presName="thickLine" presStyleLbl="alignNode1" presStyleIdx="1" presStyleCnt="7"/>
       <dgm:spPr/>
     </dgm:pt>
-    <dgm:pt modelId="{77DD1AB5-1D01-463B-8F7D-FEAEF5EBAA19}" type="pres">
-      <dgm:prSet presAssocID="{D3945658-9967-4B4E-A480-1C3F2116714F}" presName="spacer" presStyleCnt="0"/>
+    <dgm:pt modelId="{BEADE855-0B39-4889-B1E4-0571627205DD}" type="pres">
+      <dgm:prSet presAssocID="{C7AC9BE5-DFC3-49B8-9C1C-D1F481EB5457}" presName="horz1" presStyleCnt="0"/>
       <dgm:spPr/>
     </dgm:pt>
-    <dgm:pt modelId="{AD94C780-5748-4D04-9D97-1EE025E49DB3}" type="pres">
-      <dgm:prSet presAssocID="{ECC6C276-35C0-4160-8738-45809DDD6980}" presName="parentText" presStyleLbl="node1" presStyleIdx="3" presStyleCnt="7">
-        <dgm:presLayoutVars>
-          <dgm:chMax val="0"/>
-          <dgm:bulletEnabled val="1"/>
-        </dgm:presLayoutVars>
-      </dgm:prSet>
+    <dgm:pt modelId="{412A83D3-AB89-4676-B3AB-3737EFF4386A}" type="pres">
+      <dgm:prSet presAssocID="{C7AC9BE5-DFC3-49B8-9C1C-D1F481EB5457}" presName="tx1" presStyleLbl="revTx" presStyleIdx="1" presStyleCnt="7"/>
       <dgm:spPr/>
     </dgm:pt>
-    <dgm:pt modelId="{B8308B56-69FB-4618-8A0F-60E3056A1045}" type="pres">
-      <dgm:prSet presAssocID="{88422673-6DEB-403E-98B9-C87ABCAFF8E9}" presName="spacer" presStyleCnt="0"/>
+    <dgm:pt modelId="{F5FA278F-7645-4F7E-9A9F-2C89911564E9}" type="pres">
+      <dgm:prSet presAssocID="{C7AC9BE5-DFC3-49B8-9C1C-D1F481EB5457}" presName="vert1" presStyleCnt="0"/>
       <dgm:spPr/>
     </dgm:pt>
-    <dgm:pt modelId="{8B92CC51-9F6E-494A-91E6-E5B52D08D49F}" type="pres">
-      <dgm:prSet presAssocID="{F949B53D-38C1-4E1F-9178-EED1CA431AA2}" presName="parentText" presStyleLbl="node1" presStyleIdx="4" presStyleCnt="7">
-        <dgm:presLayoutVars>
-          <dgm:chMax val="0"/>
-          <dgm:bulletEnabled val="1"/>
-        </dgm:presLayoutVars>
-      </dgm:prSet>
+    <dgm:pt modelId="{0D3FB612-67EF-4083-B99A-3FEBBD91471F}" type="pres">
+      <dgm:prSet presAssocID="{E0AB5DE4-122F-4CDF-B9BE-3BDC13075176}" presName="thickLine" presStyleLbl="alignNode1" presStyleIdx="2" presStyleCnt="7"/>
       <dgm:spPr/>
     </dgm:pt>
-    <dgm:pt modelId="{FA697DF7-D9CE-497B-8E0F-3449480DAA23}" type="pres">
-      <dgm:prSet presAssocID="{3C405DDE-5A31-4370-B5F8-2B9697B1FCE7}" presName="spacer" presStyleCnt="0"/>
+    <dgm:pt modelId="{7FDF6E6F-8606-467A-93EE-5331EA48AE30}" type="pres">
+      <dgm:prSet presAssocID="{E0AB5DE4-122F-4CDF-B9BE-3BDC13075176}" presName="horz1" presStyleCnt="0"/>
       <dgm:spPr/>
     </dgm:pt>
-    <dgm:pt modelId="{BD6B9C6B-9E07-4D4C-B3F7-D0C21F21975F}" type="pres">
-      <dgm:prSet presAssocID="{BD7FB710-8FAF-4083-8B2E-B046151A7577}" presName="parentText" presStyleLbl="node1" presStyleIdx="5" presStyleCnt="7">
-        <dgm:presLayoutVars>
-          <dgm:chMax val="0"/>
-          <dgm:bulletEnabled val="1"/>
-        </dgm:presLayoutVars>
-      </dgm:prSet>
+    <dgm:pt modelId="{1F92221E-C4A9-4895-924D-9A845126627F}" type="pres">
+      <dgm:prSet presAssocID="{E0AB5DE4-122F-4CDF-B9BE-3BDC13075176}" presName="tx1" presStyleLbl="revTx" presStyleIdx="2" presStyleCnt="7"/>
       <dgm:spPr/>
     </dgm:pt>
-    <dgm:pt modelId="{DC3C837E-36E2-4DFC-9E61-C2AF2C5A3EA7}" type="pres">
-      <dgm:prSet presAssocID="{6FE856B2-02D4-4297-AFB6-A579C55C54E4}" presName="spacer" presStyleCnt="0"/>
+    <dgm:pt modelId="{326E2C45-ACBC-4FAB-B821-EE91C61F559D}" type="pres">
+      <dgm:prSet presAssocID="{E0AB5DE4-122F-4CDF-B9BE-3BDC13075176}" presName="vert1" presStyleCnt="0"/>
       <dgm:spPr/>
     </dgm:pt>
-    <dgm:pt modelId="{A5B53DA9-0EE7-4C70-8831-E552BEB24893}" type="pres">
-      <dgm:prSet presAssocID="{13C39737-8810-481B-93C1-0304473243F0}" presName="parentText" presStyleLbl="node1" presStyleIdx="6" presStyleCnt="7">
-        <dgm:presLayoutVars>
-          <dgm:chMax val="0"/>
-          <dgm:bulletEnabled val="1"/>
-        </dgm:presLayoutVars>
-      </dgm:prSet>
+    <dgm:pt modelId="{8DF990A4-9951-47AC-A685-85E21752F723}" type="pres">
+      <dgm:prSet presAssocID="{ECC6C276-35C0-4160-8738-45809DDD6980}" presName="thickLine" presStyleLbl="alignNode1" presStyleIdx="3" presStyleCnt="7"/>
+      <dgm:spPr/>
+    </dgm:pt>
+    <dgm:pt modelId="{59B84C7B-AFC9-4799-A016-32D5FFF5DEBD}" type="pres">
+      <dgm:prSet presAssocID="{ECC6C276-35C0-4160-8738-45809DDD6980}" presName="horz1" presStyleCnt="0"/>
+      <dgm:spPr/>
+    </dgm:pt>
+    <dgm:pt modelId="{CD57FF56-5EFE-4886-BBD4-361EF618F0D5}" type="pres">
+      <dgm:prSet presAssocID="{ECC6C276-35C0-4160-8738-45809DDD6980}" presName="tx1" presStyleLbl="revTx" presStyleIdx="3" presStyleCnt="7"/>
+      <dgm:spPr/>
+    </dgm:pt>
+    <dgm:pt modelId="{4EAE2AFC-4EC6-479E-8BBE-F19C857E88CC}" type="pres">
+      <dgm:prSet presAssocID="{ECC6C276-35C0-4160-8738-45809DDD6980}" presName="vert1" presStyleCnt="0"/>
+      <dgm:spPr/>
+    </dgm:pt>
+    <dgm:pt modelId="{75500124-1840-4968-866A-3ACA01BD1576}" type="pres">
+      <dgm:prSet presAssocID="{F949B53D-38C1-4E1F-9178-EED1CA431AA2}" presName="thickLine" presStyleLbl="alignNode1" presStyleIdx="4" presStyleCnt="7"/>
+      <dgm:spPr/>
+    </dgm:pt>
+    <dgm:pt modelId="{EC565EC2-B382-4DD0-81F4-D4EEE40D53FC}" type="pres">
+      <dgm:prSet presAssocID="{F949B53D-38C1-4E1F-9178-EED1CA431AA2}" presName="horz1" presStyleCnt="0"/>
+      <dgm:spPr/>
+    </dgm:pt>
+    <dgm:pt modelId="{09CE6787-2F1D-4296-83C8-EB640960E0B1}" type="pres">
+      <dgm:prSet presAssocID="{F949B53D-38C1-4E1F-9178-EED1CA431AA2}" presName="tx1" presStyleLbl="revTx" presStyleIdx="4" presStyleCnt="7"/>
+      <dgm:spPr/>
+    </dgm:pt>
+    <dgm:pt modelId="{B526758F-46A5-4A68-A601-C919A0E55FE1}" type="pres">
+      <dgm:prSet presAssocID="{F949B53D-38C1-4E1F-9178-EED1CA431AA2}" presName="vert1" presStyleCnt="0"/>
+      <dgm:spPr/>
+    </dgm:pt>
+    <dgm:pt modelId="{DD1AD1B6-84E1-4B78-8187-769B9DF3ADEF}" type="pres">
+      <dgm:prSet presAssocID="{BD7FB710-8FAF-4083-8B2E-B046151A7577}" presName="thickLine" presStyleLbl="alignNode1" presStyleIdx="5" presStyleCnt="7"/>
+      <dgm:spPr/>
+    </dgm:pt>
+    <dgm:pt modelId="{62AF19AD-79F7-4066-993C-9B9D21BD95F1}" type="pres">
+      <dgm:prSet presAssocID="{BD7FB710-8FAF-4083-8B2E-B046151A7577}" presName="horz1" presStyleCnt="0"/>
+      <dgm:spPr/>
+    </dgm:pt>
+    <dgm:pt modelId="{07F96074-8495-4DFF-83CC-BBE134A17552}" type="pres">
+      <dgm:prSet presAssocID="{BD7FB710-8FAF-4083-8B2E-B046151A7577}" presName="tx1" presStyleLbl="revTx" presStyleIdx="5" presStyleCnt="7"/>
+      <dgm:spPr/>
+    </dgm:pt>
+    <dgm:pt modelId="{168992A2-DE2F-4A92-A7B3-B7BF958D20FA}" type="pres">
+      <dgm:prSet presAssocID="{BD7FB710-8FAF-4083-8B2E-B046151A7577}" presName="vert1" presStyleCnt="0"/>
+      <dgm:spPr/>
+    </dgm:pt>
+    <dgm:pt modelId="{2B1068D5-E656-4270-AD88-685E83920E45}" type="pres">
+      <dgm:prSet presAssocID="{13C39737-8810-481B-93C1-0304473243F0}" presName="thickLine" presStyleLbl="alignNode1" presStyleIdx="6" presStyleCnt="7"/>
+      <dgm:spPr/>
+    </dgm:pt>
+    <dgm:pt modelId="{390C19B7-2B84-41A5-9240-B07CF17896EB}" type="pres">
+      <dgm:prSet presAssocID="{13C39737-8810-481B-93C1-0304473243F0}" presName="horz1" presStyleCnt="0"/>
+      <dgm:spPr/>
+    </dgm:pt>
+    <dgm:pt modelId="{4E4569E2-7710-44E0-908E-60FD168901D8}" type="pres">
+      <dgm:prSet presAssocID="{13C39737-8810-481B-93C1-0304473243F0}" presName="tx1" presStyleLbl="revTx" presStyleIdx="6" presStyleCnt="7"/>
+      <dgm:spPr/>
+    </dgm:pt>
+    <dgm:pt modelId="{2DB8466C-1284-4C01-BC6F-115593AF9E96}" type="pres">
+      <dgm:prSet presAssocID="{13C39737-8810-481B-93C1-0304473243F0}" presName="vert1" presStyleCnt="0"/>
       <dgm:spPr/>
     </dgm:pt>
   </dgm:ptLst>
   <dgm:cxnLst>
-    <dgm:cxn modelId="{8994D40E-A913-4B17-870E-22B5BAA4B73A}" type="presOf" srcId="{BD7FB710-8FAF-4083-8B2E-B046151A7577}" destId="{BD6B9C6B-9E07-4D4C-B3F7-D0C21F21975F}" srcOrd="0" destOrd="0" presId="urn:microsoft.com/office/officeart/2005/8/layout/vList2"/>
+    <dgm:cxn modelId="{2F643410-98C6-4B8C-8626-237ADE825F09}" type="presOf" srcId="{B5DF19F5-30A4-4892-AF3F-F4E4E4E09917}" destId="{9420408D-C169-4104-979D-BE461075E319}" srcOrd="0" destOrd="0" presId="urn:microsoft.com/office/officeart/2008/layout/LinedList"/>
     <dgm:cxn modelId="{EF9A6E25-8F4F-483A-A710-1D66D0C630DB}" srcId="{4698DB35-D527-4356-BAA5-476DA82ACF05}" destId="{E0AB5DE4-122F-4CDF-B9BE-3BDC13075176}" srcOrd="2" destOrd="0" parTransId="{4C364446-2292-48F2-BDB0-42C9CE80D00F}" sibTransId="{D3945658-9967-4B4E-A480-1C3F2116714F}"/>
-    <dgm:cxn modelId="{8F509134-3D2C-48B6-ADCF-C79018A6A1AC}" type="presOf" srcId="{4698DB35-D527-4356-BAA5-476DA82ACF05}" destId="{7296C14E-E036-4F41-B56A-2C7E43287AA2}" srcOrd="0" destOrd="0" presId="urn:microsoft.com/office/officeart/2005/8/layout/vList2"/>
-    <dgm:cxn modelId="{561AF736-EAFE-432B-9DC8-09B0FFF3D7A8}" type="presOf" srcId="{C7AC9BE5-DFC3-49B8-9C1C-D1F481EB5457}" destId="{C72AD7B6-E559-4282-9B05-D26A0F042FBC}" srcOrd="0" destOrd="0" presId="urn:microsoft.com/office/officeart/2005/8/layout/vList2"/>
-    <dgm:cxn modelId="{36045B63-CF41-4164-ACB1-5E3BF8E2FE68}" type="presOf" srcId="{F949B53D-38C1-4E1F-9178-EED1CA431AA2}" destId="{8B92CC51-9F6E-494A-91E6-E5B52D08D49F}" srcOrd="0" destOrd="0" presId="urn:microsoft.com/office/officeart/2005/8/layout/vList2"/>
+    <dgm:cxn modelId="{D1C3103E-FE30-4985-8E52-63F08588DC06}" type="presOf" srcId="{C7AC9BE5-DFC3-49B8-9C1C-D1F481EB5457}" destId="{412A83D3-AB89-4676-B3AB-3737EFF4386A}" srcOrd="0" destOrd="0" presId="urn:microsoft.com/office/officeart/2008/layout/LinedList"/>
+    <dgm:cxn modelId="{6480CE3F-3248-4148-8E4A-C0AB7344F6B2}" type="presOf" srcId="{4698DB35-D527-4356-BAA5-476DA82ACF05}" destId="{C9B294AD-7767-430D-90DD-96940CE20CDA}" srcOrd="0" destOrd="0" presId="urn:microsoft.com/office/officeart/2008/layout/LinedList"/>
+    <dgm:cxn modelId="{6DDF0460-EA8C-429A-A13F-27B8B0A7C525}" type="presOf" srcId="{ECC6C276-35C0-4160-8738-45809DDD6980}" destId="{CD57FF56-5EFE-4886-BBD4-361EF618F0D5}" srcOrd="0" destOrd="0" presId="urn:microsoft.com/office/officeart/2008/layout/LinedList"/>
     <dgm:cxn modelId="{62B9FB6C-8559-4F72-8789-73503E1D316F}" srcId="{4698DB35-D527-4356-BAA5-476DA82ACF05}" destId="{C7AC9BE5-DFC3-49B8-9C1C-D1F481EB5457}" srcOrd="1" destOrd="0" parTransId="{26B46214-F391-4E09-BEB5-2ADDB6002306}" sibTransId="{EEC14BC0-DC01-4773-AA7F-DAEC56FC44EB}"/>
-    <dgm:cxn modelId="{FF194472-2CF2-4D28-ACB4-81CF97E37531}" type="presOf" srcId="{B5DF19F5-30A4-4892-AF3F-F4E4E4E09917}" destId="{51128BC5-A742-43CF-BE0D-B12906F3897A}" srcOrd="0" destOrd="0" presId="urn:microsoft.com/office/officeart/2005/8/layout/vList2"/>
+    <dgm:cxn modelId="{1B3DD07C-390C-4331-81BB-E1E1F61D1CD1}" type="presOf" srcId="{F949B53D-38C1-4E1F-9178-EED1CA431AA2}" destId="{09CE6787-2F1D-4296-83C8-EB640960E0B1}" srcOrd="0" destOrd="0" presId="urn:microsoft.com/office/officeart/2008/layout/LinedList"/>
     <dgm:cxn modelId="{971A2A89-00B4-4C50-8B61-668B6B3EFB5C}" srcId="{4698DB35-D527-4356-BAA5-476DA82ACF05}" destId="{F949B53D-38C1-4E1F-9178-EED1CA431AA2}" srcOrd="4" destOrd="0" parTransId="{713B123F-A51E-4495-9315-89A12AD3E25B}" sibTransId="{3C405DDE-5A31-4370-B5F8-2B9697B1FCE7}"/>
     <dgm:cxn modelId="{1479C598-3D47-4DE1-9294-569F52462A4E}" srcId="{4698DB35-D527-4356-BAA5-476DA82ACF05}" destId="{BD7FB710-8FAF-4083-8B2E-B046151A7577}" srcOrd="5" destOrd="0" parTransId="{CF0A9AB7-281D-4E79-BBAF-C47EC85F0D5A}" sibTransId="{6FE856B2-02D4-4297-AFB6-A579C55C54E4}"/>
-    <dgm:cxn modelId="{2D4C53B1-F675-4E8B-972D-871DDB94E9B8}" type="presOf" srcId="{E0AB5DE4-122F-4CDF-B9BE-3BDC13075176}" destId="{27CB9D3A-E98F-423B-B243-FEF0B24D4D4E}" srcOrd="0" destOrd="0" presId="urn:microsoft.com/office/officeart/2005/8/layout/vList2"/>
+    <dgm:cxn modelId="{941199A2-082F-4669-B627-64314234EDBE}" type="presOf" srcId="{BD7FB710-8FAF-4083-8B2E-B046151A7577}" destId="{07F96074-8495-4DFF-83CC-BBE134A17552}" srcOrd="0" destOrd="0" presId="urn:microsoft.com/office/officeart/2008/layout/LinedList"/>
+    <dgm:cxn modelId="{AF28C2B3-B423-4565-B396-1144391C18A2}" type="presOf" srcId="{E0AB5DE4-122F-4CDF-B9BE-3BDC13075176}" destId="{1F92221E-C4A9-4895-924D-9A845126627F}" srcOrd="0" destOrd="0" presId="urn:microsoft.com/office/officeart/2008/layout/LinedList"/>
     <dgm:cxn modelId="{B3D965C2-E8EC-404C-86FF-003E995E8AC8}" srcId="{4698DB35-D527-4356-BAA5-476DA82ACF05}" destId="{13C39737-8810-481B-93C1-0304473243F0}" srcOrd="6" destOrd="0" parTransId="{FCC80963-AA55-4F99-825C-81FB0BE5106B}" sibTransId="{9BD4CC06-889A-4D07-8043-410107ECF185}"/>
-    <dgm:cxn modelId="{AA0EBDC2-3650-4DD8-ACD4-93CC77342F3F}" type="presOf" srcId="{ECC6C276-35C0-4160-8738-45809DDD6980}" destId="{AD94C780-5748-4D04-9D97-1EE025E49DB3}" srcOrd="0" destOrd="0" presId="urn:microsoft.com/office/officeart/2005/8/layout/vList2"/>
     <dgm:cxn modelId="{68808AD7-45EE-4F21-9329-4226021CA260}" srcId="{4698DB35-D527-4356-BAA5-476DA82ACF05}" destId="{ECC6C276-35C0-4160-8738-45809DDD6980}" srcOrd="3" destOrd="0" parTransId="{3D2E3FF0-B90A-4593-9E93-6AF9FDD8AF0D}" sibTransId="{88422673-6DEB-403E-98B9-C87ABCAFF8E9}"/>
+    <dgm:cxn modelId="{5CC38BF1-1443-4D0F-BC04-9473F12A75CA}" type="presOf" srcId="{13C39737-8810-481B-93C1-0304473243F0}" destId="{4E4569E2-7710-44E0-908E-60FD168901D8}" srcOrd="0" destOrd="0" presId="urn:microsoft.com/office/officeart/2008/layout/LinedList"/>
     <dgm:cxn modelId="{3BFBA3F1-C98A-41DB-9B35-D2A796D08DAB}" srcId="{4698DB35-D527-4356-BAA5-476DA82ACF05}" destId="{B5DF19F5-30A4-4892-AF3F-F4E4E4E09917}" srcOrd="0" destOrd="0" parTransId="{5E572440-C686-4898-A260-5082FE5D6BEF}" sibTransId="{FFF5AD48-B02E-4B76-B6A2-7C6A0C73470E}"/>
-    <dgm:cxn modelId="{FB1B0AFF-5CF6-4CAE-A06F-278A7EBF7938}" type="presOf" srcId="{13C39737-8810-481B-93C1-0304473243F0}" destId="{A5B53DA9-0EE7-4C70-8831-E552BEB24893}" srcOrd="0" destOrd="0" presId="urn:microsoft.com/office/officeart/2005/8/layout/vList2"/>
-    <dgm:cxn modelId="{6FE09905-1EC6-44D7-91F0-02271C27BA6B}" type="presParOf" srcId="{7296C14E-E036-4F41-B56A-2C7E43287AA2}" destId="{51128BC5-A742-43CF-BE0D-B12906F3897A}" srcOrd="0" destOrd="0" presId="urn:microsoft.com/office/officeart/2005/8/layout/vList2"/>
-    <dgm:cxn modelId="{96FE225C-B5BF-49B5-947A-121CBE45773B}" type="presParOf" srcId="{7296C14E-E036-4F41-B56A-2C7E43287AA2}" destId="{77E8B614-E493-4BF0-8AD6-9E793996FB2F}" srcOrd="1" destOrd="0" presId="urn:microsoft.com/office/officeart/2005/8/layout/vList2"/>
-    <dgm:cxn modelId="{235D467D-36C5-4C29-A625-EBE4AE3C5894}" type="presParOf" srcId="{7296C14E-E036-4F41-B56A-2C7E43287AA2}" destId="{C72AD7B6-E559-4282-9B05-D26A0F042FBC}" srcOrd="2" destOrd="0" presId="urn:microsoft.com/office/officeart/2005/8/layout/vList2"/>
-    <dgm:cxn modelId="{23B3946B-6434-42B4-8798-6F61717040A6}" type="presParOf" srcId="{7296C14E-E036-4F41-B56A-2C7E43287AA2}" destId="{8B19F223-1A60-4D28-A1EC-BF526D35EF8F}" srcOrd="3" destOrd="0" presId="urn:microsoft.com/office/officeart/2005/8/layout/vList2"/>
-    <dgm:cxn modelId="{BC88824E-E879-4A56-BD5F-345C1AD98778}" type="presParOf" srcId="{7296C14E-E036-4F41-B56A-2C7E43287AA2}" destId="{27CB9D3A-E98F-423B-B243-FEF0B24D4D4E}" srcOrd="4" destOrd="0" presId="urn:microsoft.com/office/officeart/2005/8/layout/vList2"/>
-    <dgm:cxn modelId="{807A94E1-3265-45A2-BF04-99C50C612B86}" type="presParOf" srcId="{7296C14E-E036-4F41-B56A-2C7E43287AA2}" destId="{77DD1AB5-1D01-463B-8F7D-FEAEF5EBAA19}" srcOrd="5" destOrd="0" presId="urn:microsoft.com/office/officeart/2005/8/layout/vList2"/>
-    <dgm:cxn modelId="{24215C0F-826B-4BA8-AFCB-18780BAC11F2}" type="presParOf" srcId="{7296C14E-E036-4F41-B56A-2C7E43287AA2}" destId="{AD94C780-5748-4D04-9D97-1EE025E49DB3}" srcOrd="6" destOrd="0" presId="urn:microsoft.com/office/officeart/2005/8/layout/vList2"/>
-    <dgm:cxn modelId="{872EC020-5BF8-47D3-9255-4E01EF74DBCD}" type="presParOf" srcId="{7296C14E-E036-4F41-B56A-2C7E43287AA2}" destId="{B8308B56-69FB-4618-8A0F-60E3056A1045}" srcOrd="7" destOrd="0" presId="urn:microsoft.com/office/officeart/2005/8/layout/vList2"/>
-    <dgm:cxn modelId="{ED009186-95C7-47EC-9F59-EE30C0DAC5C3}" type="presParOf" srcId="{7296C14E-E036-4F41-B56A-2C7E43287AA2}" destId="{8B92CC51-9F6E-494A-91E6-E5B52D08D49F}" srcOrd="8" destOrd="0" presId="urn:microsoft.com/office/officeart/2005/8/layout/vList2"/>
-    <dgm:cxn modelId="{56031B55-A49A-48A6-9F25-75EF89A8D52B}" type="presParOf" srcId="{7296C14E-E036-4F41-B56A-2C7E43287AA2}" destId="{FA697DF7-D9CE-497B-8E0F-3449480DAA23}" srcOrd="9" destOrd="0" presId="urn:microsoft.com/office/officeart/2005/8/layout/vList2"/>
-    <dgm:cxn modelId="{A6B9B9F8-1CE0-47AB-86B1-CEF556E99EE1}" type="presParOf" srcId="{7296C14E-E036-4F41-B56A-2C7E43287AA2}" destId="{BD6B9C6B-9E07-4D4C-B3F7-D0C21F21975F}" srcOrd="10" destOrd="0" presId="urn:microsoft.com/office/officeart/2005/8/layout/vList2"/>
-    <dgm:cxn modelId="{56BD496C-94DF-445A-BC2A-B7C7BB009052}" type="presParOf" srcId="{7296C14E-E036-4F41-B56A-2C7E43287AA2}" destId="{DC3C837E-36E2-4DFC-9E61-C2AF2C5A3EA7}" srcOrd="11" destOrd="0" presId="urn:microsoft.com/office/officeart/2005/8/layout/vList2"/>
-    <dgm:cxn modelId="{E2E9A3D7-00B9-4A35-A89C-114CCABE3A5E}" type="presParOf" srcId="{7296C14E-E036-4F41-B56A-2C7E43287AA2}" destId="{A5B53DA9-0EE7-4C70-8831-E552BEB24893}" srcOrd="12" destOrd="0" presId="urn:microsoft.com/office/officeart/2005/8/layout/vList2"/>
+    <dgm:cxn modelId="{241C4E00-4D21-4367-902A-8BC1DF2A3210}" type="presParOf" srcId="{C9B294AD-7767-430D-90DD-96940CE20CDA}" destId="{2CA3A101-B020-42DA-9933-692CFF38C07E}" srcOrd="0" destOrd="0" presId="urn:microsoft.com/office/officeart/2008/layout/LinedList"/>
+    <dgm:cxn modelId="{A29665AB-AC86-40BD-80E0-EBC2AB860C4A}" type="presParOf" srcId="{C9B294AD-7767-430D-90DD-96940CE20CDA}" destId="{E9A8EA78-1AF2-4621-BCC1-CBF0FAF9991A}" srcOrd="1" destOrd="0" presId="urn:microsoft.com/office/officeart/2008/layout/LinedList"/>
+    <dgm:cxn modelId="{6F9B7F56-D038-424B-BB79-F75E4FAE6CCD}" type="presParOf" srcId="{E9A8EA78-1AF2-4621-BCC1-CBF0FAF9991A}" destId="{9420408D-C169-4104-979D-BE461075E319}" srcOrd="0" destOrd="0" presId="urn:microsoft.com/office/officeart/2008/layout/LinedList"/>
+    <dgm:cxn modelId="{E1F473DA-A00D-432C-A56B-14E9385542F9}" type="presParOf" srcId="{E9A8EA78-1AF2-4621-BCC1-CBF0FAF9991A}" destId="{36DB98B5-2B88-4E0B-999E-74B383454450}" srcOrd="1" destOrd="0" presId="urn:microsoft.com/office/officeart/2008/layout/LinedList"/>
+    <dgm:cxn modelId="{CF88BF88-0495-4B95-B5B3-00B7CAA45B09}" type="presParOf" srcId="{C9B294AD-7767-430D-90DD-96940CE20CDA}" destId="{7342DD3C-8D4E-41B7-AE87-8965DBFB58AC}" srcOrd="2" destOrd="0" presId="urn:microsoft.com/office/officeart/2008/layout/LinedList"/>
+    <dgm:cxn modelId="{8571ACF5-CBE2-42B5-8BEC-4DB2F7AB7183}" type="presParOf" srcId="{C9B294AD-7767-430D-90DD-96940CE20CDA}" destId="{BEADE855-0B39-4889-B1E4-0571627205DD}" srcOrd="3" destOrd="0" presId="urn:microsoft.com/office/officeart/2008/layout/LinedList"/>
+    <dgm:cxn modelId="{57DF7EC1-FA09-4C52-8288-D5AD6A3CFDFE}" type="presParOf" srcId="{BEADE855-0B39-4889-B1E4-0571627205DD}" destId="{412A83D3-AB89-4676-B3AB-3737EFF4386A}" srcOrd="0" destOrd="0" presId="urn:microsoft.com/office/officeart/2008/layout/LinedList"/>
+    <dgm:cxn modelId="{D886F531-0DEC-46A5-B0BE-320AD17EFD6B}" type="presParOf" srcId="{BEADE855-0B39-4889-B1E4-0571627205DD}" destId="{F5FA278F-7645-4F7E-9A9F-2C89911564E9}" srcOrd="1" destOrd="0" presId="urn:microsoft.com/office/officeart/2008/layout/LinedList"/>
+    <dgm:cxn modelId="{F9F06EBC-D117-4D1A-9CEC-A13D3B627BF8}" type="presParOf" srcId="{C9B294AD-7767-430D-90DD-96940CE20CDA}" destId="{0D3FB612-67EF-4083-B99A-3FEBBD91471F}" srcOrd="4" destOrd="0" presId="urn:microsoft.com/office/officeart/2008/layout/LinedList"/>
+    <dgm:cxn modelId="{EEF0F369-9302-40D8-AF45-AF5EF5663B27}" type="presParOf" srcId="{C9B294AD-7767-430D-90DD-96940CE20CDA}" destId="{7FDF6E6F-8606-467A-93EE-5331EA48AE30}" srcOrd="5" destOrd="0" presId="urn:microsoft.com/office/officeart/2008/layout/LinedList"/>
+    <dgm:cxn modelId="{E6CC8E50-A7E4-423F-92CA-871169E3B853}" type="presParOf" srcId="{7FDF6E6F-8606-467A-93EE-5331EA48AE30}" destId="{1F92221E-C4A9-4895-924D-9A845126627F}" srcOrd="0" destOrd="0" presId="urn:microsoft.com/office/officeart/2008/layout/LinedList"/>
+    <dgm:cxn modelId="{6BED7068-58B0-4BAB-98E8-9A8854DC911E}" type="presParOf" srcId="{7FDF6E6F-8606-467A-93EE-5331EA48AE30}" destId="{326E2C45-ACBC-4FAB-B821-EE91C61F559D}" srcOrd="1" destOrd="0" presId="urn:microsoft.com/office/officeart/2008/layout/LinedList"/>
+    <dgm:cxn modelId="{CEB3ED00-05A7-40C9-B5B0-7FD74FE71D6E}" type="presParOf" srcId="{C9B294AD-7767-430D-90DD-96940CE20CDA}" destId="{8DF990A4-9951-47AC-A685-85E21752F723}" srcOrd="6" destOrd="0" presId="urn:microsoft.com/office/officeart/2008/layout/LinedList"/>
+    <dgm:cxn modelId="{0AE86EA8-3595-478B-ABC7-9B4FA6AF95E3}" type="presParOf" srcId="{C9B294AD-7767-430D-90DD-96940CE20CDA}" destId="{59B84C7B-AFC9-4799-A016-32D5FFF5DEBD}" srcOrd="7" destOrd="0" presId="urn:microsoft.com/office/officeart/2008/layout/LinedList"/>
+    <dgm:cxn modelId="{1D0CE4CB-AA3C-4A37-AB2B-06E2B43205E3}" type="presParOf" srcId="{59B84C7B-AFC9-4799-A016-32D5FFF5DEBD}" destId="{CD57FF56-5EFE-4886-BBD4-361EF618F0D5}" srcOrd="0" destOrd="0" presId="urn:microsoft.com/office/officeart/2008/layout/LinedList"/>
+    <dgm:cxn modelId="{9C81DF1F-A950-4050-A4D7-2037497E69E1}" type="presParOf" srcId="{59B84C7B-AFC9-4799-A016-32D5FFF5DEBD}" destId="{4EAE2AFC-4EC6-479E-8BBE-F19C857E88CC}" srcOrd="1" destOrd="0" presId="urn:microsoft.com/office/officeart/2008/layout/LinedList"/>
+    <dgm:cxn modelId="{A0A9620E-206D-485D-BB7F-DD46985846AD}" type="presParOf" srcId="{C9B294AD-7767-430D-90DD-96940CE20CDA}" destId="{75500124-1840-4968-866A-3ACA01BD1576}" srcOrd="8" destOrd="0" presId="urn:microsoft.com/office/officeart/2008/layout/LinedList"/>
+    <dgm:cxn modelId="{3A5F4636-D89C-4056-AF39-E53D52B7AF06}" type="presParOf" srcId="{C9B294AD-7767-430D-90DD-96940CE20CDA}" destId="{EC565EC2-B382-4DD0-81F4-D4EEE40D53FC}" srcOrd="9" destOrd="0" presId="urn:microsoft.com/office/officeart/2008/layout/LinedList"/>
+    <dgm:cxn modelId="{68201A22-DA63-49B2-8658-9CA6FA1FBAB4}" type="presParOf" srcId="{EC565EC2-B382-4DD0-81F4-D4EEE40D53FC}" destId="{09CE6787-2F1D-4296-83C8-EB640960E0B1}" srcOrd="0" destOrd="0" presId="urn:microsoft.com/office/officeart/2008/layout/LinedList"/>
+    <dgm:cxn modelId="{F17C6195-0FAF-41D5-9C51-E9E1F2D92DB7}" type="presParOf" srcId="{EC565EC2-B382-4DD0-81F4-D4EEE40D53FC}" destId="{B526758F-46A5-4A68-A601-C919A0E55FE1}" srcOrd="1" destOrd="0" presId="urn:microsoft.com/office/officeart/2008/layout/LinedList"/>
+    <dgm:cxn modelId="{8AED2EB7-C028-4F9A-ACD7-9F13280FC393}" type="presParOf" srcId="{C9B294AD-7767-430D-90DD-96940CE20CDA}" destId="{DD1AD1B6-84E1-4B78-8187-769B9DF3ADEF}" srcOrd="10" destOrd="0" presId="urn:microsoft.com/office/officeart/2008/layout/LinedList"/>
+    <dgm:cxn modelId="{C1F7B953-CAC3-4B6F-9523-BA193B2EAB2C}" type="presParOf" srcId="{C9B294AD-7767-430D-90DD-96940CE20CDA}" destId="{62AF19AD-79F7-4066-993C-9B9D21BD95F1}" srcOrd="11" destOrd="0" presId="urn:microsoft.com/office/officeart/2008/layout/LinedList"/>
+    <dgm:cxn modelId="{1E373226-9E01-46F0-8CD5-31D3C71963D2}" type="presParOf" srcId="{62AF19AD-79F7-4066-993C-9B9D21BD95F1}" destId="{07F96074-8495-4DFF-83CC-BBE134A17552}" srcOrd="0" destOrd="0" presId="urn:microsoft.com/office/officeart/2008/layout/LinedList"/>
+    <dgm:cxn modelId="{177936A3-6F4A-4357-862E-C60DE8FCB507}" type="presParOf" srcId="{62AF19AD-79F7-4066-993C-9B9D21BD95F1}" destId="{168992A2-DE2F-4A92-A7B3-B7BF958D20FA}" srcOrd="1" destOrd="0" presId="urn:microsoft.com/office/officeart/2008/layout/LinedList"/>
+    <dgm:cxn modelId="{9715F5F1-CD53-4866-9963-FB9574658D4D}" type="presParOf" srcId="{C9B294AD-7767-430D-90DD-96940CE20CDA}" destId="{2B1068D5-E656-4270-AD88-685E83920E45}" srcOrd="12" destOrd="0" presId="urn:microsoft.com/office/officeart/2008/layout/LinedList"/>
+    <dgm:cxn modelId="{50D339AE-59D6-41CB-A793-ED9FFAEC50EB}" type="presParOf" srcId="{C9B294AD-7767-430D-90DD-96940CE20CDA}" destId="{390C19B7-2B84-41A5-9240-B07CF17896EB}" srcOrd="13" destOrd="0" presId="urn:microsoft.com/office/officeart/2008/layout/LinedList"/>
+    <dgm:cxn modelId="{CF407B92-4F7F-4F05-ADD2-BC3D2B7AC6DB}" type="presParOf" srcId="{390C19B7-2B84-41A5-9240-B07CF17896EB}" destId="{4E4569E2-7710-44E0-908E-60FD168901D8}" srcOrd="0" destOrd="0" presId="urn:microsoft.com/office/officeart/2008/layout/LinedList"/>
+    <dgm:cxn modelId="{75601921-AB13-4E14-90D3-3BD9E333EC0A}" type="presParOf" srcId="{390C19B7-2B84-41A5-9240-B07CF17896EB}" destId="{2DB8466C-1284-4C01-BC6F-115593AF9E96}" srcOrd="1" destOrd="0" presId="urn:microsoft.com/office/officeart/2008/layout/LinedList"/>
   </dgm:cxnLst>
   <dgm:bg/>
   <dgm:whole/>
@@ -4660,278 +3954,6 @@
 </file>
 
 <file path=ppt/diagrams/data2.xml><?xml version="1.0" encoding="utf-8"?>
-<dgm:dataModel xmlns:dgm="http://schemas.openxmlformats.org/drawingml/2006/diagram" xmlns:a="http://schemas.openxmlformats.org/drawingml/2006/main">
-  <dgm:ptLst>
-    <dgm:pt modelId="{5F31991C-C429-44D9-8BDF-B072DF0AB7AA}" type="doc">
-      <dgm:prSet loTypeId="urn:microsoft.com/office/officeart/2005/8/layout/arrow5" loCatId="relationship" qsTypeId="urn:microsoft.com/office/officeart/2005/8/quickstyle/simple1" qsCatId="simple" csTypeId="urn:microsoft.com/office/officeart/2005/8/colors/accent1_2" csCatId="accent1"/>
-      <dgm:spPr/>
-      <dgm:t>
-        <a:bodyPr/>
-        <a:lstStyle/>
-        <a:p>
-          <a:endParaRPr lang="en-US"/>
-        </a:p>
-      </dgm:t>
-    </dgm:pt>
-    <dgm:pt modelId="{9A9A9122-E72A-410A-8E13-ABF3D35DCA5C}">
-      <dgm:prSet/>
-      <dgm:spPr/>
-      <dgm:t>
-        <a:bodyPr/>
-        <a:lstStyle/>
-        <a:p>
-          <a:r>
-            <a:rPr lang="en-US"/>
-            <a:t>Time-consuming and labor-intensive process </a:t>
-          </a:r>
-        </a:p>
-      </dgm:t>
-    </dgm:pt>
-    <dgm:pt modelId="{E32D2B70-C087-4ED4-A6ED-002927782991}" type="parTrans" cxnId="{60F17189-49CC-4490-89D5-CBA48C768333}">
-      <dgm:prSet/>
-      <dgm:spPr/>
-      <dgm:t>
-        <a:bodyPr/>
-        <a:lstStyle/>
-        <a:p>
-          <a:endParaRPr lang="en-US"/>
-        </a:p>
-      </dgm:t>
-    </dgm:pt>
-    <dgm:pt modelId="{FAC5EE9F-B7E0-4C09-BD34-BFF91AEA264D}" type="sibTrans" cxnId="{60F17189-49CC-4490-89D5-CBA48C768333}">
-      <dgm:prSet/>
-      <dgm:spPr/>
-      <dgm:t>
-        <a:bodyPr/>
-        <a:lstStyle/>
-        <a:p>
-          <a:endParaRPr lang="en-US"/>
-        </a:p>
-      </dgm:t>
-    </dgm:pt>
-    <dgm:pt modelId="{B6EAB8E6-93E6-4EC9-8E0F-3AAA1E94DB50}">
-      <dgm:prSet/>
-      <dgm:spPr/>
-      <dgm:t>
-        <a:bodyPr/>
-        <a:lstStyle/>
-        <a:p>
-          <a:r>
-            <a:rPr lang="en-US"/>
-            <a:t>Inconsistent evaluations by human assessors </a:t>
-          </a:r>
-        </a:p>
-      </dgm:t>
-    </dgm:pt>
-    <dgm:pt modelId="{1896C107-C4D2-4E1D-BE30-B756294BF85C}" type="parTrans" cxnId="{D36F50AE-CADA-4BAB-A98F-B42FE6F2EB98}">
-      <dgm:prSet/>
-      <dgm:spPr/>
-      <dgm:t>
-        <a:bodyPr/>
-        <a:lstStyle/>
-        <a:p>
-          <a:endParaRPr lang="en-US"/>
-        </a:p>
-      </dgm:t>
-    </dgm:pt>
-    <dgm:pt modelId="{3C6DE84A-95AB-437C-AF1D-7F5D76A55638}" type="sibTrans" cxnId="{D36F50AE-CADA-4BAB-A98F-B42FE6F2EB98}">
-      <dgm:prSet/>
-      <dgm:spPr/>
-      <dgm:t>
-        <a:bodyPr/>
-        <a:lstStyle/>
-        <a:p>
-          <a:endParaRPr lang="en-US"/>
-        </a:p>
-      </dgm:t>
-    </dgm:pt>
-    <dgm:pt modelId="{56A763B2-CA04-402A-9668-A7EE7D725D9B}">
-      <dgm:prSet/>
-      <dgm:spPr/>
-      <dgm:t>
-        <a:bodyPr/>
-        <a:lstStyle/>
-        <a:p>
-          <a:r>
-            <a:rPr lang="en-US"/>
-            <a:t>Prone to human error and subjectivity </a:t>
-          </a:r>
-        </a:p>
-      </dgm:t>
-    </dgm:pt>
-    <dgm:pt modelId="{37C0F1C0-D32C-43BD-8954-9E5BF35B9D80}" type="parTrans" cxnId="{D65DCFBD-B42D-44CA-965C-82FB0F84C537}">
-      <dgm:prSet/>
-      <dgm:spPr/>
-      <dgm:t>
-        <a:bodyPr/>
-        <a:lstStyle/>
-        <a:p>
-          <a:endParaRPr lang="en-US"/>
-        </a:p>
-      </dgm:t>
-    </dgm:pt>
-    <dgm:pt modelId="{E00160DF-A7D4-4E5A-8068-43B54168608D}" type="sibTrans" cxnId="{D65DCFBD-B42D-44CA-965C-82FB0F84C537}">
-      <dgm:prSet/>
-      <dgm:spPr/>
-      <dgm:t>
-        <a:bodyPr/>
-        <a:lstStyle/>
-        <a:p>
-          <a:endParaRPr lang="en-US"/>
-        </a:p>
-      </dgm:t>
-    </dgm:pt>
-    <dgm:pt modelId="{8F5AFEAA-9FE2-4A2B-B991-5FA26D8B7A72}">
-      <dgm:prSet/>
-      <dgm:spPr/>
-      <dgm:t>
-        <a:bodyPr/>
-        <a:lstStyle/>
-        <a:p>
-          <a:r>
-            <a:rPr lang="en-US"/>
-            <a:t>Delay in claim settlements and customer dissatisfaction </a:t>
-          </a:r>
-        </a:p>
-      </dgm:t>
-    </dgm:pt>
-    <dgm:pt modelId="{5D644D43-89D9-4D6D-9171-8454EFF22C5C}" type="parTrans" cxnId="{AD32B412-A10D-4E47-915B-DC177F2F855C}">
-      <dgm:prSet/>
-      <dgm:spPr/>
-      <dgm:t>
-        <a:bodyPr/>
-        <a:lstStyle/>
-        <a:p>
-          <a:endParaRPr lang="en-US"/>
-        </a:p>
-      </dgm:t>
-    </dgm:pt>
-    <dgm:pt modelId="{BFE84D67-579E-426F-8E0D-5364009B0835}" type="sibTrans" cxnId="{AD32B412-A10D-4E47-915B-DC177F2F855C}">
-      <dgm:prSet/>
-      <dgm:spPr/>
-      <dgm:t>
-        <a:bodyPr/>
-        <a:lstStyle/>
-        <a:p>
-          <a:endParaRPr lang="en-US"/>
-        </a:p>
-      </dgm:t>
-    </dgm:pt>
-    <dgm:pt modelId="{D282E6E0-4CC5-4AC1-B724-8154B7EDEA9D}">
-      <dgm:prSet/>
-      <dgm:spPr/>
-      <dgm:t>
-        <a:bodyPr/>
-        <a:lstStyle/>
-        <a:p>
-          <a:r>
-            <a:rPr lang="en-US"/>
-            <a:t>High operational costs and potential for fraud </a:t>
-          </a:r>
-        </a:p>
-      </dgm:t>
-    </dgm:pt>
-    <dgm:pt modelId="{D6C85793-5739-48F1-9048-DE656D9A38E9}" type="parTrans" cxnId="{8A23B03F-D7D1-449B-ADA2-3A4E5A37CEC6}">
-      <dgm:prSet/>
-      <dgm:spPr/>
-      <dgm:t>
-        <a:bodyPr/>
-        <a:lstStyle/>
-        <a:p>
-          <a:endParaRPr lang="en-US"/>
-        </a:p>
-      </dgm:t>
-    </dgm:pt>
-    <dgm:pt modelId="{BF2D0D7A-133F-4CE0-B901-F2CDBD73116B}" type="sibTrans" cxnId="{8A23B03F-D7D1-449B-ADA2-3A4E5A37CEC6}">
-      <dgm:prSet/>
-      <dgm:spPr/>
-      <dgm:t>
-        <a:bodyPr/>
-        <a:lstStyle/>
-        <a:p>
-          <a:endParaRPr lang="en-US"/>
-        </a:p>
-      </dgm:t>
-    </dgm:pt>
-    <dgm:pt modelId="{3214E823-FF83-4AFC-918F-20375DB671CD}" type="pres">
-      <dgm:prSet presAssocID="{5F31991C-C429-44D9-8BDF-B072DF0AB7AA}" presName="diagram" presStyleCnt="0">
-        <dgm:presLayoutVars>
-          <dgm:dir/>
-          <dgm:resizeHandles val="exact"/>
-        </dgm:presLayoutVars>
-      </dgm:prSet>
-      <dgm:spPr/>
-    </dgm:pt>
-    <dgm:pt modelId="{4D65C1C2-313D-427D-9290-FED2EB4A32BF}" type="pres">
-      <dgm:prSet presAssocID="{9A9A9122-E72A-410A-8E13-ABF3D35DCA5C}" presName="arrow" presStyleLbl="node1" presStyleIdx="0" presStyleCnt="5">
-        <dgm:presLayoutVars>
-          <dgm:bulletEnabled val="1"/>
-        </dgm:presLayoutVars>
-      </dgm:prSet>
-      <dgm:spPr/>
-    </dgm:pt>
-    <dgm:pt modelId="{80F9C991-508D-437F-A4EC-1E4C7DECF014}" type="pres">
-      <dgm:prSet presAssocID="{B6EAB8E6-93E6-4EC9-8E0F-3AAA1E94DB50}" presName="arrow" presStyleLbl="node1" presStyleIdx="1" presStyleCnt="5">
-        <dgm:presLayoutVars>
-          <dgm:bulletEnabled val="1"/>
-        </dgm:presLayoutVars>
-      </dgm:prSet>
-      <dgm:spPr/>
-    </dgm:pt>
-    <dgm:pt modelId="{0A125F7C-B8E5-42FA-B6F3-F8AAB444C131}" type="pres">
-      <dgm:prSet presAssocID="{56A763B2-CA04-402A-9668-A7EE7D725D9B}" presName="arrow" presStyleLbl="node1" presStyleIdx="2" presStyleCnt="5">
-        <dgm:presLayoutVars>
-          <dgm:bulletEnabled val="1"/>
-        </dgm:presLayoutVars>
-      </dgm:prSet>
-      <dgm:spPr/>
-    </dgm:pt>
-    <dgm:pt modelId="{8F7911C7-E49C-4F1F-AA4B-99E7B54252E2}" type="pres">
-      <dgm:prSet presAssocID="{8F5AFEAA-9FE2-4A2B-B991-5FA26D8B7A72}" presName="arrow" presStyleLbl="node1" presStyleIdx="3" presStyleCnt="5">
-        <dgm:presLayoutVars>
-          <dgm:bulletEnabled val="1"/>
-        </dgm:presLayoutVars>
-      </dgm:prSet>
-      <dgm:spPr/>
-    </dgm:pt>
-    <dgm:pt modelId="{C654FF10-68E5-4AE6-A725-0AD77FEAC81B}" type="pres">
-      <dgm:prSet presAssocID="{D282E6E0-4CC5-4AC1-B724-8154B7EDEA9D}" presName="arrow" presStyleLbl="node1" presStyleIdx="4" presStyleCnt="5">
-        <dgm:presLayoutVars>
-          <dgm:bulletEnabled val="1"/>
-        </dgm:presLayoutVars>
-      </dgm:prSet>
-      <dgm:spPr/>
-    </dgm:pt>
-  </dgm:ptLst>
-  <dgm:cxnLst>
-    <dgm:cxn modelId="{AD32B412-A10D-4E47-915B-DC177F2F855C}" srcId="{5F31991C-C429-44D9-8BDF-B072DF0AB7AA}" destId="{8F5AFEAA-9FE2-4A2B-B991-5FA26D8B7A72}" srcOrd="3" destOrd="0" parTransId="{5D644D43-89D9-4D6D-9171-8454EFF22C5C}" sibTransId="{BFE84D67-579E-426F-8E0D-5364009B0835}"/>
-    <dgm:cxn modelId="{8A23B03F-D7D1-449B-ADA2-3A4E5A37CEC6}" srcId="{5F31991C-C429-44D9-8BDF-B072DF0AB7AA}" destId="{D282E6E0-4CC5-4AC1-B724-8154B7EDEA9D}" srcOrd="4" destOrd="0" parTransId="{D6C85793-5739-48F1-9048-DE656D9A38E9}" sibTransId="{BF2D0D7A-133F-4CE0-B901-F2CDBD73116B}"/>
-    <dgm:cxn modelId="{855E9042-DBE8-4741-B642-49467A214D08}" type="presOf" srcId="{9A9A9122-E72A-410A-8E13-ABF3D35DCA5C}" destId="{4D65C1C2-313D-427D-9290-FED2EB4A32BF}" srcOrd="0" destOrd="0" presId="urn:microsoft.com/office/officeart/2005/8/layout/arrow5"/>
-    <dgm:cxn modelId="{9730CD4A-F937-4F3C-AAD1-5A7336C1113C}" type="presOf" srcId="{B6EAB8E6-93E6-4EC9-8E0F-3AAA1E94DB50}" destId="{80F9C991-508D-437F-A4EC-1E4C7DECF014}" srcOrd="0" destOrd="0" presId="urn:microsoft.com/office/officeart/2005/8/layout/arrow5"/>
-    <dgm:cxn modelId="{60F17189-49CC-4490-89D5-CBA48C768333}" srcId="{5F31991C-C429-44D9-8BDF-B072DF0AB7AA}" destId="{9A9A9122-E72A-410A-8E13-ABF3D35DCA5C}" srcOrd="0" destOrd="0" parTransId="{E32D2B70-C087-4ED4-A6ED-002927782991}" sibTransId="{FAC5EE9F-B7E0-4C09-BD34-BFF91AEA264D}"/>
-    <dgm:cxn modelId="{06168E8A-8847-4D4D-A482-9E1929800A79}" type="presOf" srcId="{8F5AFEAA-9FE2-4A2B-B991-5FA26D8B7A72}" destId="{8F7911C7-E49C-4F1F-AA4B-99E7B54252E2}" srcOrd="0" destOrd="0" presId="urn:microsoft.com/office/officeart/2005/8/layout/arrow5"/>
-    <dgm:cxn modelId="{F349D492-D809-4419-80AD-22151BD74634}" type="presOf" srcId="{56A763B2-CA04-402A-9668-A7EE7D725D9B}" destId="{0A125F7C-B8E5-42FA-B6F3-F8AAB444C131}" srcOrd="0" destOrd="0" presId="urn:microsoft.com/office/officeart/2005/8/layout/arrow5"/>
-    <dgm:cxn modelId="{D36F50AE-CADA-4BAB-A98F-B42FE6F2EB98}" srcId="{5F31991C-C429-44D9-8BDF-B072DF0AB7AA}" destId="{B6EAB8E6-93E6-4EC9-8E0F-3AAA1E94DB50}" srcOrd="1" destOrd="0" parTransId="{1896C107-C4D2-4E1D-BE30-B756294BF85C}" sibTransId="{3C6DE84A-95AB-437C-AF1D-7F5D76A55638}"/>
-    <dgm:cxn modelId="{044482B4-ABDD-4848-9858-06FB46150F4E}" type="presOf" srcId="{5F31991C-C429-44D9-8BDF-B072DF0AB7AA}" destId="{3214E823-FF83-4AFC-918F-20375DB671CD}" srcOrd="0" destOrd="0" presId="urn:microsoft.com/office/officeart/2005/8/layout/arrow5"/>
-    <dgm:cxn modelId="{D65DCFBD-B42D-44CA-965C-82FB0F84C537}" srcId="{5F31991C-C429-44D9-8BDF-B072DF0AB7AA}" destId="{56A763B2-CA04-402A-9668-A7EE7D725D9B}" srcOrd="2" destOrd="0" parTransId="{37C0F1C0-D32C-43BD-8954-9E5BF35B9D80}" sibTransId="{E00160DF-A7D4-4E5A-8068-43B54168608D}"/>
-    <dgm:cxn modelId="{8E1D09FC-BC56-42E1-B7CE-94824A76C105}" type="presOf" srcId="{D282E6E0-4CC5-4AC1-B724-8154B7EDEA9D}" destId="{C654FF10-68E5-4AE6-A725-0AD77FEAC81B}" srcOrd="0" destOrd="0" presId="urn:microsoft.com/office/officeart/2005/8/layout/arrow5"/>
-    <dgm:cxn modelId="{D7B5897C-53B4-4BE9-9C1B-8D26D2EC3F5D}" type="presParOf" srcId="{3214E823-FF83-4AFC-918F-20375DB671CD}" destId="{4D65C1C2-313D-427D-9290-FED2EB4A32BF}" srcOrd="0" destOrd="0" presId="urn:microsoft.com/office/officeart/2005/8/layout/arrow5"/>
-    <dgm:cxn modelId="{70A1453F-BF70-4E9B-82DA-A0261EDED07B}" type="presParOf" srcId="{3214E823-FF83-4AFC-918F-20375DB671CD}" destId="{80F9C991-508D-437F-A4EC-1E4C7DECF014}" srcOrd="1" destOrd="0" presId="urn:microsoft.com/office/officeart/2005/8/layout/arrow5"/>
-    <dgm:cxn modelId="{E9394555-3C9F-4FBA-A43D-8EC8670FDD30}" type="presParOf" srcId="{3214E823-FF83-4AFC-918F-20375DB671CD}" destId="{0A125F7C-B8E5-42FA-B6F3-F8AAB444C131}" srcOrd="2" destOrd="0" presId="urn:microsoft.com/office/officeart/2005/8/layout/arrow5"/>
-    <dgm:cxn modelId="{2E9288A6-A9A0-4214-BEA5-81F854821AD5}" type="presParOf" srcId="{3214E823-FF83-4AFC-918F-20375DB671CD}" destId="{8F7911C7-E49C-4F1F-AA4B-99E7B54252E2}" srcOrd="3" destOrd="0" presId="urn:microsoft.com/office/officeart/2005/8/layout/arrow5"/>
-    <dgm:cxn modelId="{F08A69C5-551C-45F1-895F-2149388C0856}" type="presParOf" srcId="{3214E823-FF83-4AFC-918F-20375DB671CD}" destId="{C654FF10-68E5-4AE6-A725-0AD77FEAC81B}" srcOrd="4" destOrd="0" presId="urn:microsoft.com/office/officeart/2005/8/layout/arrow5"/>
-  </dgm:cxnLst>
-  <dgm:bg/>
-  <dgm:whole/>
-  <dgm:extLst>
-    <a:ext uri="http://schemas.microsoft.com/office/drawing/2008/diagram">
-      <dsp:dataModelExt xmlns:dsp="http://schemas.microsoft.com/office/drawing/2008/diagram" relId="rId6" minVer="http://schemas.openxmlformats.org/drawingml/2006/diagram"/>
-    </a:ext>
-  </dgm:extLst>
-</dgm:dataModel>
-</file>
-
-<file path=ppt/diagrams/data3.xml><?xml version="1.0" encoding="utf-8"?>
 <dgm:dataModel xmlns:dgm="http://schemas.openxmlformats.org/drawingml/2006/diagram" xmlns:a="http://schemas.openxmlformats.org/drawingml/2006/main">
   <dgm:ptLst>
     <dgm:pt modelId="{C97121DD-E15E-4357-8C5F-C7C5848B90C2}" type="doc">
@@ -5423,11 +4445,11 @@
 </dgm:dataModel>
 </file>
 
-<file path=ppt/diagrams/data4.xml><?xml version="1.0" encoding="utf-8"?>
+<file path=ppt/diagrams/data3.xml><?xml version="1.0" encoding="utf-8"?>
 <dgm:dataModel xmlns:dgm="http://schemas.openxmlformats.org/drawingml/2006/diagram" xmlns:a="http://schemas.openxmlformats.org/drawingml/2006/main">
   <dgm:ptLst>
     <dgm:pt modelId="{ED39F7DD-4B1C-4D51-A404-0D01D797568C}" type="doc">
-      <dgm:prSet loTypeId="urn:microsoft.com/office/officeart/2016/7/layout/VerticalHollowActionList" loCatId="List" qsTypeId="urn:microsoft.com/office/officeart/2005/8/quickstyle/simple1" qsCatId="simple" csTypeId="urn:microsoft.com/office/officeart/2005/8/colors/colorful1" csCatId="colorful"/>
+      <dgm:prSet loTypeId="urn:microsoft.com/office/officeart/2016/7/layout/VerticalHollowActionList" loCatId="List" qsTypeId="urn:microsoft.com/office/officeart/2005/8/quickstyle/simple1" qsCatId="simple" csTypeId="urn:microsoft.com/office/officeart/2005/8/colors/colorful1" csCatId="colorful" phldr="1"/>
       <dgm:spPr/>
       <dgm:t>
         <a:bodyPr/>
@@ -5770,7 +4792,7 @@
         <a:p>
           <a:r>
             <a:rPr lang="en-US" dirty="0"/>
-            <a:t>Explore multimodal inputs (image + textual description</a:t>
+            <a:t>Explore multimodal inputs (image + textual description)</a:t>
           </a:r>
         </a:p>
       </dgm:t>
@@ -5981,7 +5003,7 @@
 </dgm:dataModel>
 </file>
 
-<file path=ppt/diagrams/data5.xml><?xml version="1.0" encoding="utf-8"?>
+<file path=ppt/diagrams/data4.xml><?xml version="1.0" encoding="utf-8"?>
 <dgm:dataModel xmlns:dgm="http://schemas.openxmlformats.org/drawingml/2006/diagram" xmlns:a="http://schemas.openxmlformats.org/drawingml/2006/main">
   <dgm:ptLst>
     <dgm:pt modelId="{B3FE0106-FD67-4306-B086-D1101367BEF1}" type="doc">
@@ -6445,17 +5467,17 @@
       <dsp:cNvGrpSpPr/>
     </dsp:nvGrpSpPr>
     <dsp:grpSpPr/>
-    <dsp:sp modelId="{51128BC5-A742-43CF-BE0D-B12906F3897A}">
+    <dsp:sp modelId="{2CA3A101-B020-42DA-9933-692CFF38C07E}">
       <dsp:nvSpPr>
         <dsp:cNvPr id="0" name=""/>
         <dsp:cNvSpPr/>
       </dsp:nvSpPr>
       <dsp:spPr>
         <a:xfrm>
-          <a:off x="0" y="61313"/>
-          <a:ext cx="6245265" cy="719549"/>
+          <a:off x="0" y="682"/>
+          <a:ext cx="6245265" cy="0"/>
         </a:xfrm>
-        <a:prstGeom prst="roundRect">
+        <a:prstGeom prst="line">
           <a:avLst/>
         </a:prstGeom>
         <a:solidFill>
@@ -6468,7 +5490,7 @@
         </a:solidFill>
         <a:ln w="25400" cap="flat" cmpd="sng" algn="ctr">
           <a:solidFill>
-            <a:schemeClr val="lt1">
+            <a:schemeClr val="accent2">
               <a:hueOff val="0"/>
               <a:satOff val="0"/>
               <a:lumOff val="0"/>
@@ -6493,13 +5515,45 @@
           <a:schemeClr val="lt1"/>
         </a:fontRef>
       </dsp:style>
+    </dsp:sp>
+    <dsp:sp modelId="{9420408D-C169-4104-979D-BE461075E319}">
+      <dsp:nvSpPr>
+        <dsp:cNvPr id="0" name=""/>
+        <dsp:cNvSpPr/>
+      </dsp:nvSpPr>
+      <dsp:spPr>
+        <a:xfrm>
+          <a:off x="0" y="682"/>
+          <a:ext cx="6245265" cy="798283"/>
+        </a:xfrm>
+        <a:prstGeom prst="rect">
+          <a:avLst/>
+        </a:prstGeom>
+        <a:noFill/>
+        <a:ln>
+          <a:noFill/>
+        </a:ln>
+        <a:effectLst/>
+      </dsp:spPr>
+      <dsp:style>
+        <a:lnRef idx="0">
+          <a:scrgbClr r="0" g="0" b="0"/>
+        </a:lnRef>
+        <a:fillRef idx="0">
+          <a:scrgbClr r="0" g="0" b="0"/>
+        </a:fillRef>
+        <a:effectRef idx="0">
+          <a:scrgbClr r="0" g="0" b="0"/>
+        </a:effectRef>
+        <a:fontRef idx="minor"/>
+      </dsp:style>
       <dsp:txBody>
-        <a:bodyPr spcFirstLastPara="0" vert="horz" wrap="square" lIns="114300" tIns="114300" rIns="114300" bIns="114300" numCol="1" spcCol="1270" anchor="ctr" anchorCtr="0">
+        <a:bodyPr spcFirstLastPara="0" vert="horz" wrap="square" lIns="140970" tIns="140970" rIns="140970" bIns="140970" numCol="1" spcCol="1270" anchor="t" anchorCtr="0">
           <a:noAutofit/>
         </a:bodyPr>
         <a:lstStyle/>
         <a:p>
-          <a:pPr marL="0" lvl="0" indent="0" algn="l" defTabSz="1333500">
+          <a:pPr marL="0" lvl="0" indent="0" algn="l" defTabSz="1644650">
             <a:lnSpc>
               <a:spcPct val="90000"/>
             </a:lnSpc>
@@ -6512,28 +5566,28 @@
             <a:buNone/>
           </a:pPr>
           <a:r>
-            <a:rPr lang="en-AU" sz="3000" kern="1200" dirty="0"/>
+            <a:rPr lang="en-AU" sz="3700" kern="1200" dirty="0"/>
             <a:t>The Problem</a:t>
           </a:r>
-          <a:endParaRPr lang="en-US" sz="3000" kern="1200" dirty="0"/>
+          <a:endParaRPr lang="en-US" sz="3700" kern="1200" dirty="0"/>
         </a:p>
       </dsp:txBody>
       <dsp:txXfrm>
-        <a:off x="35125" y="96438"/>
-        <a:ext cx="6175015" cy="649299"/>
+        <a:off x="0" y="682"/>
+        <a:ext cx="6245265" cy="798283"/>
       </dsp:txXfrm>
     </dsp:sp>
-    <dsp:sp modelId="{C72AD7B6-E559-4282-9B05-D26A0F042FBC}">
+    <dsp:sp modelId="{7342DD3C-8D4E-41B7-AE87-8965DBFB58AC}">
       <dsp:nvSpPr>
         <dsp:cNvPr id="0" name=""/>
         <dsp:cNvSpPr/>
       </dsp:nvSpPr>
       <dsp:spPr>
         <a:xfrm>
-          <a:off x="0" y="822998"/>
-          <a:ext cx="6245265" cy="719549"/>
+          <a:off x="0" y="798965"/>
+          <a:ext cx="6245265" cy="0"/>
         </a:xfrm>
-        <a:prstGeom prst="roundRect">
+        <a:prstGeom prst="line">
           <a:avLst/>
         </a:prstGeom>
         <a:solidFill>
@@ -6546,10 +5600,10 @@
         </a:solidFill>
         <a:ln w="25400" cap="flat" cmpd="sng" algn="ctr">
           <a:solidFill>
-            <a:schemeClr val="lt1">
-              <a:hueOff val="0"/>
-              <a:satOff val="0"/>
-              <a:lumOff val="0"/>
+            <a:schemeClr val="accent2">
+              <a:hueOff val="780253"/>
+              <a:satOff val="-973"/>
+              <a:lumOff val="229"/>
               <a:alphaOff val="0"/>
             </a:schemeClr>
           </a:solidFill>
@@ -6571,13 +5625,45 @@
           <a:schemeClr val="lt1"/>
         </a:fontRef>
       </dsp:style>
+    </dsp:sp>
+    <dsp:sp modelId="{412A83D3-AB89-4676-B3AB-3737EFF4386A}">
+      <dsp:nvSpPr>
+        <dsp:cNvPr id="0" name=""/>
+        <dsp:cNvSpPr/>
+      </dsp:nvSpPr>
+      <dsp:spPr>
+        <a:xfrm>
+          <a:off x="0" y="798965"/>
+          <a:ext cx="6245265" cy="798283"/>
+        </a:xfrm>
+        <a:prstGeom prst="rect">
+          <a:avLst/>
+        </a:prstGeom>
+        <a:noFill/>
+        <a:ln>
+          <a:noFill/>
+        </a:ln>
+        <a:effectLst/>
+      </dsp:spPr>
+      <dsp:style>
+        <a:lnRef idx="0">
+          <a:scrgbClr r="0" g="0" b="0"/>
+        </a:lnRef>
+        <a:fillRef idx="0">
+          <a:scrgbClr r="0" g="0" b="0"/>
+        </a:fillRef>
+        <a:effectRef idx="0">
+          <a:scrgbClr r="0" g="0" b="0"/>
+        </a:effectRef>
+        <a:fontRef idx="minor"/>
+      </dsp:style>
       <dsp:txBody>
-        <a:bodyPr spcFirstLastPara="0" vert="horz" wrap="square" lIns="114300" tIns="114300" rIns="114300" bIns="114300" numCol="1" spcCol="1270" anchor="ctr" anchorCtr="0">
+        <a:bodyPr spcFirstLastPara="0" vert="horz" wrap="square" lIns="140970" tIns="140970" rIns="140970" bIns="140970" numCol="1" spcCol="1270" anchor="t" anchorCtr="0">
           <a:noAutofit/>
         </a:bodyPr>
         <a:lstStyle/>
         <a:p>
-          <a:pPr marL="0" lvl="0" indent="0" algn="l" defTabSz="1333500">
+          <a:pPr marL="0" lvl="0" indent="0" algn="l" defTabSz="1644650">
             <a:lnSpc>
               <a:spcPct val="90000"/>
             </a:lnSpc>
@@ -6590,28 +5676,28 @@
             <a:buNone/>
           </a:pPr>
           <a:r>
-            <a:rPr lang="en-AU" sz="3000" kern="1200"/>
+            <a:rPr lang="en-AU" sz="3700" kern="1200"/>
             <a:t>Solution Overview</a:t>
           </a:r>
-          <a:endParaRPr lang="en-US" sz="3000" kern="1200"/>
+          <a:endParaRPr lang="en-US" sz="3700" kern="1200"/>
         </a:p>
       </dsp:txBody>
       <dsp:txXfrm>
-        <a:off x="35125" y="858123"/>
-        <a:ext cx="6175015" cy="649299"/>
+        <a:off x="0" y="798965"/>
+        <a:ext cx="6245265" cy="798283"/>
       </dsp:txXfrm>
     </dsp:sp>
-    <dsp:sp modelId="{27CB9D3A-E98F-423B-B243-FEF0B24D4D4E}">
+    <dsp:sp modelId="{0D3FB612-67EF-4083-B99A-3FEBBD91471F}">
       <dsp:nvSpPr>
         <dsp:cNvPr id="0" name=""/>
         <dsp:cNvSpPr/>
       </dsp:nvSpPr>
       <dsp:spPr>
         <a:xfrm>
-          <a:off x="0" y="1628948"/>
-          <a:ext cx="6245265" cy="719549"/>
+          <a:off x="0" y="1597248"/>
+          <a:ext cx="6245265" cy="0"/>
         </a:xfrm>
-        <a:prstGeom prst="roundRect">
+        <a:prstGeom prst="line">
           <a:avLst/>
         </a:prstGeom>
         <a:solidFill>
@@ -6624,10 +5710,10 @@
         </a:solidFill>
         <a:ln w="25400" cap="flat" cmpd="sng" algn="ctr">
           <a:solidFill>
-            <a:schemeClr val="lt1">
-              <a:hueOff val="0"/>
-              <a:satOff val="0"/>
-              <a:lumOff val="0"/>
+            <a:schemeClr val="accent2">
+              <a:hueOff val="1560506"/>
+              <a:satOff val="-1946"/>
+              <a:lumOff val="458"/>
               <a:alphaOff val="0"/>
             </a:schemeClr>
           </a:solidFill>
@@ -6649,13 +5735,45 @@
           <a:schemeClr val="lt1"/>
         </a:fontRef>
       </dsp:style>
+    </dsp:sp>
+    <dsp:sp modelId="{1F92221E-C4A9-4895-924D-9A845126627F}">
+      <dsp:nvSpPr>
+        <dsp:cNvPr id="0" name=""/>
+        <dsp:cNvSpPr/>
+      </dsp:nvSpPr>
+      <dsp:spPr>
+        <a:xfrm>
+          <a:off x="0" y="1597248"/>
+          <a:ext cx="6245265" cy="798283"/>
+        </a:xfrm>
+        <a:prstGeom prst="rect">
+          <a:avLst/>
+        </a:prstGeom>
+        <a:noFill/>
+        <a:ln>
+          <a:noFill/>
+        </a:ln>
+        <a:effectLst/>
+      </dsp:spPr>
+      <dsp:style>
+        <a:lnRef idx="0">
+          <a:scrgbClr r="0" g="0" b="0"/>
+        </a:lnRef>
+        <a:fillRef idx="0">
+          <a:scrgbClr r="0" g="0" b="0"/>
+        </a:fillRef>
+        <a:effectRef idx="0">
+          <a:scrgbClr r="0" g="0" b="0"/>
+        </a:effectRef>
+        <a:fontRef idx="minor"/>
+      </dsp:style>
       <dsp:txBody>
-        <a:bodyPr spcFirstLastPara="0" vert="horz" wrap="square" lIns="114300" tIns="114300" rIns="114300" bIns="114300" numCol="1" spcCol="1270" anchor="ctr" anchorCtr="0">
+        <a:bodyPr spcFirstLastPara="0" vert="horz" wrap="square" lIns="140970" tIns="140970" rIns="140970" bIns="140970" numCol="1" spcCol="1270" anchor="t" anchorCtr="0">
           <a:noAutofit/>
         </a:bodyPr>
         <a:lstStyle/>
         <a:p>
-          <a:pPr marL="0" lvl="0" indent="0" algn="l" defTabSz="1333500">
+          <a:pPr marL="0" lvl="0" indent="0" algn="l" defTabSz="1644650">
             <a:lnSpc>
               <a:spcPct val="90000"/>
             </a:lnSpc>
@@ -6668,28 +5786,28 @@
             <a:buNone/>
           </a:pPr>
           <a:r>
-            <a:rPr lang="en-AU" sz="3000" kern="1200"/>
+            <a:rPr lang="en-AU" sz="3700" kern="1200"/>
             <a:t>Dataset overview</a:t>
           </a:r>
-          <a:endParaRPr lang="en-US" sz="3000" kern="1200"/>
+          <a:endParaRPr lang="en-US" sz="3700" kern="1200"/>
         </a:p>
       </dsp:txBody>
       <dsp:txXfrm>
-        <a:off x="35125" y="1664073"/>
-        <a:ext cx="6175015" cy="649299"/>
+        <a:off x="0" y="1597248"/>
+        <a:ext cx="6245265" cy="798283"/>
       </dsp:txXfrm>
     </dsp:sp>
-    <dsp:sp modelId="{AD94C780-5748-4D04-9D97-1EE025E49DB3}">
+    <dsp:sp modelId="{8DF990A4-9951-47AC-A685-85E21752F723}">
       <dsp:nvSpPr>
         <dsp:cNvPr id="0" name=""/>
         <dsp:cNvSpPr/>
       </dsp:nvSpPr>
       <dsp:spPr>
         <a:xfrm>
-          <a:off x="0" y="2434898"/>
-          <a:ext cx="6245265" cy="719549"/>
+          <a:off x="0" y="2395531"/>
+          <a:ext cx="6245265" cy="0"/>
         </a:xfrm>
-        <a:prstGeom prst="roundRect">
+        <a:prstGeom prst="line">
           <a:avLst/>
         </a:prstGeom>
         <a:solidFill>
@@ -6702,10 +5820,10 @@
         </a:solidFill>
         <a:ln w="25400" cap="flat" cmpd="sng" algn="ctr">
           <a:solidFill>
-            <a:schemeClr val="lt1">
-              <a:hueOff val="0"/>
-              <a:satOff val="0"/>
-              <a:lumOff val="0"/>
+            <a:schemeClr val="accent2">
+              <a:hueOff val="2340759"/>
+              <a:satOff val="-2919"/>
+              <a:lumOff val="686"/>
               <a:alphaOff val="0"/>
             </a:schemeClr>
           </a:solidFill>
@@ -6727,13 +5845,45 @@
           <a:schemeClr val="lt1"/>
         </a:fontRef>
       </dsp:style>
+    </dsp:sp>
+    <dsp:sp modelId="{CD57FF56-5EFE-4886-BBD4-361EF618F0D5}">
+      <dsp:nvSpPr>
+        <dsp:cNvPr id="0" name=""/>
+        <dsp:cNvSpPr/>
+      </dsp:nvSpPr>
+      <dsp:spPr>
+        <a:xfrm>
+          <a:off x="0" y="2395531"/>
+          <a:ext cx="6245265" cy="798283"/>
+        </a:xfrm>
+        <a:prstGeom prst="rect">
+          <a:avLst/>
+        </a:prstGeom>
+        <a:noFill/>
+        <a:ln>
+          <a:noFill/>
+        </a:ln>
+        <a:effectLst/>
+      </dsp:spPr>
+      <dsp:style>
+        <a:lnRef idx="0">
+          <a:scrgbClr r="0" g="0" b="0"/>
+        </a:lnRef>
+        <a:fillRef idx="0">
+          <a:scrgbClr r="0" g="0" b="0"/>
+        </a:fillRef>
+        <a:effectRef idx="0">
+          <a:scrgbClr r="0" g="0" b="0"/>
+        </a:effectRef>
+        <a:fontRef idx="minor"/>
+      </dsp:style>
       <dsp:txBody>
-        <a:bodyPr spcFirstLastPara="0" vert="horz" wrap="square" lIns="114300" tIns="114300" rIns="114300" bIns="114300" numCol="1" spcCol="1270" anchor="ctr" anchorCtr="0">
+        <a:bodyPr spcFirstLastPara="0" vert="horz" wrap="square" lIns="140970" tIns="140970" rIns="140970" bIns="140970" numCol="1" spcCol="1270" anchor="t" anchorCtr="0">
           <a:noAutofit/>
         </a:bodyPr>
         <a:lstStyle/>
         <a:p>
-          <a:pPr marL="0" lvl="0" indent="0" algn="l" defTabSz="1333500">
+          <a:pPr marL="0" lvl="0" indent="0" algn="l" defTabSz="1644650">
             <a:lnSpc>
               <a:spcPct val="90000"/>
             </a:lnSpc>
@@ -6746,28 +5896,28 @@
             <a:buNone/>
           </a:pPr>
           <a:r>
-            <a:rPr lang="en-AU" sz="3000" kern="1200"/>
+            <a:rPr lang="en-AU" sz="3700" kern="1200"/>
             <a:t>CNN Model Architecture</a:t>
           </a:r>
-          <a:endParaRPr lang="en-US" sz="3000" kern="1200"/>
+          <a:endParaRPr lang="en-US" sz="3700" kern="1200"/>
         </a:p>
       </dsp:txBody>
       <dsp:txXfrm>
-        <a:off x="35125" y="2470023"/>
-        <a:ext cx="6175015" cy="649299"/>
+        <a:off x="0" y="2395531"/>
+        <a:ext cx="6245265" cy="798283"/>
       </dsp:txXfrm>
     </dsp:sp>
-    <dsp:sp modelId="{8B92CC51-9F6E-494A-91E6-E5B52D08D49F}">
+    <dsp:sp modelId="{75500124-1840-4968-866A-3ACA01BD1576}">
       <dsp:nvSpPr>
         <dsp:cNvPr id="0" name=""/>
         <dsp:cNvSpPr/>
       </dsp:nvSpPr>
       <dsp:spPr>
         <a:xfrm>
-          <a:off x="0" y="3240848"/>
-          <a:ext cx="6245265" cy="719549"/>
+          <a:off x="0" y="3193815"/>
+          <a:ext cx="6245265" cy="0"/>
         </a:xfrm>
-        <a:prstGeom prst="roundRect">
+        <a:prstGeom prst="line">
           <a:avLst/>
         </a:prstGeom>
         <a:solidFill>
@@ -6780,10 +5930,10 @@
         </a:solidFill>
         <a:ln w="25400" cap="flat" cmpd="sng" algn="ctr">
           <a:solidFill>
-            <a:schemeClr val="lt1">
-              <a:hueOff val="0"/>
-              <a:satOff val="0"/>
-              <a:lumOff val="0"/>
+            <a:schemeClr val="accent2">
+              <a:hueOff val="3121013"/>
+              <a:satOff val="-3893"/>
+              <a:lumOff val="915"/>
               <a:alphaOff val="0"/>
             </a:schemeClr>
           </a:solidFill>
@@ -6805,13 +5955,45 @@
           <a:schemeClr val="lt1"/>
         </a:fontRef>
       </dsp:style>
+    </dsp:sp>
+    <dsp:sp modelId="{09CE6787-2F1D-4296-83C8-EB640960E0B1}">
+      <dsp:nvSpPr>
+        <dsp:cNvPr id="0" name=""/>
+        <dsp:cNvSpPr/>
+      </dsp:nvSpPr>
+      <dsp:spPr>
+        <a:xfrm>
+          <a:off x="0" y="3193815"/>
+          <a:ext cx="6245265" cy="798283"/>
+        </a:xfrm>
+        <a:prstGeom prst="rect">
+          <a:avLst/>
+        </a:prstGeom>
+        <a:noFill/>
+        <a:ln>
+          <a:noFill/>
+        </a:ln>
+        <a:effectLst/>
+      </dsp:spPr>
+      <dsp:style>
+        <a:lnRef idx="0">
+          <a:scrgbClr r="0" g="0" b="0"/>
+        </a:lnRef>
+        <a:fillRef idx="0">
+          <a:scrgbClr r="0" g="0" b="0"/>
+        </a:fillRef>
+        <a:effectRef idx="0">
+          <a:scrgbClr r="0" g="0" b="0"/>
+        </a:effectRef>
+        <a:fontRef idx="minor"/>
+      </dsp:style>
       <dsp:txBody>
-        <a:bodyPr spcFirstLastPara="0" vert="horz" wrap="square" lIns="114300" tIns="114300" rIns="114300" bIns="114300" numCol="1" spcCol="1270" anchor="ctr" anchorCtr="0">
+        <a:bodyPr spcFirstLastPara="0" vert="horz" wrap="square" lIns="140970" tIns="140970" rIns="140970" bIns="140970" numCol="1" spcCol="1270" anchor="t" anchorCtr="0">
           <a:noAutofit/>
         </a:bodyPr>
         <a:lstStyle/>
         <a:p>
-          <a:pPr marL="0" lvl="0" indent="0" algn="l" defTabSz="1333500">
+          <a:pPr marL="0" lvl="0" indent="0" algn="l" defTabSz="1644650">
             <a:lnSpc>
               <a:spcPct val="90000"/>
             </a:lnSpc>
@@ -6824,28 +6006,28 @@
             <a:buNone/>
           </a:pPr>
           <a:r>
-            <a:rPr lang="en-AU" sz="3000" kern="1200" dirty="0"/>
+            <a:rPr lang="en-AU" sz="3700" kern="1200" dirty="0"/>
             <a:t>Model Evaluation</a:t>
           </a:r>
-          <a:endParaRPr lang="en-US" sz="3000" kern="1200" dirty="0"/>
+          <a:endParaRPr lang="en-US" sz="3700" kern="1200" dirty="0"/>
         </a:p>
       </dsp:txBody>
       <dsp:txXfrm>
-        <a:off x="35125" y="3275973"/>
-        <a:ext cx="6175015" cy="649299"/>
+        <a:off x="0" y="3193815"/>
+        <a:ext cx="6245265" cy="798283"/>
       </dsp:txXfrm>
     </dsp:sp>
-    <dsp:sp modelId="{BD6B9C6B-9E07-4D4C-B3F7-D0C21F21975F}">
+    <dsp:sp modelId="{DD1AD1B6-84E1-4B78-8187-769B9DF3ADEF}">
       <dsp:nvSpPr>
         <dsp:cNvPr id="0" name=""/>
         <dsp:cNvSpPr/>
       </dsp:nvSpPr>
       <dsp:spPr>
         <a:xfrm>
-          <a:off x="0" y="4046798"/>
-          <a:ext cx="6245265" cy="719549"/>
+          <a:off x="0" y="3992098"/>
+          <a:ext cx="6245265" cy="0"/>
         </a:xfrm>
-        <a:prstGeom prst="roundRect">
+        <a:prstGeom prst="line">
           <a:avLst/>
         </a:prstGeom>
         <a:solidFill>
@@ -6858,10 +6040,10 @@
         </a:solidFill>
         <a:ln w="25400" cap="flat" cmpd="sng" algn="ctr">
           <a:solidFill>
-            <a:schemeClr val="lt1">
-              <a:hueOff val="0"/>
-              <a:satOff val="0"/>
-              <a:lumOff val="0"/>
+            <a:schemeClr val="accent2">
+              <a:hueOff val="3901266"/>
+              <a:satOff val="-4866"/>
+              <a:lumOff val="1144"/>
               <a:alphaOff val="0"/>
             </a:schemeClr>
           </a:solidFill>
@@ -6883,13 +6065,45 @@
           <a:schemeClr val="lt1"/>
         </a:fontRef>
       </dsp:style>
+    </dsp:sp>
+    <dsp:sp modelId="{07F96074-8495-4DFF-83CC-BBE134A17552}">
+      <dsp:nvSpPr>
+        <dsp:cNvPr id="0" name=""/>
+        <dsp:cNvSpPr/>
+      </dsp:nvSpPr>
+      <dsp:spPr>
+        <a:xfrm>
+          <a:off x="0" y="3992098"/>
+          <a:ext cx="6245265" cy="798283"/>
+        </a:xfrm>
+        <a:prstGeom prst="rect">
+          <a:avLst/>
+        </a:prstGeom>
+        <a:noFill/>
+        <a:ln>
+          <a:noFill/>
+        </a:ln>
+        <a:effectLst/>
+      </dsp:spPr>
+      <dsp:style>
+        <a:lnRef idx="0">
+          <a:scrgbClr r="0" g="0" b="0"/>
+        </a:lnRef>
+        <a:fillRef idx="0">
+          <a:scrgbClr r="0" g="0" b="0"/>
+        </a:fillRef>
+        <a:effectRef idx="0">
+          <a:scrgbClr r="0" g="0" b="0"/>
+        </a:effectRef>
+        <a:fontRef idx="minor"/>
+      </dsp:style>
       <dsp:txBody>
-        <a:bodyPr spcFirstLastPara="0" vert="horz" wrap="square" lIns="114300" tIns="114300" rIns="114300" bIns="114300" numCol="1" spcCol="1270" anchor="ctr" anchorCtr="0">
+        <a:bodyPr spcFirstLastPara="0" vert="horz" wrap="square" lIns="140970" tIns="140970" rIns="140970" bIns="140970" numCol="1" spcCol="1270" anchor="t" anchorCtr="0">
           <a:noAutofit/>
         </a:bodyPr>
         <a:lstStyle/>
         <a:p>
-          <a:pPr marL="0" lvl="0" indent="0" algn="l" defTabSz="1333500">
+          <a:pPr marL="0" lvl="0" indent="0" algn="l" defTabSz="1644650">
             <a:lnSpc>
               <a:spcPct val="90000"/>
             </a:lnSpc>
@@ -6902,28 +6116,28 @@
             <a:buNone/>
           </a:pPr>
           <a:r>
-            <a:rPr lang="en-AU" sz="3000" kern="1200" dirty="0"/>
+            <a:rPr lang="en-AU" sz="3700" kern="1200" dirty="0"/>
             <a:t>Business Impact</a:t>
           </a:r>
-          <a:endParaRPr lang="en-US" sz="3000" kern="1200" dirty="0"/>
+          <a:endParaRPr lang="en-US" sz="3700" kern="1200" dirty="0"/>
         </a:p>
       </dsp:txBody>
       <dsp:txXfrm>
-        <a:off x="35125" y="4081923"/>
-        <a:ext cx="6175015" cy="649299"/>
+        <a:off x="0" y="3992098"/>
+        <a:ext cx="6245265" cy="798283"/>
       </dsp:txXfrm>
     </dsp:sp>
-    <dsp:sp modelId="{A5B53DA9-0EE7-4C70-8831-E552BEB24893}">
+    <dsp:sp modelId="{2B1068D5-E656-4270-AD88-685E83920E45}">
       <dsp:nvSpPr>
         <dsp:cNvPr id="0" name=""/>
         <dsp:cNvSpPr/>
       </dsp:nvSpPr>
       <dsp:spPr>
         <a:xfrm>
-          <a:off x="0" y="4852748"/>
-          <a:ext cx="6245265" cy="719549"/>
+          <a:off x="0" y="4790381"/>
+          <a:ext cx="6245265" cy="0"/>
         </a:xfrm>
-        <a:prstGeom prst="roundRect">
+        <a:prstGeom prst="line">
           <a:avLst/>
         </a:prstGeom>
         <a:solidFill>
@@ -6936,10 +6150,10 @@
         </a:solidFill>
         <a:ln w="25400" cap="flat" cmpd="sng" algn="ctr">
           <a:solidFill>
-            <a:schemeClr val="lt1">
-              <a:hueOff val="0"/>
-              <a:satOff val="0"/>
-              <a:lumOff val="0"/>
+            <a:schemeClr val="accent2">
+              <a:hueOff val="4681519"/>
+              <a:satOff val="-5839"/>
+              <a:lumOff val="1373"/>
               <a:alphaOff val="0"/>
             </a:schemeClr>
           </a:solidFill>
@@ -6961,13 +6175,45 @@
           <a:schemeClr val="lt1"/>
         </a:fontRef>
       </dsp:style>
+    </dsp:sp>
+    <dsp:sp modelId="{4E4569E2-7710-44E0-908E-60FD168901D8}">
+      <dsp:nvSpPr>
+        <dsp:cNvPr id="0" name=""/>
+        <dsp:cNvSpPr/>
+      </dsp:nvSpPr>
+      <dsp:spPr>
+        <a:xfrm>
+          <a:off x="0" y="4790381"/>
+          <a:ext cx="6245265" cy="798283"/>
+        </a:xfrm>
+        <a:prstGeom prst="rect">
+          <a:avLst/>
+        </a:prstGeom>
+        <a:noFill/>
+        <a:ln>
+          <a:noFill/>
+        </a:ln>
+        <a:effectLst/>
+      </dsp:spPr>
+      <dsp:style>
+        <a:lnRef idx="0">
+          <a:scrgbClr r="0" g="0" b="0"/>
+        </a:lnRef>
+        <a:fillRef idx="0">
+          <a:scrgbClr r="0" g="0" b="0"/>
+        </a:fillRef>
+        <a:effectRef idx="0">
+          <a:scrgbClr r="0" g="0" b="0"/>
+        </a:effectRef>
+        <a:fontRef idx="minor"/>
+      </dsp:style>
       <dsp:txBody>
-        <a:bodyPr spcFirstLastPara="0" vert="horz" wrap="square" lIns="114300" tIns="114300" rIns="114300" bIns="114300" numCol="1" spcCol="1270" anchor="ctr" anchorCtr="0">
+        <a:bodyPr spcFirstLastPara="0" vert="horz" wrap="square" lIns="140970" tIns="140970" rIns="140970" bIns="140970" numCol="1" spcCol="1270" anchor="t" anchorCtr="0">
           <a:noAutofit/>
         </a:bodyPr>
         <a:lstStyle/>
         <a:p>
-          <a:pPr marL="0" lvl="0" indent="0" algn="l" defTabSz="1333500">
+          <a:pPr marL="0" lvl="0" indent="0" algn="l" defTabSz="1644650">
             <a:lnSpc>
               <a:spcPct val="90000"/>
             </a:lnSpc>
@@ -6980,15 +6226,15 @@
             <a:buNone/>
           </a:pPr>
           <a:r>
-            <a:rPr lang="en-AU" sz="3000" kern="1200" dirty="0"/>
+            <a:rPr lang="en-AU" sz="3700" kern="1200" dirty="0"/>
             <a:t>Future work and Conclusion</a:t>
           </a:r>
-          <a:endParaRPr lang="en-US" sz="3000" kern="1200" dirty="0"/>
+          <a:endParaRPr lang="en-US" sz="3700" kern="1200" dirty="0"/>
         </a:p>
       </dsp:txBody>
       <dsp:txXfrm>
-        <a:off x="35125" y="4887873"/>
-        <a:ext cx="6175015" cy="649299"/>
+        <a:off x="0" y="4790381"/>
+        <a:ext cx="6245265" cy="798283"/>
       </dsp:txXfrm>
     </dsp:sp>
   </dsp:spTree>
@@ -6996,418 +6242,6 @@
 </file>
 
 <file path=ppt/diagrams/drawing2.xml><?xml version="1.0" encoding="utf-8"?>
-<dsp:drawing xmlns:dgm="http://schemas.openxmlformats.org/drawingml/2006/diagram" xmlns:dsp="http://schemas.microsoft.com/office/drawing/2008/diagram" xmlns:a="http://schemas.openxmlformats.org/drawingml/2006/main">
-  <dsp:spTree>
-    <dsp:nvGrpSpPr>
-      <dsp:cNvPr id="0" name=""/>
-      <dsp:cNvGrpSpPr/>
-    </dsp:nvGrpSpPr>
-    <dsp:grpSpPr/>
-    <dsp:sp modelId="{4D65C1C2-313D-427D-9290-FED2EB4A32BF}">
-      <dsp:nvSpPr>
-        <dsp:cNvPr id="0" name=""/>
-        <dsp:cNvSpPr/>
-      </dsp:nvSpPr>
-      <dsp:spPr>
-        <a:xfrm>
-          <a:off x="4614416" y="50"/>
-          <a:ext cx="1743967" cy="1743967"/>
-        </a:xfrm>
-        <a:prstGeom prst="downArrow">
-          <a:avLst>
-            <a:gd name="adj1" fmla="val 50000"/>
-            <a:gd name="adj2" fmla="val 35000"/>
-          </a:avLst>
-        </a:prstGeom>
-        <a:solidFill>
-          <a:schemeClr val="accent1">
-            <a:hueOff val="0"/>
-            <a:satOff val="0"/>
-            <a:lumOff val="0"/>
-            <a:alphaOff val="0"/>
-          </a:schemeClr>
-        </a:solidFill>
-        <a:ln w="25400" cap="flat" cmpd="sng" algn="ctr">
-          <a:solidFill>
-            <a:schemeClr val="lt1">
-              <a:hueOff val="0"/>
-              <a:satOff val="0"/>
-              <a:lumOff val="0"/>
-              <a:alphaOff val="0"/>
-            </a:schemeClr>
-          </a:solidFill>
-          <a:prstDash val="solid"/>
-        </a:ln>
-        <a:effectLst/>
-      </dsp:spPr>
-      <dsp:style>
-        <a:lnRef idx="2">
-          <a:scrgbClr r="0" g="0" b="0"/>
-        </a:lnRef>
-        <a:fillRef idx="1">
-          <a:scrgbClr r="0" g="0" b="0"/>
-        </a:fillRef>
-        <a:effectRef idx="0">
-          <a:scrgbClr r="0" g="0" b="0"/>
-        </a:effectRef>
-        <a:fontRef idx="minor">
-          <a:schemeClr val="lt1"/>
-        </a:fontRef>
-      </dsp:style>
-      <dsp:txBody>
-        <a:bodyPr spcFirstLastPara="0" vert="horz" wrap="square" lIns="64008" tIns="64008" rIns="64008" bIns="64008" numCol="1" spcCol="1270" anchor="ctr" anchorCtr="0">
-          <a:noAutofit/>
-        </a:bodyPr>
-        <a:lstStyle/>
-        <a:p>
-          <a:pPr marL="0" lvl="0" indent="0" algn="ctr" defTabSz="400050">
-            <a:lnSpc>
-              <a:spcPct val="90000"/>
-            </a:lnSpc>
-            <a:spcBef>
-              <a:spcPct val="0"/>
-            </a:spcBef>
-            <a:spcAft>
-              <a:spcPct val="35000"/>
-            </a:spcAft>
-            <a:buNone/>
-          </a:pPr>
-          <a:r>
-            <a:rPr lang="en-US" sz="900" kern="1200"/>
-            <a:t>Time-consuming and labor-intensive process </a:t>
-          </a:r>
-        </a:p>
-      </dsp:txBody>
-      <dsp:txXfrm>
-        <a:off x="5050408" y="50"/>
-        <a:ext cx="871983" cy="1438773"/>
-      </dsp:txXfrm>
-    </dsp:sp>
-    <dsp:sp modelId="{80F9C991-508D-437F-A4EC-1E4C7DECF014}">
-      <dsp:nvSpPr>
-        <dsp:cNvPr id="0" name=""/>
-        <dsp:cNvSpPr/>
-      </dsp:nvSpPr>
-      <dsp:spPr>
-        <a:xfrm rot="4320000">
-          <a:off x="6076944" y="1062639"/>
-          <a:ext cx="1743967" cy="1743967"/>
-        </a:xfrm>
-        <a:prstGeom prst="downArrow">
-          <a:avLst>
-            <a:gd name="adj1" fmla="val 50000"/>
-            <a:gd name="adj2" fmla="val 35000"/>
-          </a:avLst>
-        </a:prstGeom>
-        <a:solidFill>
-          <a:schemeClr val="accent1">
-            <a:hueOff val="0"/>
-            <a:satOff val="0"/>
-            <a:lumOff val="0"/>
-            <a:alphaOff val="0"/>
-          </a:schemeClr>
-        </a:solidFill>
-        <a:ln w="25400" cap="flat" cmpd="sng" algn="ctr">
-          <a:solidFill>
-            <a:schemeClr val="lt1">
-              <a:hueOff val="0"/>
-              <a:satOff val="0"/>
-              <a:lumOff val="0"/>
-              <a:alphaOff val="0"/>
-            </a:schemeClr>
-          </a:solidFill>
-          <a:prstDash val="solid"/>
-        </a:ln>
-        <a:effectLst/>
-      </dsp:spPr>
-      <dsp:style>
-        <a:lnRef idx="2">
-          <a:scrgbClr r="0" g="0" b="0"/>
-        </a:lnRef>
-        <a:fillRef idx="1">
-          <a:scrgbClr r="0" g="0" b="0"/>
-        </a:fillRef>
-        <a:effectRef idx="0">
-          <a:scrgbClr r="0" g="0" b="0"/>
-        </a:effectRef>
-        <a:fontRef idx="minor">
-          <a:schemeClr val="lt1"/>
-        </a:fontRef>
-      </dsp:style>
-      <dsp:txBody>
-        <a:bodyPr spcFirstLastPara="0" vert="horz" wrap="square" lIns="64008" tIns="64008" rIns="64008" bIns="64008" numCol="1" spcCol="1270" anchor="ctr" anchorCtr="0">
-          <a:noAutofit/>
-        </a:bodyPr>
-        <a:lstStyle/>
-        <a:p>
-          <a:pPr marL="0" lvl="0" indent="0" algn="ctr" defTabSz="400050">
-            <a:lnSpc>
-              <a:spcPct val="90000"/>
-            </a:lnSpc>
-            <a:spcBef>
-              <a:spcPct val="0"/>
-            </a:spcBef>
-            <a:spcAft>
-              <a:spcPct val="35000"/>
-            </a:spcAft>
-            <a:buNone/>
-          </a:pPr>
-          <a:r>
-            <a:rPr lang="en-US" sz="900" kern="1200"/>
-            <a:t>Inconsistent evaluations by human assessors </a:t>
-          </a:r>
-        </a:p>
-      </dsp:txBody>
-      <dsp:txXfrm rot="-5400000">
-        <a:off x="6374669" y="1451476"/>
-        <a:ext cx="1438773" cy="871983"/>
-      </dsp:txXfrm>
-    </dsp:sp>
-    <dsp:sp modelId="{0A125F7C-B8E5-42FA-B6F3-F8AAB444C131}">
-      <dsp:nvSpPr>
-        <dsp:cNvPr id="0" name=""/>
-        <dsp:cNvSpPr/>
-      </dsp:nvSpPr>
-      <dsp:spPr>
-        <a:xfrm rot="8640000">
-          <a:off x="5518308" y="2781944"/>
-          <a:ext cx="1743967" cy="1743967"/>
-        </a:xfrm>
-        <a:prstGeom prst="downArrow">
-          <a:avLst>
-            <a:gd name="adj1" fmla="val 50000"/>
-            <a:gd name="adj2" fmla="val 35000"/>
-          </a:avLst>
-        </a:prstGeom>
-        <a:solidFill>
-          <a:schemeClr val="accent1">
-            <a:hueOff val="0"/>
-            <a:satOff val="0"/>
-            <a:lumOff val="0"/>
-            <a:alphaOff val="0"/>
-          </a:schemeClr>
-        </a:solidFill>
-        <a:ln w="25400" cap="flat" cmpd="sng" algn="ctr">
-          <a:solidFill>
-            <a:schemeClr val="lt1">
-              <a:hueOff val="0"/>
-              <a:satOff val="0"/>
-              <a:lumOff val="0"/>
-              <a:alphaOff val="0"/>
-            </a:schemeClr>
-          </a:solidFill>
-          <a:prstDash val="solid"/>
-        </a:ln>
-        <a:effectLst/>
-      </dsp:spPr>
-      <dsp:style>
-        <a:lnRef idx="2">
-          <a:scrgbClr r="0" g="0" b="0"/>
-        </a:lnRef>
-        <a:fillRef idx="1">
-          <a:scrgbClr r="0" g="0" b="0"/>
-        </a:fillRef>
-        <a:effectRef idx="0">
-          <a:scrgbClr r="0" g="0" b="0"/>
-        </a:effectRef>
-        <a:fontRef idx="minor">
-          <a:schemeClr val="lt1"/>
-        </a:fontRef>
-      </dsp:style>
-      <dsp:txBody>
-        <a:bodyPr spcFirstLastPara="0" vert="horz" wrap="square" lIns="64008" tIns="64008" rIns="64008" bIns="64008" numCol="1" spcCol="1270" anchor="ctr" anchorCtr="0">
-          <a:noAutofit/>
-        </a:bodyPr>
-        <a:lstStyle/>
-        <a:p>
-          <a:pPr marL="0" lvl="0" indent="0" algn="ctr" defTabSz="400050">
-            <a:lnSpc>
-              <a:spcPct val="90000"/>
-            </a:lnSpc>
-            <a:spcBef>
-              <a:spcPct val="0"/>
-            </a:spcBef>
-            <a:spcAft>
-              <a:spcPct val="35000"/>
-            </a:spcAft>
-            <a:buNone/>
-          </a:pPr>
-          <a:r>
-            <a:rPr lang="en-US" sz="900" kern="1200"/>
-            <a:t>Prone to human error and subjectivity </a:t>
-          </a:r>
-        </a:p>
-      </dsp:txBody>
-      <dsp:txXfrm rot="10800000">
-        <a:off x="6043994" y="3057995"/>
-        <a:ext cx="871983" cy="1438773"/>
-      </dsp:txXfrm>
-    </dsp:sp>
-    <dsp:sp modelId="{8F7911C7-E49C-4F1F-AA4B-99E7B54252E2}">
-      <dsp:nvSpPr>
-        <dsp:cNvPr id="0" name=""/>
-        <dsp:cNvSpPr/>
-      </dsp:nvSpPr>
-      <dsp:spPr>
-        <a:xfrm rot="12960000">
-          <a:off x="3710523" y="2781944"/>
-          <a:ext cx="1743967" cy="1743967"/>
-        </a:xfrm>
-        <a:prstGeom prst="downArrow">
-          <a:avLst>
-            <a:gd name="adj1" fmla="val 50000"/>
-            <a:gd name="adj2" fmla="val 35000"/>
-          </a:avLst>
-        </a:prstGeom>
-        <a:solidFill>
-          <a:schemeClr val="accent1">
-            <a:hueOff val="0"/>
-            <a:satOff val="0"/>
-            <a:lumOff val="0"/>
-            <a:alphaOff val="0"/>
-          </a:schemeClr>
-        </a:solidFill>
-        <a:ln w="25400" cap="flat" cmpd="sng" algn="ctr">
-          <a:solidFill>
-            <a:schemeClr val="lt1">
-              <a:hueOff val="0"/>
-              <a:satOff val="0"/>
-              <a:lumOff val="0"/>
-              <a:alphaOff val="0"/>
-            </a:schemeClr>
-          </a:solidFill>
-          <a:prstDash val="solid"/>
-        </a:ln>
-        <a:effectLst/>
-      </dsp:spPr>
-      <dsp:style>
-        <a:lnRef idx="2">
-          <a:scrgbClr r="0" g="0" b="0"/>
-        </a:lnRef>
-        <a:fillRef idx="1">
-          <a:scrgbClr r="0" g="0" b="0"/>
-        </a:fillRef>
-        <a:effectRef idx="0">
-          <a:scrgbClr r="0" g="0" b="0"/>
-        </a:effectRef>
-        <a:fontRef idx="minor">
-          <a:schemeClr val="lt1"/>
-        </a:fontRef>
-      </dsp:style>
-      <dsp:txBody>
-        <a:bodyPr spcFirstLastPara="0" vert="horz" wrap="square" lIns="64008" tIns="64008" rIns="64008" bIns="64008" numCol="1" spcCol="1270" anchor="ctr" anchorCtr="0">
-          <a:noAutofit/>
-        </a:bodyPr>
-        <a:lstStyle/>
-        <a:p>
-          <a:pPr marL="0" lvl="0" indent="0" algn="ctr" defTabSz="400050">
-            <a:lnSpc>
-              <a:spcPct val="90000"/>
-            </a:lnSpc>
-            <a:spcBef>
-              <a:spcPct val="0"/>
-            </a:spcBef>
-            <a:spcAft>
-              <a:spcPct val="35000"/>
-            </a:spcAft>
-            <a:buNone/>
-          </a:pPr>
-          <a:r>
-            <a:rPr lang="en-US" sz="900" kern="1200"/>
-            <a:t>Delay in claim settlements and customer dissatisfaction </a:t>
-          </a:r>
-        </a:p>
-      </dsp:txBody>
-      <dsp:txXfrm rot="10800000">
-        <a:off x="4056821" y="3057995"/>
-        <a:ext cx="871983" cy="1438773"/>
-      </dsp:txXfrm>
-    </dsp:sp>
-    <dsp:sp modelId="{C654FF10-68E5-4AE6-A725-0AD77FEAC81B}">
-      <dsp:nvSpPr>
-        <dsp:cNvPr id="0" name=""/>
-        <dsp:cNvSpPr/>
-      </dsp:nvSpPr>
-      <dsp:spPr>
-        <a:xfrm rot="17280000">
-          <a:off x="3151887" y="1062639"/>
-          <a:ext cx="1743967" cy="1743967"/>
-        </a:xfrm>
-        <a:prstGeom prst="downArrow">
-          <a:avLst>
-            <a:gd name="adj1" fmla="val 50000"/>
-            <a:gd name="adj2" fmla="val 35000"/>
-          </a:avLst>
-        </a:prstGeom>
-        <a:solidFill>
-          <a:schemeClr val="accent1">
-            <a:hueOff val="0"/>
-            <a:satOff val="0"/>
-            <a:lumOff val="0"/>
-            <a:alphaOff val="0"/>
-          </a:schemeClr>
-        </a:solidFill>
-        <a:ln w="25400" cap="flat" cmpd="sng" algn="ctr">
-          <a:solidFill>
-            <a:schemeClr val="lt1">
-              <a:hueOff val="0"/>
-              <a:satOff val="0"/>
-              <a:lumOff val="0"/>
-              <a:alphaOff val="0"/>
-            </a:schemeClr>
-          </a:solidFill>
-          <a:prstDash val="solid"/>
-        </a:ln>
-        <a:effectLst/>
-      </dsp:spPr>
-      <dsp:style>
-        <a:lnRef idx="2">
-          <a:scrgbClr r="0" g="0" b="0"/>
-        </a:lnRef>
-        <a:fillRef idx="1">
-          <a:scrgbClr r="0" g="0" b="0"/>
-        </a:fillRef>
-        <a:effectRef idx="0">
-          <a:scrgbClr r="0" g="0" b="0"/>
-        </a:effectRef>
-        <a:fontRef idx="minor">
-          <a:schemeClr val="lt1"/>
-        </a:fontRef>
-      </dsp:style>
-      <dsp:txBody>
-        <a:bodyPr spcFirstLastPara="0" vert="horz" wrap="square" lIns="64008" tIns="64008" rIns="64008" bIns="64008" numCol="1" spcCol="1270" anchor="ctr" anchorCtr="0">
-          <a:noAutofit/>
-        </a:bodyPr>
-        <a:lstStyle/>
-        <a:p>
-          <a:pPr marL="0" lvl="0" indent="0" algn="ctr" defTabSz="400050">
-            <a:lnSpc>
-              <a:spcPct val="90000"/>
-            </a:lnSpc>
-            <a:spcBef>
-              <a:spcPct val="0"/>
-            </a:spcBef>
-            <a:spcAft>
-              <a:spcPct val="35000"/>
-            </a:spcAft>
-            <a:buNone/>
-          </a:pPr>
-          <a:r>
-            <a:rPr lang="en-US" sz="900" kern="1200"/>
-            <a:t>High operational costs and potential for fraud </a:t>
-          </a:r>
-        </a:p>
-      </dsp:txBody>
-      <dsp:txXfrm rot="5400000">
-        <a:off x="3159356" y="1451476"/>
-        <a:ext cx="1438773" cy="871983"/>
-      </dsp:txXfrm>
-    </dsp:sp>
-  </dsp:spTree>
-</dsp:drawing>
-</file>
-
-<file path=ppt/diagrams/drawing3.xml><?xml version="1.0" encoding="utf-8"?>
 <dsp:drawing xmlns:dgm="http://schemas.openxmlformats.org/drawingml/2006/diagram" xmlns:dsp="http://schemas.microsoft.com/office/drawing/2008/diagram" xmlns:a="http://schemas.openxmlformats.org/drawingml/2006/main">
   <dsp:spTree>
     <dsp:nvGrpSpPr>
@@ -7964,7 +6798,7 @@
 </dsp:drawing>
 </file>
 
-<file path=ppt/diagrams/drawing4.xml><?xml version="1.0" encoding="utf-8"?>
+<file path=ppt/diagrams/drawing3.xml><?xml version="1.0" encoding="utf-8"?>
 <dsp:drawing xmlns:dgm="http://schemas.openxmlformats.org/drawingml/2006/diagram" xmlns:dsp="http://schemas.microsoft.com/office/drawing/2008/diagram" xmlns:a="http://schemas.openxmlformats.org/drawingml/2006/main">
   <dsp:spTree>
     <dsp:nvGrpSpPr>
@@ -8648,7 +7482,7 @@
           </a:pPr>
           <a:r>
             <a:rPr lang="en-US" sz="2400" kern="1200" dirty="0"/>
-            <a:t>Explore multimodal inputs (image + textual description</a:t>
+            <a:t>Explore multimodal inputs (image + textual description)</a:t>
           </a:r>
         </a:p>
       </dsp:txBody>
@@ -8736,7 +7570,7 @@
 </dsp:drawing>
 </file>
 
-<file path=ppt/diagrams/drawing5.xml><?xml version="1.0" encoding="utf-8"?>
+<file path=ppt/diagrams/drawing4.xml><?xml version="1.0" encoding="utf-8"?>
 <dsp:drawing xmlns:dgm="http://schemas.openxmlformats.org/drawingml/2006/diagram" xmlns:dsp="http://schemas.microsoft.com/office/drawing/2008/diagram" xmlns:a="http://schemas.openxmlformats.org/drawingml/2006/main">
   <dsp:spTree>
     <dsp:nvGrpSpPr>
@@ -9373,12 +8207,12 @@
 </file>
 
 <file path=ppt/diagrams/layout1.xml><?xml version="1.0" encoding="utf-8"?>
-<dgm:layoutDef xmlns:dgm="http://schemas.openxmlformats.org/drawingml/2006/diagram" xmlns:a="http://schemas.openxmlformats.org/drawingml/2006/main" uniqueId="urn:microsoft.com/office/officeart/2005/8/layout/vList2">
+<dgm:layoutDef xmlns:dgm="http://schemas.openxmlformats.org/drawingml/2006/diagram" xmlns:a="http://schemas.openxmlformats.org/drawingml/2006/main" uniqueId="urn:microsoft.com/office/officeart/2008/layout/LinedList">
   <dgm:title val=""/>
   <dgm:desc val=""/>
   <dgm:catLst>
-    <dgm:cat type="list" pri="3000"/>
-    <dgm:cat type="convert" pri="1000"/>
+    <dgm:cat type="hierarchy" pri="8000"/>
+    <dgm:cat type="list" pri="2500"/>
   </dgm:catLst>
   <dgm:sampData>
     <dgm:dataModel>
@@ -9390,18 +8224,18 @@
         <dgm:pt modelId="11">
           <dgm:prSet phldr="1"/>
         </dgm:pt>
-        <dgm:pt modelId="2">
+        <dgm:pt modelId="12">
           <dgm:prSet phldr="1"/>
         </dgm:pt>
-        <dgm:pt modelId="21">
+        <dgm:pt modelId="13">
           <dgm:prSet phldr="1"/>
         </dgm:pt>
       </dgm:ptLst>
       <dgm:cxnLst>
-        <dgm:cxn modelId="4" srcId="0" destId="1" srcOrd="0" destOrd="0"/>
-        <dgm:cxn modelId="5" srcId="0" destId="2" srcOrd="1" destOrd="0"/>
-        <dgm:cxn modelId="12" srcId="1" destId="11" srcOrd="0" destOrd="0"/>
-        <dgm:cxn modelId="23" srcId="2" destId="21" srcOrd="0" destOrd="0"/>
+        <dgm:cxn modelId="2" srcId="0" destId="1" srcOrd="0" destOrd="0"/>
+        <dgm:cxn modelId="3" srcId="1" destId="11" srcOrd="0" destOrd="0"/>
+        <dgm:cxn modelId="4" srcId="1" destId="12" srcOrd="1" destOrd="0"/>
+        <dgm:cxn modelId="5" srcId="1" destId="13" srcOrd="2" destOrd="0"/>
       </dgm:cxnLst>
       <dgm:bg/>
       <dgm:whole/>
@@ -9411,12 +8245,20 @@
     <dgm:dataModel>
       <dgm:ptLst>
         <dgm:pt modelId="0" type="doc"/>
-        <dgm:pt modelId="1"/>
-        <dgm:pt modelId="2"/>
+        <dgm:pt modelId="1">
+          <dgm:prSet phldr="1"/>
+        </dgm:pt>
+        <dgm:pt modelId="11">
+          <dgm:prSet phldr="1"/>
+        </dgm:pt>
+        <dgm:pt modelId="12">
+          <dgm:prSet phldr="1"/>
+        </dgm:pt>
       </dgm:ptLst>
       <dgm:cxnLst>
-        <dgm:cxn modelId="3" srcId="0" destId="1" srcOrd="0" destOrd="0"/>
-        <dgm:cxn modelId="4" srcId="0" destId="2" srcOrd="1" destOrd="0"/>
+        <dgm:cxn modelId="2" srcId="0" destId="1" srcOrd="0" destOrd="0"/>
+        <dgm:cxn modelId="3" srcId="1" destId="11" srcOrd="0" destOrd="0"/>
+        <dgm:cxn modelId="4" srcId="1" destId="12" srcOrd="1" destOrd="0"/>
       </dgm:cxnLst>
       <dgm:bg/>
       <dgm:whole/>
@@ -9426,312 +8268,411 @@
     <dgm:dataModel>
       <dgm:ptLst>
         <dgm:pt modelId="0" type="doc"/>
-        <dgm:pt modelId="1"/>
-        <dgm:pt modelId="2"/>
-        <dgm:pt modelId="3"/>
-        <dgm:pt modelId="4"/>
+        <dgm:pt modelId="1">
+          <dgm:prSet phldr="1"/>
+        </dgm:pt>
+        <dgm:pt modelId="11">
+          <dgm:prSet phldr="1"/>
+        </dgm:pt>
+        <dgm:pt modelId="12">
+          <dgm:prSet phldr="1"/>
+        </dgm:pt>
       </dgm:ptLst>
       <dgm:cxnLst>
-        <dgm:cxn modelId="5" srcId="0" destId="1" srcOrd="0" destOrd="0"/>
-        <dgm:cxn modelId="6" srcId="0" destId="2" srcOrd="1" destOrd="0"/>
-        <dgm:cxn modelId="7" srcId="0" destId="3" srcOrd="2" destOrd="0"/>
-        <dgm:cxn modelId="8" srcId="0" destId="4" srcOrd="3" destOrd="0"/>
+        <dgm:cxn modelId="2" srcId="0" destId="1" srcOrd="0" destOrd="0"/>
+        <dgm:cxn modelId="3" srcId="1" destId="11" srcOrd="0" destOrd="0"/>
+        <dgm:cxn modelId="4" srcId="1" destId="12" srcOrd="1" destOrd="0"/>
       </dgm:cxnLst>
       <dgm:bg/>
       <dgm:whole/>
     </dgm:dataModel>
   </dgm:clrData>
-  <dgm:layoutNode name="linear">
+  <dgm:layoutNode name="vert0">
     <dgm:varLst>
+      <dgm:dir/>
+      <dgm:animOne val="branch"/>
       <dgm:animLvl val="lvl"/>
-      <dgm:resizeHandles val="exact"/>
     </dgm:varLst>
-    <dgm:alg type="lin">
-      <dgm:param type="linDir" val="fromT"/>
-      <dgm:param type="vertAlign" val="mid"/>
-    </dgm:alg>
+    <dgm:choose name="Name0">
+      <dgm:if name="Name1" func="var" arg="dir" op="equ" val="norm">
+        <dgm:alg type="lin">
+          <dgm:param type="linDir" val="fromT"/>
+          <dgm:param type="nodeHorzAlign" val="l"/>
+        </dgm:alg>
+      </dgm:if>
+      <dgm:else name="Name2">
+        <dgm:alg type="lin">
+          <dgm:param type="linDir" val="fromT"/>
+          <dgm:param type="nodeHorzAlign" val="r"/>
+        </dgm:alg>
+      </dgm:else>
+    </dgm:choose>
     <dgm:shape xmlns:r="http://schemas.openxmlformats.org/officeDocument/2006/relationships" r:blip="">
       <dgm:adjLst/>
     </dgm:shape>
     <dgm:presOf/>
     <dgm:constrLst>
-      <dgm:constr type="w" for="ch" forName="parentText" refType="w"/>
-      <dgm:constr type="h" for="ch" forName="parentText" refType="primFontSz" refFor="ch" refForName="parentText" fact="0.52"/>
-      <dgm:constr type="w" for="ch" forName="childText" refType="w"/>
-      <dgm:constr type="h" for="ch" forName="childText" refType="primFontSz" refFor="ch" refForName="parentText" fact="0.46"/>
-      <dgm:constr type="h" for="ch" forName="parentText" op="equ"/>
-      <dgm:constr type="primFontSz" for="ch" forName="parentText" op="equ" val="65"/>
-      <dgm:constr type="primFontSz" for="ch" forName="childText" refType="primFontSz" refFor="ch" refForName="parentText" op="equ"/>
-      <dgm:constr type="h" for="ch" forName="spacer" refType="primFontSz" refFor="ch" refForName="parentText" fact="0.08"/>
+      <dgm:constr type="w" for="ch" forName="horz1" refType="w"/>
+      <dgm:constr type="h" for="ch" forName="horz1" refType="h"/>
+      <dgm:constr type="h" for="des" forName="vert1" refType="h"/>
+      <dgm:constr type="h" for="des" forName="tx1" refType="h"/>
+      <dgm:constr type="h" for="des" forName="horz2" refType="h"/>
+      <dgm:constr type="h" for="des" forName="vert2" refType="h"/>
+      <dgm:constr type="h" for="des" forName="horz3" refType="h"/>
+      <dgm:constr type="h" for="des" forName="vert3" refType="h"/>
+      <dgm:constr type="h" for="des" forName="horz4" refType="h"/>
+      <dgm:constr type="h" for="des" ptType="node" refType="h"/>
+      <dgm:constr type="primFontSz" for="des" forName="tx1" op="equ" val="65"/>
+      <dgm:constr type="primFontSz" for="des" forName="tx2" op="equ" val="65"/>
+      <dgm:constr type="primFontSz" for="des" forName="tx3" op="equ" val="65"/>
+      <dgm:constr type="primFontSz" for="des" forName="tx4" op="equ" val="65"/>
+      <dgm:constr type="w" for="des" forName="thickLine" refType="w"/>
+      <dgm:constr type="h" for="des" forName="thickLine"/>
+      <dgm:constr type="h" for="des" forName="thinLine1"/>
+      <dgm:constr type="h" for="des" forName="thinLine2b"/>
+      <dgm:constr type="h" for="des" forName="thinLine3"/>
+      <dgm:constr type="h" for="des" forName="vertSpace2a" refType="h" fact="0.05"/>
+      <dgm:constr type="h" for="des" forName="vertSpace2b" refType="h" refFor="des" refForName="vertSpace2a"/>
     </dgm:constrLst>
-    <dgm:ruleLst>
-      <dgm:rule type="primFontSz" for="ch" forName="parentText" val="5" fact="NaN" max="NaN"/>
-    </dgm:ruleLst>
-    <dgm:forEach name="Name0" axis="ch" ptType="node">
-      <dgm:layoutNode name="parentText" styleLbl="node1">
-        <dgm:varLst>
-          <dgm:chMax val="0"/>
-          <dgm:bulletEnabled val="1"/>
-        </dgm:varLst>
-        <dgm:alg type="tx">
-          <dgm:param type="parTxLTRAlign" val="l"/>
-          <dgm:param type="parTxRTLAlign" val="r"/>
-        </dgm:alg>
-        <dgm:shape xmlns:r="http://schemas.openxmlformats.org/officeDocument/2006/relationships" type="roundRect" r:blip="">
+    <dgm:forEach name="Name3" axis="ch" ptType="node">
+      <dgm:layoutNode name="thickLine" styleLbl="alignNode1">
+        <dgm:alg type="sp"/>
+        <dgm:shape xmlns:r="http://schemas.openxmlformats.org/officeDocument/2006/relationships" type="line" r:blip="">
           <dgm:adjLst/>
         </dgm:shape>
-        <dgm:presOf axis="self"/>
-        <dgm:constrLst>
-          <dgm:constr type="tMarg" refType="primFontSz" fact="0.3"/>
-          <dgm:constr type="bMarg" refType="primFontSz" fact="0.3"/>
-          <dgm:constr type="lMarg" refType="primFontSz" fact="0.3"/>
-          <dgm:constr type="rMarg" refType="primFontSz" fact="0.3"/>
-        </dgm:constrLst>
-        <dgm:ruleLst>
-          <dgm:rule type="h" val="INF" fact="NaN" max="NaN"/>
-        </dgm:ruleLst>
+        <dgm:presOf/>
       </dgm:layoutNode>
-      <dgm:choose name="Name1">
-        <dgm:if name="Name2" axis="ch" ptType="node" func="cnt" op="gte" val="1">
-          <dgm:layoutNode name="childText" styleLbl="revTx">
-            <dgm:varLst>
-              <dgm:bulletEnabled val="1"/>
-            </dgm:varLst>
-            <dgm:alg type="tx">
-              <dgm:param type="stBulletLvl" val="1"/>
-              <dgm:param type="lnSpAfChP" val="20"/>
+      <dgm:layoutNode name="horz1">
+        <dgm:choose name="Name4">
+          <dgm:if name="Name5" func="var" arg="dir" op="equ" val="norm">
+            <dgm:alg type="lin">
+              <dgm:param type="linDir" val="fromL"/>
+              <dgm:param type="nodeVertAlign" val="t"/>
             </dgm:alg>
-            <dgm:shape xmlns:r="http://schemas.openxmlformats.org/officeDocument/2006/relationships" type="rect" r:blip="">
-              <dgm:adjLst/>
-            </dgm:shape>
-            <dgm:presOf axis="des" ptType="node"/>
+          </dgm:if>
+          <dgm:else name="Name6">
+            <dgm:alg type="lin">
+              <dgm:param type="linDir" val="fromR"/>
+              <dgm:param type="nodeVertAlign" val="t"/>
+            </dgm:alg>
+          </dgm:else>
+        </dgm:choose>
+        <dgm:shape xmlns:r="http://schemas.openxmlformats.org/officeDocument/2006/relationships" r:blip="">
+          <dgm:adjLst/>
+        </dgm:shape>
+        <dgm:presOf/>
+        <dgm:choose name="Name7">
+          <dgm:if name="Name8" axis="root des" func="maxDepth" op="equ" val="1">
             <dgm:constrLst>
-              <dgm:constr type="tMarg" refType="primFontSz" fact="0.1"/>
-              <dgm:constr type="bMarg" refType="primFontSz" fact="0.1"/>
-              <dgm:constr type="lMarg" refType="w" fact="0.09"/>
+              <dgm:constr type="w" for="ch" forName="tx1" refType="w"/>
             </dgm:constrLst>
-            <dgm:ruleLst>
-              <dgm:rule type="h" val="INF" fact="NaN" max="NaN"/>
-            </dgm:ruleLst>
-          </dgm:layoutNode>
-        </dgm:if>
-        <dgm:else name="Name3">
-          <dgm:choose name="Name4">
-            <dgm:if name="Name5" axis="par ch" ptType="doc node" func="cnt" op="gte" val="2">
-              <dgm:forEach name="Name6" axis="followSib" ptType="sibTrans" cnt="1">
-                <dgm:layoutNode name="spacer">
+          </dgm:if>
+          <dgm:if name="Name9" axis="root des" func="maxDepth" op="equ" val="2">
+            <dgm:constrLst>
+              <dgm:constr type="w" for="ch" forName="tx1" refType="w" fact="0.2"/>
+              <dgm:constr type="w" for="des" forName="tx2" refType="w" fact="0.785"/>
+              <dgm:constr type="w" for="des" forName="horzSpace2" refType="w" fact="0.015"/>
+              <dgm:constr type="w" for="des" forName="thinLine2b" refType="w" fact="0.8"/>
+            </dgm:constrLst>
+          </dgm:if>
+          <dgm:if name="Name10" axis="root des" func="maxDepth" op="equ" val="3">
+            <dgm:constrLst>
+              <dgm:constr type="w" for="ch" forName="tx1" refType="w" fact="0.2"/>
+              <dgm:constr type="w" for="des" forName="tx2" refType="w" fact="0.385"/>
+              <dgm:constr type="w" for="des" forName="tx3" refType="w" fact="0.385"/>
+              <dgm:constr type="w" for="des" forName="horzSpace2" refType="w" fact="0.015"/>
+              <dgm:constr type="w" for="des" forName="horzSpace3" refType="w" fact="0.015"/>
+              <dgm:constr type="w" for="des" forName="thinLine2b" refType="w" fact="0.8"/>
+              <dgm:constr type="w" for="des" forName="thinLine3" refType="w" fact="0.385"/>
+            </dgm:constrLst>
+          </dgm:if>
+          <dgm:if name="Name11" axis="root des" func="maxDepth" op="gte" val="4">
+            <dgm:constrLst>
+              <dgm:constr type="w" for="ch" forName="tx1" refType="w" fact="0.2"/>
+              <dgm:constr type="w" for="des" forName="tx2" refType="w" fact="0.2516"/>
+              <dgm:constr type="w" for="des" forName="tx3" refType="w" fact="0.2516"/>
+              <dgm:constr type="w" for="des" forName="tx4" refType="w" fact="0.2516"/>
+              <dgm:constr type="w" for="des" forName="horzSpace2" refType="w" fact="0.015"/>
+              <dgm:constr type="w" for="des" forName="horzSpace3" refType="w" fact="0.015"/>
+              <dgm:constr type="w" for="des" forName="horzSpace4" refType="w" fact="0.015"/>
+              <dgm:constr type="w" for="des" forName="thinLine2b" refType="w" fact="0.8"/>
+              <dgm:constr type="w" for="des" forName="thinLine3" refType="w" fact="0.5332"/>
+            </dgm:constrLst>
+          </dgm:if>
+          <dgm:else name="Name12"/>
+        </dgm:choose>
+        <dgm:layoutNode name="tx1" styleLbl="revTx">
+          <dgm:alg type="tx">
+            <dgm:param type="parTxLTRAlign" val="l"/>
+            <dgm:param type="parTxRTLAlign" val="r"/>
+            <dgm:param type="txAnchorVert" val="t"/>
+          </dgm:alg>
+          <dgm:shape xmlns:r="http://schemas.openxmlformats.org/officeDocument/2006/relationships" type="rect" r:blip="">
+            <dgm:adjLst/>
+          </dgm:shape>
+          <dgm:presOf axis="self"/>
+          <dgm:constrLst>
+            <dgm:constr type="tMarg" refType="primFontSz" fact="0.3"/>
+            <dgm:constr type="bMarg" refType="primFontSz" fact="0.3"/>
+            <dgm:constr type="lMarg" refType="primFontSz" fact="0.3"/>
+            <dgm:constr type="rMarg" refType="primFontSz" fact="0.3"/>
+          </dgm:constrLst>
+          <dgm:ruleLst>
+            <dgm:rule type="primFontSz" val="5" fact="NaN" max="NaN"/>
+          </dgm:ruleLst>
+        </dgm:layoutNode>
+        <dgm:layoutNode name="vert1">
+          <dgm:choose name="Name13">
+            <dgm:if name="Name14" func="var" arg="dir" op="equ" val="norm">
+              <dgm:alg type="lin">
+                <dgm:param type="linDir" val="fromT"/>
+                <dgm:param type="nodeHorzAlign" val="l"/>
+              </dgm:alg>
+            </dgm:if>
+            <dgm:else name="Name15">
+              <dgm:alg type="lin">
+                <dgm:param type="linDir" val="fromT"/>
+                <dgm:param type="nodeHorzAlign" val="r"/>
+              </dgm:alg>
+            </dgm:else>
+          </dgm:choose>
+          <dgm:shape xmlns:r="http://schemas.openxmlformats.org/officeDocument/2006/relationships" r:blip="">
+            <dgm:adjLst/>
+          </dgm:shape>
+          <dgm:presOf/>
+          <dgm:forEach name="Name16" axis="ch" ptType="node">
+            <dgm:choose name="Name17">
+              <dgm:if name="Name18" axis="self" ptType="node" func="pos" op="equ" val="1">
+                <dgm:layoutNode name="vertSpace2a">
                   <dgm:alg type="sp"/>
                   <dgm:shape xmlns:r="http://schemas.openxmlformats.org/officeDocument/2006/relationships" r:blip="">
                     <dgm:adjLst/>
                   </dgm:shape>
                   <dgm:presOf/>
-                  <dgm:constrLst/>
-                  <dgm:ruleLst/>
                 </dgm:layoutNode>
-              </dgm:forEach>
-            </dgm:if>
-            <dgm:else name="Name7"/>
-          </dgm:choose>
-        </dgm:else>
-      </dgm:choose>
+              </dgm:if>
+              <dgm:else name="Name19"/>
+            </dgm:choose>
+            <dgm:layoutNode name="horz2">
+              <dgm:choose name="Name20">
+                <dgm:if name="Name21" func="var" arg="dir" op="equ" val="norm">
+                  <dgm:alg type="lin">
+                    <dgm:param type="linDir" val="fromL"/>
+                    <dgm:param type="nodeVertAlign" val="t"/>
+                  </dgm:alg>
+                </dgm:if>
+                <dgm:else name="Name22">
+                  <dgm:alg type="lin">
+                    <dgm:param type="linDir" val="fromR"/>
+                    <dgm:param type="nodeVertAlign" val="t"/>
+                  </dgm:alg>
+                </dgm:else>
+              </dgm:choose>
+              <dgm:shape xmlns:r="http://schemas.openxmlformats.org/officeDocument/2006/relationships" r:blip="">
+                <dgm:adjLst/>
+              </dgm:shape>
+              <dgm:presOf/>
+              <dgm:layoutNode name="horzSpace2">
+                <dgm:alg type="sp"/>
+                <dgm:shape xmlns:r="http://schemas.openxmlformats.org/officeDocument/2006/relationships" r:blip="">
+                  <dgm:adjLst/>
+                </dgm:shape>
+                <dgm:presOf/>
+              </dgm:layoutNode>
+              <dgm:layoutNode name="tx2" styleLbl="revTx">
+                <dgm:alg type="tx">
+                  <dgm:param type="parTxLTRAlign" val="l"/>
+                  <dgm:param type="parTxRTLAlign" val="r"/>
+                  <dgm:param type="txAnchorVert" val="t"/>
+                </dgm:alg>
+                <dgm:shape xmlns:r="http://schemas.openxmlformats.org/officeDocument/2006/relationships" type="rect" r:blip="">
+                  <dgm:adjLst/>
+                </dgm:shape>
+                <dgm:presOf axis="self"/>
+                <dgm:constrLst>
+                  <dgm:constr type="tMarg" refType="primFontSz" fact="0.3"/>
+                  <dgm:constr type="bMarg" refType="primFontSz" fact="0.3"/>
+                  <dgm:constr type="lMarg" refType="primFontSz" fact="0.3"/>
+                  <dgm:constr type="rMarg" refType="primFontSz" fact="0.3"/>
+                </dgm:constrLst>
+                <dgm:ruleLst>
+                  <dgm:rule type="primFontSz" val="5" fact="NaN" max="NaN"/>
+                </dgm:ruleLst>
+              </dgm:layoutNode>
+              <dgm:layoutNode name="vert2">
+                <dgm:choose name="Name23">
+                  <dgm:if name="Name24" func="var" arg="dir" op="equ" val="norm">
+                    <dgm:alg type="lin">
+                      <dgm:param type="linDir" val="fromT"/>
+                      <dgm:param type="nodeHorzAlign" val="l"/>
+                    </dgm:alg>
+                  </dgm:if>
+                  <dgm:else name="Name25">
+                    <dgm:alg type="lin">
+                      <dgm:param type="linDir" val="fromT"/>
+                      <dgm:param type="nodeHorzAlign" val="r"/>
+                    </dgm:alg>
+                  </dgm:else>
+                </dgm:choose>
+                <dgm:shape xmlns:r="http://schemas.openxmlformats.org/officeDocument/2006/relationships" r:blip="">
+                  <dgm:adjLst/>
+                </dgm:shape>
+                <dgm:presOf/>
+                <dgm:forEach name="Name26" axis="ch" ptType="node">
+                  <dgm:layoutNode name="horz3">
+                    <dgm:choose name="Name27">
+                      <dgm:if name="Name28" func="var" arg="dir" op="equ" val="norm">
+                        <dgm:alg type="lin">
+                          <dgm:param type="linDir" val="fromL"/>
+                          <dgm:param type="nodeVertAlign" val="t"/>
+                        </dgm:alg>
+                      </dgm:if>
+                      <dgm:else name="Name29">
+                        <dgm:alg type="lin">
+                          <dgm:param type="linDir" val="fromR"/>
+                          <dgm:param type="nodeVertAlign" val="t"/>
+                        </dgm:alg>
+                      </dgm:else>
+                    </dgm:choose>
+                    <dgm:shape xmlns:r="http://schemas.openxmlformats.org/officeDocument/2006/relationships" r:blip="">
+                      <dgm:adjLst/>
+                    </dgm:shape>
+                    <dgm:presOf/>
+                    <dgm:layoutNode name="horzSpace3">
+                      <dgm:alg type="sp"/>
+                      <dgm:shape xmlns:r="http://schemas.openxmlformats.org/officeDocument/2006/relationships" r:blip="">
+                        <dgm:adjLst/>
+                      </dgm:shape>
+                      <dgm:presOf/>
+                    </dgm:layoutNode>
+                    <dgm:layoutNode name="tx3" styleLbl="revTx">
+                      <dgm:alg type="tx">
+                        <dgm:param type="parTxLTRAlign" val="l"/>
+                        <dgm:param type="parTxRTLAlign" val="r"/>
+                        <dgm:param type="txAnchorVert" val="t"/>
+                      </dgm:alg>
+                      <dgm:shape xmlns:r="http://schemas.openxmlformats.org/officeDocument/2006/relationships" type="rect" r:blip="">
+                        <dgm:adjLst/>
+                      </dgm:shape>
+                      <dgm:presOf axis="self"/>
+                      <dgm:constrLst>
+                        <dgm:constr type="tMarg" refType="primFontSz" fact="0.3"/>
+                        <dgm:constr type="bMarg" refType="primFontSz" fact="0.3"/>
+                        <dgm:constr type="lMarg" refType="primFontSz" fact="0.3"/>
+                        <dgm:constr type="rMarg" refType="primFontSz" fact="0.3"/>
+                      </dgm:constrLst>
+                      <dgm:ruleLst>
+                        <dgm:rule type="primFontSz" val="5" fact="NaN" max="NaN"/>
+                      </dgm:ruleLst>
+                    </dgm:layoutNode>
+                    <dgm:layoutNode name="vert3">
+                      <dgm:choose name="Name30">
+                        <dgm:if name="Name31" func="var" arg="dir" op="equ" val="norm">
+                          <dgm:alg type="lin">
+                            <dgm:param type="linDir" val="fromT"/>
+                            <dgm:param type="nodeHorzAlign" val="l"/>
+                          </dgm:alg>
+                        </dgm:if>
+                        <dgm:else name="Name32">
+                          <dgm:alg type="lin">
+                            <dgm:param type="linDir" val="fromT"/>
+                            <dgm:param type="nodeHorzAlign" val="r"/>
+                          </dgm:alg>
+                        </dgm:else>
+                      </dgm:choose>
+                      <dgm:shape xmlns:r="http://schemas.openxmlformats.org/officeDocument/2006/relationships" r:blip="">
+                        <dgm:adjLst/>
+                      </dgm:shape>
+                      <dgm:presOf/>
+                      <dgm:forEach name="Name33" axis="ch" ptType="node">
+                        <dgm:layoutNode name="horz4">
+                          <dgm:choose name="Name34">
+                            <dgm:if name="Name35" func="var" arg="dir" op="equ" val="norm">
+                              <dgm:alg type="lin">
+                                <dgm:param type="linDir" val="fromL"/>
+                                <dgm:param type="nodeVertAlign" val="t"/>
+                              </dgm:alg>
+                            </dgm:if>
+                            <dgm:else name="Name36">
+                              <dgm:alg type="lin">
+                                <dgm:param type="linDir" val="fromR"/>
+                                <dgm:param type="nodeVertAlign" val="t"/>
+                              </dgm:alg>
+                            </dgm:else>
+                          </dgm:choose>
+                          <dgm:shape xmlns:r="http://schemas.openxmlformats.org/officeDocument/2006/relationships" r:blip="">
+                            <dgm:adjLst/>
+                          </dgm:shape>
+                          <dgm:presOf/>
+                          <dgm:layoutNode name="horzSpace4">
+                            <dgm:alg type="sp"/>
+                            <dgm:shape xmlns:r="http://schemas.openxmlformats.org/officeDocument/2006/relationships" r:blip="">
+                              <dgm:adjLst/>
+                            </dgm:shape>
+                            <dgm:presOf/>
+                          </dgm:layoutNode>
+                          <dgm:layoutNode name="tx4" styleLbl="revTx">
+                            <dgm:varLst>
+                              <dgm:bulletEnabled val="1"/>
+                            </dgm:varLst>
+                            <dgm:alg type="tx">
+                              <dgm:param type="parTxLTRAlign" val="l"/>
+                              <dgm:param type="parTxRTLAlign" val="r"/>
+                              <dgm:param type="txAnchorVert" val="t"/>
+                            </dgm:alg>
+                            <dgm:shape xmlns:r="http://schemas.openxmlformats.org/officeDocument/2006/relationships" type="rect" r:blip="">
+                              <dgm:adjLst/>
+                            </dgm:shape>
+                            <dgm:presOf axis="desOrSelf" ptType="node"/>
+                            <dgm:constrLst>
+                              <dgm:constr type="tMarg" refType="primFontSz" fact="0.3"/>
+                              <dgm:constr type="bMarg" refType="primFontSz" fact="0.3"/>
+                              <dgm:constr type="lMarg" refType="primFontSz" fact="0.3"/>
+                              <dgm:constr type="rMarg" refType="primFontSz" fact="0.3"/>
+                            </dgm:constrLst>
+                            <dgm:ruleLst>
+                              <dgm:rule type="primFontSz" val="5" fact="NaN" max="NaN"/>
+                            </dgm:ruleLst>
+                          </dgm:layoutNode>
+                        </dgm:layoutNode>
+                      </dgm:forEach>
+                    </dgm:layoutNode>
+                  </dgm:layoutNode>
+                  <dgm:forEach name="Name37" axis="followSib" ptType="sibTrans" cnt="1">
+                    <dgm:layoutNode name="thinLine3" styleLbl="callout">
+                      <dgm:alg type="sp"/>
+                      <dgm:shape xmlns:r="http://schemas.openxmlformats.org/officeDocument/2006/relationships" type="line" r:blip="">
+                        <dgm:adjLst/>
+                      </dgm:shape>
+                      <dgm:presOf/>
+                    </dgm:layoutNode>
+                  </dgm:forEach>
+                </dgm:forEach>
+              </dgm:layoutNode>
+            </dgm:layoutNode>
+            <dgm:layoutNode name="thinLine2b" styleLbl="callout">
+              <dgm:alg type="sp"/>
+              <dgm:shape xmlns:r="http://schemas.openxmlformats.org/officeDocument/2006/relationships" type="line" r:blip="">
+                <dgm:adjLst/>
+              </dgm:shape>
+              <dgm:presOf/>
+            </dgm:layoutNode>
+            <dgm:layoutNode name="vertSpace2b">
+              <dgm:alg type="sp"/>
+              <dgm:shape xmlns:r="http://schemas.openxmlformats.org/officeDocument/2006/relationships" r:blip="">
+                <dgm:adjLst/>
+              </dgm:shape>
+              <dgm:presOf/>
+            </dgm:layoutNode>
+          </dgm:forEach>
+        </dgm:layoutNode>
+      </dgm:layoutNode>
     </dgm:forEach>
   </dgm:layoutNode>
 </dgm:layoutDef>
 </file>
 
 <file path=ppt/diagrams/layout2.xml><?xml version="1.0" encoding="utf-8"?>
-<dgm:layoutDef xmlns:dgm="http://schemas.openxmlformats.org/drawingml/2006/diagram" xmlns:a="http://schemas.openxmlformats.org/drawingml/2006/main" uniqueId="urn:microsoft.com/office/officeart/2005/8/layout/arrow5">
-  <dgm:title val=""/>
-  <dgm:desc val=""/>
-  <dgm:catLst>
-    <dgm:cat type="relationship" pri="6000"/>
-    <dgm:cat type="process" pri="31000"/>
-  </dgm:catLst>
-  <dgm:sampData>
-    <dgm:dataModel>
-      <dgm:ptLst>
-        <dgm:pt modelId="0" type="doc"/>
-        <dgm:pt modelId="1">
-          <dgm:prSet phldr="1"/>
-        </dgm:pt>
-        <dgm:pt modelId="2">
-          <dgm:prSet phldr="1"/>
-        </dgm:pt>
-      </dgm:ptLst>
-      <dgm:cxnLst>
-        <dgm:cxn modelId="4" srcId="0" destId="1" srcOrd="0" destOrd="0"/>
-        <dgm:cxn modelId="5" srcId="0" destId="2" srcOrd="1" destOrd="0"/>
-      </dgm:cxnLst>
-      <dgm:bg/>
-      <dgm:whole/>
-    </dgm:dataModel>
-  </dgm:sampData>
-  <dgm:styleData>
-    <dgm:dataModel>
-      <dgm:ptLst>
-        <dgm:pt modelId="0" type="doc"/>
-        <dgm:pt modelId="1"/>
-        <dgm:pt modelId="2"/>
-      </dgm:ptLst>
-      <dgm:cxnLst>
-        <dgm:cxn modelId="3" srcId="0" destId="1" srcOrd="0" destOrd="0"/>
-        <dgm:cxn modelId="4" srcId="0" destId="2" srcOrd="1" destOrd="0"/>
-      </dgm:cxnLst>
-      <dgm:bg/>
-      <dgm:whole/>
-    </dgm:dataModel>
-  </dgm:styleData>
-  <dgm:clrData>
-    <dgm:dataModel>
-      <dgm:ptLst>
-        <dgm:pt modelId="0" type="doc"/>
-        <dgm:pt modelId="1"/>
-        <dgm:pt modelId="2"/>
-        <dgm:pt modelId="3"/>
-        <dgm:pt modelId="4"/>
-      </dgm:ptLst>
-      <dgm:cxnLst>
-        <dgm:cxn modelId="5" srcId="0" destId="1" srcOrd="0" destOrd="0"/>
-        <dgm:cxn modelId="6" srcId="0" destId="2" srcOrd="1" destOrd="0"/>
-        <dgm:cxn modelId="7" srcId="0" destId="3" srcOrd="2" destOrd="0"/>
-        <dgm:cxn modelId="8" srcId="0" destId="4" srcOrd="3" destOrd="0"/>
-      </dgm:cxnLst>
-      <dgm:bg/>
-      <dgm:whole/>
-    </dgm:dataModel>
-  </dgm:clrData>
-  <dgm:layoutNode name="diagram">
-    <dgm:varLst>
-      <dgm:dir/>
-      <dgm:resizeHandles val="exact"/>
-    </dgm:varLst>
-    <dgm:choose name="Name0">
-      <dgm:if name="Name1" axis="ch" ptType="node" func="cnt" op="equ" val="2">
-        <dgm:choose name="Name2">
-          <dgm:if name="Name3" func="var" arg="dir" op="equ" val="norm">
-            <dgm:alg type="cycle">
-              <dgm:param type="rotPath" val="alongPath"/>
-              <dgm:param type="stAng" val="270"/>
-            </dgm:alg>
-          </dgm:if>
-          <dgm:else name="Name4">
-            <dgm:alg type="cycle">
-              <dgm:param type="rotPath" val="alongPath"/>
-              <dgm:param type="stAng" val="90"/>
-              <dgm:param type="spanAng" val="-360"/>
-            </dgm:alg>
-          </dgm:else>
-        </dgm:choose>
-      </dgm:if>
-      <dgm:else name="Name5">
-        <dgm:choose name="Name6">
-          <dgm:if name="Name7" func="var" arg="dir" op="equ" val="norm">
-            <dgm:alg type="cycle">
-              <dgm:param type="rotPath" val="alongPath"/>
-            </dgm:alg>
-          </dgm:if>
-          <dgm:else name="Name8">
-            <dgm:alg type="cycle">
-              <dgm:param type="rotPath" val="alongPath"/>
-              <dgm:param type="spanAng" val="-360"/>
-            </dgm:alg>
-          </dgm:else>
-        </dgm:choose>
-      </dgm:else>
-    </dgm:choose>
-    <dgm:shape xmlns:r="http://schemas.openxmlformats.org/officeDocument/2006/relationships" r:blip="">
-      <dgm:adjLst/>
-    </dgm:shape>
-    <dgm:presOf/>
-    <dgm:choose name="Name9">
-      <dgm:if name="Name10" axis="ch" ptType="node" func="cnt" op="lte" val="2">
-        <dgm:constrLst>
-          <dgm:constr type="primFontSz" for="ch" ptType="node" op="equ" val="65"/>
-          <dgm:constr type="w" for="ch" ptType="node" refType="w"/>
-          <dgm:constr type="h" for="ch" ptType="node" refType="w" refFor="ch" refPtType="node" op="equ"/>
-          <dgm:constr type="sibSp" refType="w" refFor="ch" refPtType="node" fact="0.1"/>
-          <dgm:constr type="sibSp" refType="h" op="lte" fact="0.1"/>
-          <dgm:constr type="diam" refType="w" refFor="ch" refPtType="node" op="equ" fact="1.1"/>
-        </dgm:constrLst>
-      </dgm:if>
-      <dgm:if name="Name11" axis="ch" ptType="node" func="cnt" op="equ" val="5">
-        <dgm:constrLst>
-          <dgm:constr type="primFontSz" for="ch" ptType="node" op="equ" val="65"/>
-          <dgm:constr type="w" for="ch" ptType="node" refType="w"/>
-          <dgm:constr type="h" for="ch" ptType="node" refType="w" refFor="ch" refPtType="node" op="equ"/>
-          <dgm:constr type="sibSp" refType="w" refFor="ch" refPtType="node" fact="-0.2"/>
-          <dgm:constr type="sibSp" refType="h" op="lte" fact="0.1"/>
-        </dgm:constrLst>
-      </dgm:if>
-      <dgm:if name="Name12" axis="ch" ptType="node" func="cnt" op="equ" val="6">
-        <dgm:constrLst>
-          <dgm:constr type="primFontSz" for="ch" ptType="node" op="equ" val="65"/>
-          <dgm:constr type="w" for="ch" ptType="node" refType="w"/>
-          <dgm:constr type="h" for="ch" ptType="node" refType="w" refFor="ch" refPtType="node" op="equ"/>
-          <dgm:constr type="sibSp" refType="w" refFor="ch" refPtType="node" fact="-0.1"/>
-          <dgm:constr type="sibSp" refType="h" op="lte" fact="0.1"/>
-        </dgm:constrLst>
-      </dgm:if>
-      <dgm:if name="Name13" axis="ch" ptType="node" func="cnt" op="equ" val="7">
-        <dgm:constrLst>
-          <dgm:constr type="primFontSz" for="ch" ptType="node" op="equ" val="65"/>
-          <dgm:constr type="w" for="ch" ptType="node" refType="w"/>
-          <dgm:constr type="h" for="ch" ptType="node" refType="w" refFor="ch" refPtType="node" op="equ"/>
-          <dgm:constr type="sibSp" refType="w" refFor="ch" refPtType="node" fact="-0.1"/>
-          <dgm:constr type="sibSp" refType="h" op="lte" fact="0.1"/>
-        </dgm:constrLst>
-      </dgm:if>
-      <dgm:if name="Name14" axis="ch" ptType="node" func="cnt" op="equ" val="8">
-        <dgm:constrLst>
-          <dgm:constr type="primFontSz" for="ch" ptType="node" op="equ" val="65"/>
-          <dgm:constr type="w" for="ch" ptType="node" refType="w"/>
-          <dgm:constr type="h" for="ch" ptType="node" refType="w" refFor="ch" refPtType="node" op="equ"/>
-          <dgm:constr type="sibSp"/>
-          <dgm:constr type="sibSp" refType="h" op="lte" fact="0.1"/>
-        </dgm:constrLst>
-      </dgm:if>
-      <dgm:if name="Name15" axis="ch" ptType="node" func="cnt" op="gte" val="9">
-        <dgm:constrLst>
-          <dgm:constr type="primFontSz" for="ch" ptType="node" op="equ" val="65"/>
-          <dgm:constr type="w" for="ch" ptType="node" refType="w"/>
-          <dgm:constr type="h" for="ch" ptType="node" refType="w" refFor="ch" refPtType="node" op="equ"/>
-          <dgm:constr type="sibSp" refType="w" refFor="ch" refPtType="node" fact="-0.1"/>
-          <dgm:constr type="sibSp" refType="h" op="lte" fact="0.1"/>
-        </dgm:constrLst>
-      </dgm:if>
-      <dgm:else name="Name16">
-        <dgm:constrLst>
-          <dgm:constr type="primFontSz" for="ch" ptType="node" op="equ" val="65"/>
-          <dgm:constr type="w" for="ch" ptType="node" refType="w"/>
-          <dgm:constr type="h" for="ch" ptType="node" refType="w" refFor="ch" refPtType="node" op="equ"/>
-          <dgm:constr type="sibSp" refType="w" refFor="ch" refPtType="node" fact="-0.35"/>
-        </dgm:constrLst>
-      </dgm:else>
-    </dgm:choose>
-    <dgm:ruleLst/>
-    <dgm:forEach name="Name17" axis="ch" ptType="node">
-      <dgm:layoutNode name="arrow">
-        <dgm:varLst>
-          <dgm:bulletEnabled val="1"/>
-        </dgm:varLst>
-        <dgm:alg type="tx"/>
-        <dgm:shape xmlns:r="http://schemas.openxmlformats.org/officeDocument/2006/relationships" type="downArrow" r:blip="">
-          <dgm:adjLst>
-            <dgm:adj idx="2" val="0.35"/>
-          </dgm:adjLst>
-        </dgm:shape>
-        <dgm:presOf axis="desOrSelf" ptType="node"/>
-        <dgm:constrLst/>
-        <dgm:ruleLst>
-          <dgm:rule type="primFontSz" val="5" fact="NaN" max="NaN"/>
-        </dgm:ruleLst>
-      </dgm:layoutNode>
-    </dgm:forEach>
-  </dgm:layoutNode>
-</dgm:layoutDef>
-</file>
-
-<file path=ppt/diagrams/layout3.xml><?xml version="1.0" encoding="utf-8"?>
 <dgm:layoutDef xmlns:dgm="http://schemas.openxmlformats.org/drawingml/2006/diagram" xmlns:a="http://schemas.openxmlformats.org/drawingml/2006/main" uniqueId="urn:microsoft.com/office/officeart/2018/2/layout/IconLabelList">
   <dgm:title val="Icon Label List"/>
   <dgm:desc val="Use to show non-sequential or grouped chunks of information accompanied by a related visuals. Works best with icons or small pictures with short text captions."/>
@@ -9921,7 +8862,7 @@
 </dgm:layoutDef>
 </file>
 
-<file path=ppt/diagrams/layout4.xml><?xml version="1.0" encoding="utf-8"?>
+<file path=ppt/diagrams/layout3.xml><?xml version="1.0" encoding="utf-8"?>
 <dgm:layoutDef xmlns:dgm="http://schemas.openxmlformats.org/drawingml/2006/diagram" xmlns:a="http://schemas.openxmlformats.org/drawingml/2006/main" uniqueId="urn:microsoft.com/office/officeart/2016/7/layout/VerticalHollowActionList">
   <dgm:title val="Vertical Hollow Action List"/>
   <dgm:desc val="Use to show non-sequential or grouped lists of information. Works well with large amounts of text. All text has the same level of emphasis, and direction is not implied."/>
@@ -10155,7 +9096,7 @@
 </dgm:layoutDef>
 </file>
 
-<file path=ppt/diagrams/layout5.xml><?xml version="1.0" encoding="utf-8"?>
+<file path=ppt/diagrams/layout4.xml><?xml version="1.0" encoding="utf-8"?>
 <dgm:layoutDef xmlns:dgm="http://schemas.openxmlformats.org/drawingml/2006/diagram" xmlns:a="http://schemas.openxmlformats.org/drawingml/2006/main" uniqueId="urn:microsoft.com/office/officeart/2018/2/layout/IconCircleList">
   <dgm:title val="Icon Circle List"/>
   <dgm:desc val="Use to show non-sequential or grouped chunks of information accompanied by related visuals. Circular shapes can hold an icon or small picture and corresponding text box shows Level 1 text. Works best for icons or small pictures with medium-length descriptions."/>
@@ -14503,1040 +13444,6 @@
 </dgm:styleDef>
 </file>
 
-<file path=ppt/diagrams/quickStyle5.xml><?xml version="1.0" encoding="utf-8"?>
-<dgm:styleDef xmlns:dgm="http://schemas.openxmlformats.org/drawingml/2006/diagram" xmlns:a="http://schemas.openxmlformats.org/drawingml/2006/main" uniqueId="urn:microsoft.com/office/officeart/2005/8/quickstyle/simple1">
-  <dgm:title val=""/>
-  <dgm:desc val=""/>
-  <dgm:catLst>
-    <dgm:cat type="simple" pri="10100"/>
-  </dgm:catLst>
-  <dgm:scene3d>
-    <a:camera prst="orthographicFront"/>
-    <a:lightRig rig="threePt" dir="t"/>
-  </dgm:scene3d>
-  <dgm:styleLbl name="node0">
-    <dgm:scene3d>
-      <a:camera prst="orthographicFront"/>
-      <a:lightRig rig="threePt" dir="t"/>
-    </dgm:scene3d>
-    <dgm:sp3d/>
-    <dgm:txPr/>
-    <dgm:style>
-      <a:lnRef idx="2">
-        <a:scrgbClr r="0" g="0" b="0"/>
-      </a:lnRef>
-      <a:fillRef idx="1">
-        <a:scrgbClr r="0" g="0" b="0"/>
-      </a:fillRef>
-      <a:effectRef idx="0">
-        <a:scrgbClr r="0" g="0" b="0"/>
-      </a:effectRef>
-      <a:fontRef idx="minor">
-        <a:schemeClr val="lt1"/>
-      </a:fontRef>
-    </dgm:style>
-  </dgm:styleLbl>
-  <dgm:styleLbl name="lnNode1">
-    <dgm:scene3d>
-      <a:camera prst="orthographicFront"/>
-      <a:lightRig rig="threePt" dir="t"/>
-    </dgm:scene3d>
-    <dgm:sp3d/>
-    <dgm:txPr/>
-    <dgm:style>
-      <a:lnRef idx="2">
-        <a:scrgbClr r="0" g="0" b="0"/>
-      </a:lnRef>
-      <a:fillRef idx="1">
-        <a:scrgbClr r="0" g="0" b="0"/>
-      </a:fillRef>
-      <a:effectRef idx="0">
-        <a:scrgbClr r="0" g="0" b="0"/>
-      </a:effectRef>
-      <a:fontRef idx="minor">
-        <a:schemeClr val="lt1"/>
-      </a:fontRef>
-    </dgm:style>
-  </dgm:styleLbl>
-  <dgm:styleLbl name="vennNode1">
-    <dgm:scene3d>
-      <a:camera prst="orthographicFront"/>
-      <a:lightRig rig="threePt" dir="t"/>
-    </dgm:scene3d>
-    <dgm:sp3d/>
-    <dgm:txPr/>
-    <dgm:style>
-      <a:lnRef idx="2">
-        <a:scrgbClr r="0" g="0" b="0"/>
-      </a:lnRef>
-      <a:fillRef idx="1">
-        <a:scrgbClr r="0" g="0" b="0"/>
-      </a:fillRef>
-      <a:effectRef idx="0">
-        <a:scrgbClr r="0" g="0" b="0"/>
-      </a:effectRef>
-      <a:fontRef idx="minor">
-        <a:schemeClr val="tx1"/>
-      </a:fontRef>
-    </dgm:style>
-  </dgm:styleLbl>
-  <dgm:styleLbl name="alignNode1">
-    <dgm:scene3d>
-      <a:camera prst="orthographicFront"/>
-      <a:lightRig rig="threePt" dir="t"/>
-    </dgm:scene3d>
-    <dgm:sp3d/>
-    <dgm:txPr/>
-    <dgm:style>
-      <a:lnRef idx="2">
-        <a:scrgbClr r="0" g="0" b="0"/>
-      </a:lnRef>
-      <a:fillRef idx="1">
-        <a:scrgbClr r="0" g="0" b="0"/>
-      </a:fillRef>
-      <a:effectRef idx="0">
-        <a:scrgbClr r="0" g="0" b="0"/>
-      </a:effectRef>
-      <a:fontRef idx="minor">
-        <a:schemeClr val="lt1"/>
-      </a:fontRef>
-    </dgm:style>
-  </dgm:styleLbl>
-  <dgm:styleLbl name="node1">
-    <dgm:scene3d>
-      <a:camera prst="orthographicFront"/>
-      <a:lightRig rig="threePt" dir="t"/>
-    </dgm:scene3d>
-    <dgm:sp3d/>
-    <dgm:txPr/>
-    <dgm:style>
-      <a:lnRef idx="2">
-        <a:scrgbClr r="0" g="0" b="0"/>
-      </a:lnRef>
-      <a:fillRef idx="1">
-        <a:scrgbClr r="0" g="0" b="0"/>
-      </a:fillRef>
-      <a:effectRef idx="0">
-        <a:scrgbClr r="0" g="0" b="0"/>
-      </a:effectRef>
-      <a:fontRef idx="minor">
-        <a:schemeClr val="lt1"/>
-      </a:fontRef>
-    </dgm:style>
-  </dgm:styleLbl>
-  <dgm:styleLbl name="node2">
-    <dgm:scene3d>
-      <a:camera prst="orthographicFront"/>
-      <a:lightRig rig="threePt" dir="t"/>
-    </dgm:scene3d>
-    <dgm:sp3d/>
-    <dgm:txPr/>
-    <dgm:style>
-      <a:lnRef idx="2">
-        <a:scrgbClr r="0" g="0" b="0"/>
-      </a:lnRef>
-      <a:fillRef idx="1">
-        <a:scrgbClr r="0" g="0" b="0"/>
-      </a:fillRef>
-      <a:effectRef idx="0">
-        <a:scrgbClr r="0" g="0" b="0"/>
-      </a:effectRef>
-      <a:fontRef idx="minor">
-        <a:schemeClr val="lt1"/>
-      </a:fontRef>
-    </dgm:style>
-  </dgm:styleLbl>
-  <dgm:styleLbl name="node3">
-    <dgm:scene3d>
-      <a:camera prst="orthographicFront"/>
-      <a:lightRig rig="threePt" dir="t"/>
-    </dgm:scene3d>
-    <dgm:sp3d/>
-    <dgm:txPr/>
-    <dgm:style>
-      <a:lnRef idx="2">
-        <a:scrgbClr r="0" g="0" b="0"/>
-      </a:lnRef>
-      <a:fillRef idx="1">
-        <a:scrgbClr r="0" g="0" b="0"/>
-      </a:fillRef>
-      <a:effectRef idx="0">
-        <a:scrgbClr r="0" g="0" b="0"/>
-      </a:effectRef>
-      <a:fontRef idx="minor">
-        <a:schemeClr val="lt1"/>
-      </a:fontRef>
-    </dgm:style>
-  </dgm:styleLbl>
-  <dgm:styleLbl name="node4">
-    <dgm:scene3d>
-      <a:camera prst="orthographicFront"/>
-      <a:lightRig rig="threePt" dir="t"/>
-    </dgm:scene3d>
-    <dgm:sp3d/>
-    <dgm:txPr/>
-    <dgm:style>
-      <a:lnRef idx="2">
-        <a:scrgbClr r="0" g="0" b="0"/>
-      </a:lnRef>
-      <a:fillRef idx="1">
-        <a:scrgbClr r="0" g="0" b="0"/>
-      </a:fillRef>
-      <a:effectRef idx="0">
-        <a:scrgbClr r="0" g="0" b="0"/>
-      </a:effectRef>
-      <a:fontRef idx="minor">
-        <a:schemeClr val="lt1"/>
-      </a:fontRef>
-    </dgm:style>
-  </dgm:styleLbl>
-  <dgm:styleLbl name="fgImgPlace1">
-    <dgm:scene3d>
-      <a:camera prst="orthographicFront"/>
-      <a:lightRig rig="threePt" dir="t"/>
-    </dgm:scene3d>
-    <dgm:sp3d/>
-    <dgm:txPr/>
-    <dgm:style>
-      <a:lnRef idx="2">
-        <a:scrgbClr r="0" g="0" b="0"/>
-      </a:lnRef>
-      <a:fillRef idx="1">
-        <a:scrgbClr r="0" g="0" b="0"/>
-      </a:fillRef>
-      <a:effectRef idx="0">
-        <a:scrgbClr r="0" g="0" b="0"/>
-      </a:effectRef>
-      <a:fontRef idx="minor"/>
-    </dgm:style>
-  </dgm:styleLbl>
-  <dgm:styleLbl name="alignImgPlace1">
-    <dgm:scene3d>
-      <a:camera prst="orthographicFront"/>
-      <a:lightRig rig="threePt" dir="t"/>
-    </dgm:scene3d>
-    <dgm:sp3d/>
-    <dgm:txPr/>
-    <dgm:style>
-      <a:lnRef idx="2">
-        <a:scrgbClr r="0" g="0" b="0"/>
-      </a:lnRef>
-      <a:fillRef idx="1">
-        <a:scrgbClr r="0" g="0" b="0"/>
-      </a:fillRef>
-      <a:effectRef idx="0">
-        <a:scrgbClr r="0" g="0" b="0"/>
-      </a:effectRef>
-      <a:fontRef idx="minor"/>
-    </dgm:style>
-  </dgm:styleLbl>
-  <dgm:styleLbl name="bgImgPlace1">
-    <dgm:scene3d>
-      <a:camera prst="orthographicFront"/>
-      <a:lightRig rig="threePt" dir="t"/>
-    </dgm:scene3d>
-    <dgm:sp3d/>
-    <dgm:txPr/>
-    <dgm:style>
-      <a:lnRef idx="2">
-        <a:scrgbClr r="0" g="0" b="0"/>
-      </a:lnRef>
-      <a:fillRef idx="1">
-        <a:scrgbClr r="0" g="0" b="0"/>
-      </a:fillRef>
-      <a:effectRef idx="0">
-        <a:scrgbClr r="0" g="0" b="0"/>
-      </a:effectRef>
-      <a:fontRef idx="minor"/>
-    </dgm:style>
-  </dgm:styleLbl>
-  <dgm:styleLbl name="sibTrans2D1">
-    <dgm:scene3d>
-      <a:camera prst="orthographicFront"/>
-      <a:lightRig rig="threePt" dir="t"/>
-    </dgm:scene3d>
-    <dgm:sp3d/>
-    <dgm:txPr/>
-    <dgm:style>
-      <a:lnRef idx="0">
-        <a:scrgbClr r="0" g="0" b="0"/>
-      </a:lnRef>
-      <a:fillRef idx="1">
-        <a:scrgbClr r="0" g="0" b="0"/>
-      </a:fillRef>
-      <a:effectRef idx="0">
-        <a:scrgbClr r="0" g="0" b="0"/>
-      </a:effectRef>
-      <a:fontRef idx="minor">
-        <a:schemeClr val="lt1"/>
-      </a:fontRef>
-    </dgm:style>
-  </dgm:styleLbl>
-  <dgm:styleLbl name="fgSibTrans2D1">
-    <dgm:scene3d>
-      <a:camera prst="orthographicFront"/>
-      <a:lightRig rig="threePt" dir="t"/>
-    </dgm:scene3d>
-    <dgm:sp3d/>
-    <dgm:txPr/>
-    <dgm:style>
-      <a:lnRef idx="0">
-        <a:scrgbClr r="0" g="0" b="0"/>
-      </a:lnRef>
-      <a:fillRef idx="1">
-        <a:scrgbClr r="0" g="0" b="0"/>
-      </a:fillRef>
-      <a:effectRef idx="0">
-        <a:scrgbClr r="0" g="0" b="0"/>
-      </a:effectRef>
-      <a:fontRef idx="minor">
-        <a:schemeClr val="lt1"/>
-      </a:fontRef>
-    </dgm:style>
-  </dgm:styleLbl>
-  <dgm:styleLbl name="bgSibTrans2D1">
-    <dgm:scene3d>
-      <a:camera prst="orthographicFront"/>
-      <a:lightRig rig="threePt" dir="t"/>
-    </dgm:scene3d>
-    <dgm:sp3d/>
-    <dgm:txPr/>
-    <dgm:style>
-      <a:lnRef idx="0">
-        <a:scrgbClr r="0" g="0" b="0"/>
-      </a:lnRef>
-      <a:fillRef idx="1">
-        <a:scrgbClr r="0" g="0" b="0"/>
-      </a:fillRef>
-      <a:effectRef idx="0">
-        <a:scrgbClr r="0" g="0" b="0"/>
-      </a:effectRef>
-      <a:fontRef idx="minor">
-        <a:schemeClr val="lt1"/>
-      </a:fontRef>
-    </dgm:style>
-  </dgm:styleLbl>
-  <dgm:styleLbl name="sibTrans1D1">
-    <dgm:scene3d>
-      <a:camera prst="orthographicFront"/>
-      <a:lightRig rig="threePt" dir="t"/>
-    </dgm:scene3d>
-    <dgm:sp3d/>
-    <dgm:txPr/>
-    <dgm:style>
-      <a:lnRef idx="1">
-        <a:scrgbClr r="0" g="0" b="0"/>
-      </a:lnRef>
-      <a:fillRef idx="0">
-        <a:scrgbClr r="0" g="0" b="0"/>
-      </a:fillRef>
-      <a:effectRef idx="0">
-        <a:scrgbClr r="0" g="0" b="0"/>
-      </a:effectRef>
-      <a:fontRef idx="minor"/>
-    </dgm:style>
-  </dgm:styleLbl>
-  <dgm:styleLbl name="callout">
-    <dgm:scene3d>
-      <a:camera prst="orthographicFront"/>
-      <a:lightRig rig="threePt" dir="t"/>
-    </dgm:scene3d>
-    <dgm:sp3d/>
-    <dgm:txPr/>
-    <dgm:style>
-      <a:lnRef idx="2">
-        <a:scrgbClr r="0" g="0" b="0"/>
-      </a:lnRef>
-      <a:fillRef idx="1">
-        <a:scrgbClr r="0" g="0" b="0"/>
-      </a:fillRef>
-      <a:effectRef idx="0">
-        <a:scrgbClr r="0" g="0" b="0"/>
-      </a:effectRef>
-      <a:fontRef idx="minor"/>
-    </dgm:style>
-  </dgm:styleLbl>
-  <dgm:styleLbl name="asst0">
-    <dgm:scene3d>
-      <a:camera prst="orthographicFront"/>
-      <a:lightRig rig="threePt" dir="t"/>
-    </dgm:scene3d>
-    <dgm:sp3d/>
-    <dgm:txPr/>
-    <dgm:style>
-      <a:lnRef idx="2">
-        <a:scrgbClr r="0" g="0" b="0"/>
-      </a:lnRef>
-      <a:fillRef idx="1">
-        <a:scrgbClr r="0" g="0" b="0"/>
-      </a:fillRef>
-      <a:effectRef idx="0">
-        <a:scrgbClr r="0" g="0" b="0"/>
-      </a:effectRef>
-      <a:fontRef idx="minor">
-        <a:schemeClr val="lt1"/>
-      </a:fontRef>
-    </dgm:style>
-  </dgm:styleLbl>
-  <dgm:styleLbl name="asst1">
-    <dgm:scene3d>
-      <a:camera prst="orthographicFront"/>
-      <a:lightRig rig="threePt" dir="t"/>
-    </dgm:scene3d>
-    <dgm:sp3d/>
-    <dgm:txPr/>
-    <dgm:style>
-      <a:lnRef idx="2">
-        <a:scrgbClr r="0" g="0" b="0"/>
-      </a:lnRef>
-      <a:fillRef idx="1">
-        <a:scrgbClr r="0" g="0" b="0"/>
-      </a:fillRef>
-      <a:effectRef idx="0">
-        <a:scrgbClr r="0" g="0" b="0"/>
-      </a:effectRef>
-      <a:fontRef idx="minor">
-        <a:schemeClr val="lt1"/>
-      </a:fontRef>
-    </dgm:style>
-  </dgm:styleLbl>
-  <dgm:styleLbl name="asst2">
-    <dgm:scene3d>
-      <a:camera prst="orthographicFront"/>
-      <a:lightRig rig="threePt" dir="t"/>
-    </dgm:scene3d>
-    <dgm:sp3d/>
-    <dgm:txPr/>
-    <dgm:style>
-      <a:lnRef idx="2">
-        <a:scrgbClr r="0" g="0" b="0"/>
-      </a:lnRef>
-      <a:fillRef idx="1">
-        <a:scrgbClr r="0" g="0" b="0"/>
-      </a:fillRef>
-      <a:effectRef idx="0">
-        <a:scrgbClr r="0" g="0" b="0"/>
-      </a:effectRef>
-      <a:fontRef idx="minor">
-        <a:schemeClr val="lt1"/>
-      </a:fontRef>
-    </dgm:style>
-  </dgm:styleLbl>
-  <dgm:styleLbl name="asst3">
-    <dgm:scene3d>
-      <a:camera prst="orthographicFront"/>
-      <a:lightRig rig="threePt" dir="t"/>
-    </dgm:scene3d>
-    <dgm:sp3d/>
-    <dgm:txPr/>
-    <dgm:style>
-      <a:lnRef idx="2">
-        <a:scrgbClr r="0" g="0" b="0"/>
-      </a:lnRef>
-      <a:fillRef idx="1">
-        <a:scrgbClr r="0" g="0" b="0"/>
-      </a:fillRef>
-      <a:effectRef idx="0">
-        <a:scrgbClr r="0" g="0" b="0"/>
-      </a:effectRef>
-      <a:fontRef idx="minor">
-        <a:schemeClr val="lt1"/>
-      </a:fontRef>
-    </dgm:style>
-  </dgm:styleLbl>
-  <dgm:styleLbl name="asst4">
-    <dgm:scene3d>
-      <a:camera prst="orthographicFront"/>
-      <a:lightRig rig="threePt" dir="t"/>
-    </dgm:scene3d>
-    <dgm:sp3d/>
-    <dgm:txPr/>
-    <dgm:style>
-      <a:lnRef idx="2">
-        <a:scrgbClr r="0" g="0" b="0"/>
-      </a:lnRef>
-      <a:fillRef idx="1">
-        <a:scrgbClr r="0" g="0" b="0"/>
-      </a:fillRef>
-      <a:effectRef idx="0">
-        <a:scrgbClr r="0" g="0" b="0"/>
-      </a:effectRef>
-      <a:fontRef idx="minor">
-        <a:schemeClr val="lt1"/>
-      </a:fontRef>
-    </dgm:style>
-  </dgm:styleLbl>
-  <dgm:styleLbl name="parChTrans2D1">
-    <dgm:scene3d>
-      <a:camera prst="orthographicFront"/>
-      <a:lightRig rig="threePt" dir="t"/>
-    </dgm:scene3d>
-    <dgm:sp3d/>
-    <dgm:txPr/>
-    <dgm:style>
-      <a:lnRef idx="2">
-        <a:scrgbClr r="0" g="0" b="0"/>
-      </a:lnRef>
-      <a:fillRef idx="1">
-        <a:scrgbClr r="0" g="0" b="0"/>
-      </a:fillRef>
-      <a:effectRef idx="0">
-        <a:scrgbClr r="0" g="0" b="0"/>
-      </a:effectRef>
-      <a:fontRef idx="minor">
-        <a:schemeClr val="lt1"/>
-      </a:fontRef>
-    </dgm:style>
-  </dgm:styleLbl>
-  <dgm:styleLbl name="parChTrans2D2">
-    <dgm:scene3d>
-      <a:camera prst="orthographicFront"/>
-      <a:lightRig rig="threePt" dir="t"/>
-    </dgm:scene3d>
-    <dgm:sp3d/>
-    <dgm:txPr/>
-    <dgm:style>
-      <a:lnRef idx="2">
-        <a:scrgbClr r="0" g="0" b="0"/>
-      </a:lnRef>
-      <a:fillRef idx="1">
-        <a:scrgbClr r="0" g="0" b="0"/>
-      </a:fillRef>
-      <a:effectRef idx="0">
-        <a:scrgbClr r="0" g="0" b="0"/>
-      </a:effectRef>
-      <a:fontRef idx="minor">
-        <a:schemeClr val="lt1"/>
-      </a:fontRef>
-    </dgm:style>
-  </dgm:styleLbl>
-  <dgm:styleLbl name="parChTrans2D3">
-    <dgm:scene3d>
-      <a:camera prst="orthographicFront"/>
-      <a:lightRig rig="threePt" dir="t"/>
-    </dgm:scene3d>
-    <dgm:sp3d/>
-    <dgm:txPr/>
-    <dgm:style>
-      <a:lnRef idx="2">
-        <a:scrgbClr r="0" g="0" b="0"/>
-      </a:lnRef>
-      <a:fillRef idx="1">
-        <a:scrgbClr r="0" g="0" b="0"/>
-      </a:fillRef>
-      <a:effectRef idx="0">
-        <a:scrgbClr r="0" g="0" b="0"/>
-      </a:effectRef>
-      <a:fontRef idx="minor">
-        <a:schemeClr val="lt1"/>
-      </a:fontRef>
-    </dgm:style>
-  </dgm:styleLbl>
-  <dgm:styleLbl name="parChTrans2D4">
-    <dgm:scene3d>
-      <a:camera prst="orthographicFront"/>
-      <a:lightRig rig="threePt" dir="t"/>
-    </dgm:scene3d>
-    <dgm:sp3d/>
-    <dgm:txPr/>
-    <dgm:style>
-      <a:lnRef idx="2">
-        <a:scrgbClr r="0" g="0" b="0"/>
-      </a:lnRef>
-      <a:fillRef idx="1">
-        <a:scrgbClr r="0" g="0" b="0"/>
-      </a:fillRef>
-      <a:effectRef idx="0">
-        <a:scrgbClr r="0" g="0" b="0"/>
-      </a:effectRef>
-      <a:fontRef idx="minor">
-        <a:schemeClr val="lt1"/>
-      </a:fontRef>
-    </dgm:style>
-  </dgm:styleLbl>
-  <dgm:styleLbl name="parChTrans1D1">
-    <dgm:scene3d>
-      <a:camera prst="orthographicFront"/>
-      <a:lightRig rig="threePt" dir="t"/>
-    </dgm:scene3d>
-    <dgm:sp3d/>
-    <dgm:txPr/>
-    <dgm:style>
-      <a:lnRef idx="2">
-        <a:scrgbClr r="0" g="0" b="0"/>
-      </a:lnRef>
-      <a:fillRef idx="0">
-        <a:scrgbClr r="0" g="0" b="0"/>
-      </a:fillRef>
-      <a:effectRef idx="0">
-        <a:scrgbClr r="0" g="0" b="0"/>
-      </a:effectRef>
-      <a:fontRef idx="minor"/>
-    </dgm:style>
-  </dgm:styleLbl>
-  <dgm:styleLbl name="parChTrans1D2">
-    <dgm:scene3d>
-      <a:camera prst="orthographicFront"/>
-      <a:lightRig rig="threePt" dir="t"/>
-    </dgm:scene3d>
-    <dgm:sp3d/>
-    <dgm:txPr/>
-    <dgm:style>
-      <a:lnRef idx="2">
-        <a:scrgbClr r="0" g="0" b="0"/>
-      </a:lnRef>
-      <a:fillRef idx="0">
-        <a:scrgbClr r="0" g="0" b="0"/>
-      </a:fillRef>
-      <a:effectRef idx="0">
-        <a:scrgbClr r="0" g="0" b="0"/>
-      </a:effectRef>
-      <a:fontRef idx="minor"/>
-    </dgm:style>
-  </dgm:styleLbl>
-  <dgm:styleLbl name="parChTrans1D3">
-    <dgm:scene3d>
-      <a:camera prst="orthographicFront"/>
-      <a:lightRig rig="threePt" dir="t"/>
-    </dgm:scene3d>
-    <dgm:sp3d/>
-    <dgm:txPr/>
-    <dgm:style>
-      <a:lnRef idx="2">
-        <a:scrgbClr r="0" g="0" b="0"/>
-      </a:lnRef>
-      <a:fillRef idx="0">
-        <a:scrgbClr r="0" g="0" b="0"/>
-      </a:fillRef>
-      <a:effectRef idx="0">
-        <a:scrgbClr r="0" g="0" b="0"/>
-      </a:effectRef>
-      <a:fontRef idx="minor"/>
-    </dgm:style>
-  </dgm:styleLbl>
-  <dgm:styleLbl name="parChTrans1D4">
-    <dgm:scene3d>
-      <a:camera prst="orthographicFront"/>
-      <a:lightRig rig="threePt" dir="t"/>
-    </dgm:scene3d>
-    <dgm:sp3d/>
-    <dgm:txPr/>
-    <dgm:style>
-      <a:lnRef idx="2">
-        <a:scrgbClr r="0" g="0" b="0"/>
-      </a:lnRef>
-      <a:fillRef idx="0">
-        <a:scrgbClr r="0" g="0" b="0"/>
-      </a:fillRef>
-      <a:effectRef idx="0">
-        <a:scrgbClr r="0" g="0" b="0"/>
-      </a:effectRef>
-      <a:fontRef idx="minor"/>
-    </dgm:style>
-  </dgm:styleLbl>
-  <dgm:styleLbl name="fgAcc1">
-    <dgm:scene3d>
-      <a:camera prst="orthographicFront"/>
-      <a:lightRig rig="threePt" dir="t"/>
-    </dgm:scene3d>
-    <dgm:sp3d/>
-    <dgm:txPr/>
-    <dgm:style>
-      <a:lnRef idx="2">
-        <a:scrgbClr r="0" g="0" b="0"/>
-      </a:lnRef>
-      <a:fillRef idx="1">
-        <a:scrgbClr r="0" g="0" b="0"/>
-      </a:fillRef>
-      <a:effectRef idx="0">
-        <a:scrgbClr r="0" g="0" b="0"/>
-      </a:effectRef>
-      <a:fontRef idx="minor"/>
-    </dgm:style>
-  </dgm:styleLbl>
-  <dgm:styleLbl name="conFgAcc1">
-    <dgm:scene3d>
-      <a:camera prst="orthographicFront"/>
-      <a:lightRig rig="threePt" dir="t"/>
-    </dgm:scene3d>
-    <dgm:sp3d/>
-    <dgm:txPr/>
-    <dgm:style>
-      <a:lnRef idx="2">
-        <a:scrgbClr r="0" g="0" b="0"/>
-      </a:lnRef>
-      <a:fillRef idx="1">
-        <a:scrgbClr r="0" g="0" b="0"/>
-      </a:fillRef>
-      <a:effectRef idx="0">
-        <a:scrgbClr r="0" g="0" b="0"/>
-      </a:effectRef>
-      <a:fontRef idx="minor"/>
-    </dgm:style>
-  </dgm:styleLbl>
-  <dgm:styleLbl name="alignAcc1">
-    <dgm:scene3d>
-      <a:camera prst="orthographicFront"/>
-      <a:lightRig rig="threePt" dir="t"/>
-    </dgm:scene3d>
-    <dgm:sp3d/>
-    <dgm:txPr/>
-    <dgm:style>
-      <a:lnRef idx="2">
-        <a:scrgbClr r="0" g="0" b="0"/>
-      </a:lnRef>
-      <a:fillRef idx="1">
-        <a:scrgbClr r="0" g="0" b="0"/>
-      </a:fillRef>
-      <a:effectRef idx="0">
-        <a:scrgbClr r="0" g="0" b="0"/>
-      </a:effectRef>
-      <a:fontRef idx="minor"/>
-    </dgm:style>
-  </dgm:styleLbl>
-  <dgm:styleLbl name="trAlignAcc1">
-    <dgm:scene3d>
-      <a:camera prst="orthographicFront"/>
-      <a:lightRig rig="threePt" dir="t"/>
-    </dgm:scene3d>
-    <dgm:sp3d/>
-    <dgm:txPr/>
-    <dgm:style>
-      <a:lnRef idx="1">
-        <a:scrgbClr r="0" g="0" b="0"/>
-      </a:lnRef>
-      <a:fillRef idx="1">
-        <a:scrgbClr r="0" g="0" b="0"/>
-      </a:fillRef>
-      <a:effectRef idx="0">
-        <a:scrgbClr r="0" g="0" b="0"/>
-      </a:effectRef>
-      <a:fontRef idx="minor"/>
-    </dgm:style>
-  </dgm:styleLbl>
-  <dgm:styleLbl name="bgAcc1">
-    <dgm:scene3d>
-      <a:camera prst="orthographicFront"/>
-      <a:lightRig rig="threePt" dir="t"/>
-    </dgm:scene3d>
-    <dgm:sp3d/>
-    <dgm:txPr/>
-    <dgm:style>
-      <a:lnRef idx="2">
-        <a:scrgbClr r="0" g="0" b="0"/>
-      </a:lnRef>
-      <a:fillRef idx="1">
-        <a:scrgbClr r="0" g="0" b="0"/>
-      </a:fillRef>
-      <a:effectRef idx="0">
-        <a:scrgbClr r="0" g="0" b="0"/>
-      </a:effectRef>
-      <a:fontRef idx="minor"/>
-    </dgm:style>
-  </dgm:styleLbl>
-  <dgm:styleLbl name="solidFgAcc1">
-    <dgm:scene3d>
-      <a:camera prst="orthographicFront"/>
-      <a:lightRig rig="threePt" dir="t"/>
-    </dgm:scene3d>
-    <dgm:sp3d/>
-    <dgm:txPr/>
-    <dgm:style>
-      <a:lnRef idx="2">
-        <a:scrgbClr r="0" g="0" b="0"/>
-      </a:lnRef>
-      <a:fillRef idx="1">
-        <a:scrgbClr r="0" g="0" b="0"/>
-      </a:fillRef>
-      <a:effectRef idx="0">
-        <a:scrgbClr r="0" g="0" b="0"/>
-      </a:effectRef>
-      <a:fontRef idx="minor"/>
-    </dgm:style>
-  </dgm:styleLbl>
-  <dgm:styleLbl name="solidAlignAcc1">
-    <dgm:scene3d>
-      <a:camera prst="orthographicFront"/>
-      <a:lightRig rig="threePt" dir="t"/>
-    </dgm:scene3d>
-    <dgm:sp3d/>
-    <dgm:txPr/>
-    <dgm:style>
-      <a:lnRef idx="2">
-        <a:scrgbClr r="0" g="0" b="0"/>
-      </a:lnRef>
-      <a:fillRef idx="1">
-        <a:scrgbClr r="0" g="0" b="0"/>
-      </a:fillRef>
-      <a:effectRef idx="0">
-        <a:scrgbClr r="0" g="0" b="0"/>
-      </a:effectRef>
-      <a:fontRef idx="minor"/>
-    </dgm:style>
-  </dgm:styleLbl>
-  <dgm:styleLbl name="solidBgAcc1">
-    <dgm:scene3d>
-      <a:camera prst="orthographicFront"/>
-      <a:lightRig rig="threePt" dir="t"/>
-    </dgm:scene3d>
-    <dgm:sp3d/>
-    <dgm:txPr/>
-    <dgm:style>
-      <a:lnRef idx="2">
-        <a:scrgbClr r="0" g="0" b="0"/>
-      </a:lnRef>
-      <a:fillRef idx="1">
-        <a:scrgbClr r="0" g="0" b="0"/>
-      </a:fillRef>
-      <a:effectRef idx="0">
-        <a:scrgbClr r="0" g="0" b="0"/>
-      </a:effectRef>
-      <a:fontRef idx="minor"/>
-    </dgm:style>
-  </dgm:styleLbl>
-  <dgm:styleLbl name="fgAccFollowNode1">
-    <dgm:scene3d>
-      <a:camera prst="orthographicFront"/>
-      <a:lightRig rig="threePt" dir="t"/>
-    </dgm:scene3d>
-    <dgm:sp3d/>
-    <dgm:txPr/>
-    <dgm:style>
-      <a:lnRef idx="2">
-        <a:scrgbClr r="0" g="0" b="0"/>
-      </a:lnRef>
-      <a:fillRef idx="1">
-        <a:scrgbClr r="0" g="0" b="0"/>
-      </a:fillRef>
-      <a:effectRef idx="0">
-        <a:scrgbClr r="0" g="0" b="0"/>
-      </a:effectRef>
-      <a:fontRef idx="minor"/>
-    </dgm:style>
-  </dgm:styleLbl>
-  <dgm:styleLbl name="alignAccFollowNode1">
-    <dgm:scene3d>
-      <a:camera prst="orthographicFront"/>
-      <a:lightRig rig="threePt" dir="t"/>
-    </dgm:scene3d>
-    <dgm:sp3d/>
-    <dgm:txPr/>
-    <dgm:style>
-      <a:lnRef idx="2">
-        <a:scrgbClr r="0" g="0" b="0"/>
-      </a:lnRef>
-      <a:fillRef idx="1">
-        <a:scrgbClr r="0" g="0" b="0"/>
-      </a:fillRef>
-      <a:effectRef idx="0">
-        <a:scrgbClr r="0" g="0" b="0"/>
-      </a:effectRef>
-      <a:fontRef idx="minor"/>
-    </dgm:style>
-  </dgm:styleLbl>
-  <dgm:styleLbl name="bgAccFollowNode1">
-    <dgm:scene3d>
-      <a:camera prst="orthographicFront"/>
-      <a:lightRig rig="threePt" dir="t"/>
-    </dgm:scene3d>
-    <dgm:sp3d/>
-    <dgm:txPr/>
-    <dgm:style>
-      <a:lnRef idx="2">
-        <a:scrgbClr r="0" g="0" b="0"/>
-      </a:lnRef>
-      <a:fillRef idx="1">
-        <a:scrgbClr r="0" g="0" b="0"/>
-      </a:fillRef>
-      <a:effectRef idx="0">
-        <a:scrgbClr r="0" g="0" b="0"/>
-      </a:effectRef>
-      <a:fontRef idx="minor"/>
-    </dgm:style>
-  </dgm:styleLbl>
-  <dgm:styleLbl name="fgAcc0">
-    <dgm:scene3d>
-      <a:camera prst="orthographicFront"/>
-      <a:lightRig rig="threePt" dir="t"/>
-    </dgm:scene3d>
-    <dgm:sp3d/>
-    <dgm:txPr/>
-    <dgm:style>
-      <a:lnRef idx="2">
-        <a:scrgbClr r="0" g="0" b="0"/>
-      </a:lnRef>
-      <a:fillRef idx="1">
-        <a:scrgbClr r="0" g="0" b="0"/>
-      </a:fillRef>
-      <a:effectRef idx="0">
-        <a:scrgbClr r="0" g="0" b="0"/>
-      </a:effectRef>
-      <a:fontRef idx="minor"/>
-    </dgm:style>
-  </dgm:styleLbl>
-  <dgm:styleLbl name="fgAcc2">
-    <dgm:scene3d>
-      <a:camera prst="orthographicFront"/>
-      <a:lightRig rig="threePt" dir="t"/>
-    </dgm:scene3d>
-    <dgm:sp3d/>
-    <dgm:txPr/>
-    <dgm:style>
-      <a:lnRef idx="2">
-        <a:scrgbClr r="0" g="0" b="0"/>
-      </a:lnRef>
-      <a:fillRef idx="1">
-        <a:scrgbClr r="0" g="0" b="0"/>
-      </a:fillRef>
-      <a:effectRef idx="0">
-        <a:scrgbClr r="0" g="0" b="0"/>
-      </a:effectRef>
-      <a:fontRef idx="minor"/>
-    </dgm:style>
-  </dgm:styleLbl>
-  <dgm:styleLbl name="fgAcc3">
-    <dgm:scene3d>
-      <a:camera prst="orthographicFront"/>
-      <a:lightRig rig="threePt" dir="t"/>
-    </dgm:scene3d>
-    <dgm:sp3d/>
-    <dgm:txPr/>
-    <dgm:style>
-      <a:lnRef idx="2">
-        <a:scrgbClr r="0" g="0" b="0"/>
-      </a:lnRef>
-      <a:fillRef idx="1">
-        <a:scrgbClr r="0" g="0" b="0"/>
-      </a:fillRef>
-      <a:effectRef idx="0">
-        <a:scrgbClr r="0" g="0" b="0"/>
-      </a:effectRef>
-      <a:fontRef idx="minor"/>
-    </dgm:style>
-  </dgm:styleLbl>
-  <dgm:styleLbl name="fgAcc4">
-    <dgm:scene3d>
-      <a:camera prst="orthographicFront"/>
-      <a:lightRig rig="threePt" dir="t"/>
-    </dgm:scene3d>
-    <dgm:sp3d/>
-    <dgm:txPr/>
-    <dgm:style>
-      <a:lnRef idx="2">
-        <a:scrgbClr r="0" g="0" b="0"/>
-      </a:lnRef>
-      <a:fillRef idx="1">
-        <a:scrgbClr r="0" g="0" b="0"/>
-      </a:fillRef>
-      <a:effectRef idx="0">
-        <a:scrgbClr r="0" g="0" b="0"/>
-      </a:effectRef>
-      <a:fontRef idx="minor"/>
-    </dgm:style>
-  </dgm:styleLbl>
-  <dgm:styleLbl name="bgShp">
-    <dgm:scene3d>
-      <a:camera prst="orthographicFront"/>
-      <a:lightRig rig="threePt" dir="t"/>
-    </dgm:scene3d>
-    <dgm:sp3d/>
-    <dgm:txPr/>
-    <dgm:style>
-      <a:lnRef idx="0">
-        <a:scrgbClr r="0" g="0" b="0"/>
-      </a:lnRef>
-      <a:fillRef idx="1">
-        <a:scrgbClr r="0" g="0" b="0"/>
-      </a:fillRef>
-      <a:effectRef idx="0">
-        <a:scrgbClr r="0" g="0" b="0"/>
-      </a:effectRef>
-      <a:fontRef idx="minor"/>
-    </dgm:style>
-  </dgm:styleLbl>
-  <dgm:styleLbl name="dkBgShp">
-    <dgm:scene3d>
-      <a:camera prst="orthographicFront"/>
-      <a:lightRig rig="threePt" dir="t"/>
-    </dgm:scene3d>
-    <dgm:sp3d/>
-    <dgm:txPr/>
-    <dgm:style>
-      <a:lnRef idx="0">
-        <a:scrgbClr r="0" g="0" b="0"/>
-      </a:lnRef>
-      <a:fillRef idx="1">
-        <a:scrgbClr r="0" g="0" b="0"/>
-      </a:fillRef>
-      <a:effectRef idx="0">
-        <a:scrgbClr r="0" g="0" b="0"/>
-      </a:effectRef>
-      <a:fontRef idx="minor"/>
-    </dgm:style>
-  </dgm:styleLbl>
-  <dgm:styleLbl name="trBgShp">
-    <dgm:scene3d>
-      <a:camera prst="orthographicFront"/>
-      <a:lightRig rig="threePt" dir="t"/>
-    </dgm:scene3d>
-    <dgm:sp3d/>
-    <dgm:txPr/>
-    <dgm:style>
-      <a:lnRef idx="0">
-        <a:scrgbClr r="0" g="0" b="0"/>
-      </a:lnRef>
-      <a:fillRef idx="1">
-        <a:scrgbClr r="0" g="0" b="0"/>
-      </a:fillRef>
-      <a:effectRef idx="0">
-        <a:scrgbClr r="0" g="0" b="0"/>
-      </a:effectRef>
-      <a:fontRef idx="minor"/>
-    </dgm:style>
-  </dgm:styleLbl>
-  <dgm:styleLbl name="fgShp">
-    <dgm:scene3d>
-      <a:camera prst="orthographicFront"/>
-      <a:lightRig rig="threePt" dir="t"/>
-    </dgm:scene3d>
-    <dgm:sp3d/>
-    <dgm:txPr/>
-    <dgm:style>
-      <a:lnRef idx="2">
-        <a:scrgbClr r="0" g="0" b="0"/>
-      </a:lnRef>
-      <a:fillRef idx="1">
-        <a:scrgbClr r="0" g="0" b="0"/>
-      </a:fillRef>
-      <a:effectRef idx="0">
-        <a:scrgbClr r="0" g="0" b="0"/>
-      </a:effectRef>
-      <a:fontRef idx="minor"/>
-    </dgm:style>
-  </dgm:styleLbl>
-  <dgm:styleLbl name="revTx">
-    <dgm:scene3d>
-      <a:camera prst="orthographicFront"/>
-      <a:lightRig rig="threePt" dir="t"/>
-    </dgm:scene3d>
-    <dgm:sp3d/>
-    <dgm:txPr/>
-    <dgm:style>
-      <a:lnRef idx="0">
-        <a:scrgbClr r="0" g="0" b="0"/>
-      </a:lnRef>
-      <a:fillRef idx="0">
-        <a:scrgbClr r="0" g="0" b="0"/>
-      </a:fillRef>
-      <a:effectRef idx="0">
-        <a:scrgbClr r="0" g="0" b="0"/>
-      </a:effectRef>
-      <a:fontRef idx="minor"/>
-    </dgm:style>
-  </dgm:styleLbl>
-</dgm:styleDef>
-</file>
-
 <file path=ppt/slideLayouts/slideLayout1.xml><?xml version="1.0" encoding="utf-8"?>
 <p:sldLayout xmlns:a="http://schemas.openxmlformats.org/drawingml/2006/main" xmlns:r="http://schemas.openxmlformats.org/officeDocument/2006/relationships" xmlns:p="http://schemas.openxmlformats.org/presentationml/2006/main" type="title" preserve="1">
   <p:cSld name="Title Slide">
@@ -15716,7 +13623,7 @@
           <a:p>
             <a:fld id="{5BCAD085-E8A6-8845-BD4E-CB4CCA059FC4}" type="datetimeFigureOut">
               <a:rPr lang="en-US" smtClean="0"/>
-              <a:t>7/18/2025</a:t>
+              <a:t>7/19/2025</a:t>
             </a:fld>
             <a:endParaRPr lang="en-US"/>
           </a:p>
@@ -15884,7 +13791,7 @@
           <a:p>
             <a:fld id="{5BCAD085-E8A6-8845-BD4E-CB4CCA059FC4}" type="datetimeFigureOut">
               <a:rPr lang="en-US" smtClean="0"/>
-              <a:t>7/18/2025</a:t>
+              <a:t>7/19/2025</a:t>
             </a:fld>
             <a:endParaRPr lang="en-US"/>
           </a:p>
@@ -16062,7 +13969,7 @@
           <a:p>
             <a:fld id="{5BCAD085-E8A6-8845-BD4E-CB4CCA059FC4}" type="datetimeFigureOut">
               <a:rPr lang="en-US" smtClean="0"/>
-              <a:t>7/18/2025</a:t>
+              <a:t>7/19/2025</a:t>
             </a:fld>
             <a:endParaRPr lang="en-US"/>
           </a:p>
@@ -16230,7 +14137,7 @@
           <a:p>
             <a:fld id="{5BCAD085-E8A6-8845-BD4E-CB4CCA059FC4}" type="datetimeFigureOut">
               <a:rPr lang="en-US" smtClean="0"/>
-              <a:t>7/18/2025</a:t>
+              <a:t>7/19/2025</a:t>
             </a:fld>
             <a:endParaRPr lang="en-US"/>
           </a:p>
@@ -16475,7 +14382,7 @@
           <a:p>
             <a:fld id="{5BCAD085-E8A6-8845-BD4E-CB4CCA059FC4}" type="datetimeFigureOut">
               <a:rPr lang="en-US" smtClean="0"/>
-              <a:t>7/18/2025</a:t>
+              <a:t>7/19/2025</a:t>
             </a:fld>
             <a:endParaRPr lang="en-US"/>
           </a:p>
@@ -16760,7 +14667,7 @@
           <a:p>
             <a:fld id="{5BCAD085-E8A6-8845-BD4E-CB4CCA059FC4}" type="datetimeFigureOut">
               <a:rPr lang="en-US" smtClean="0"/>
-              <a:t>7/18/2025</a:t>
+              <a:t>7/19/2025</a:t>
             </a:fld>
             <a:endParaRPr lang="en-US"/>
           </a:p>
@@ -17179,7 +15086,7 @@
           <a:p>
             <a:fld id="{5BCAD085-E8A6-8845-BD4E-CB4CCA059FC4}" type="datetimeFigureOut">
               <a:rPr lang="en-US" smtClean="0"/>
-              <a:t>7/18/2025</a:t>
+              <a:t>7/19/2025</a:t>
             </a:fld>
             <a:endParaRPr lang="en-US"/>
           </a:p>
@@ -17296,7 +15203,7 @@
           <a:p>
             <a:fld id="{5BCAD085-E8A6-8845-BD4E-CB4CCA059FC4}" type="datetimeFigureOut">
               <a:rPr lang="en-US" smtClean="0"/>
-              <a:t>7/18/2025</a:t>
+              <a:t>7/19/2025</a:t>
             </a:fld>
             <a:endParaRPr lang="en-US"/>
           </a:p>
@@ -17391,7 +15298,7 @@
           <a:p>
             <a:fld id="{5BCAD085-E8A6-8845-BD4E-CB4CCA059FC4}" type="datetimeFigureOut">
               <a:rPr lang="en-US" smtClean="0"/>
-              <a:t>7/18/2025</a:t>
+              <a:t>7/19/2025</a:t>
             </a:fld>
             <a:endParaRPr lang="en-US"/>
           </a:p>
@@ -17666,7 +15573,7 @@
           <a:p>
             <a:fld id="{5BCAD085-E8A6-8845-BD4E-CB4CCA059FC4}" type="datetimeFigureOut">
               <a:rPr lang="en-US" smtClean="0"/>
-              <a:t>7/18/2025</a:t>
+              <a:t>7/19/2025</a:t>
             </a:fld>
             <a:endParaRPr lang="en-US"/>
           </a:p>
@@ -17921,7 +15828,7 @@
           <a:p>
             <a:fld id="{5BCAD085-E8A6-8845-BD4E-CB4CCA059FC4}" type="datetimeFigureOut">
               <a:rPr lang="en-US" smtClean="0"/>
-              <a:t>7/18/2025</a:t>
+              <a:t>7/19/2025</a:t>
             </a:fld>
             <a:endParaRPr lang="en-US"/>
           </a:p>
@@ -18132,7 +16039,7 @@
           <a:p>
             <a:fld id="{5BCAD085-E8A6-8845-BD4E-CB4CCA059FC4}" type="datetimeFigureOut">
               <a:rPr lang="en-US" smtClean="0"/>
-              <a:t>7/18/2025</a:t>
+              <a:t>7/19/2025</a:t>
             </a:fld>
             <a:endParaRPr lang="en-US"/>
           </a:p>
@@ -19292,7 +17199,7 @@
             <p:ph idx="1"/>
             <p:extLst>
               <p:ext uri="{D42A27DB-BD31-4B8C-83A1-F6EECF244321}">
-                <p14:modId xmlns:p14="http://schemas.microsoft.com/office/powerpoint/2010/main" val="3890055276"/>
+                <p14:modId xmlns:p14="http://schemas.microsoft.com/office/powerpoint/2010/main" val="2194182569"/>
               </p:ext>
             </p:extLst>
           </p:nvPr>
@@ -19339,67 +17246,422 @@
       </p:grpSpPr>
       <p:sp>
         <p:nvSpPr>
-          <p:cNvPr id="2" name="Title 1">
+          <p:cNvPr id="3" name="TextBox 2">
             <a:extLst>
               <a:ext uri="{FF2B5EF4-FFF2-40B4-BE49-F238E27FC236}">
-                <a16:creationId xmlns:a16="http://schemas.microsoft.com/office/drawing/2014/main" id="{FE647C49-6369-437C-90D3-589B3F9D7FD7}"/>
+                <a16:creationId xmlns:a16="http://schemas.microsoft.com/office/drawing/2014/main" id="{8584540B-D6C8-AF87-12CE-B910B3504BD9}"/>
               </a:ext>
             </a:extLst>
           </p:cNvPr>
-          <p:cNvSpPr>
-            <a:spLocks noGrp="1"/>
-          </p:cNvSpPr>
-          <p:nvPr>
-            <p:ph type="title"/>
-          </p:nvPr>
+          <p:cNvSpPr txBox="1"/>
+          <p:nvPr/>
         </p:nvSpPr>
-        <p:spPr/>
+        <p:spPr>
+          <a:xfrm>
+            <a:off x="958646" y="729734"/>
+            <a:ext cx="10087897" cy="707886"/>
+          </a:xfrm>
+          <a:prstGeom prst="rect">
+            <a:avLst/>
+          </a:prstGeom>
+          <a:noFill/>
+        </p:spPr>
         <p:txBody>
-          <a:bodyPr>
-            <a:normAutofit fontScale="90000"/>
+          <a:bodyPr wrap="square">
+            <a:spAutoFit/>
           </a:bodyPr>
           <a:lstStyle/>
           <a:p>
             <a:r>
-              <a:rPr lang="en-US"/>
+              <a:rPr lang="en-US" sz="4000" dirty="0"/>
               <a:t>Manual Car Damage Assessment – The Problem</a:t>
+            </a:r>
+            <a:endParaRPr lang="en-AU" sz="4000" dirty="0"/>
+          </a:p>
+        </p:txBody>
+      </p:sp>
+      <p:sp>
+        <p:nvSpPr>
+          <p:cNvPr id="6" name="TextBox 5">
+            <a:extLst>
+              <a:ext uri="{FF2B5EF4-FFF2-40B4-BE49-F238E27FC236}">
+                <a16:creationId xmlns:a16="http://schemas.microsoft.com/office/drawing/2014/main" id="{19CBB8A8-5F15-1EAB-ACEC-F63AC2BA5286}"/>
+              </a:ext>
+            </a:extLst>
+          </p:cNvPr>
+          <p:cNvSpPr txBox="1"/>
+          <p:nvPr/>
+        </p:nvSpPr>
+        <p:spPr>
+          <a:xfrm>
+            <a:off x="1042220" y="2630890"/>
+            <a:ext cx="1032386" cy="1107996"/>
+          </a:xfrm>
+          <a:prstGeom prst="rect">
+            <a:avLst/>
+          </a:prstGeom>
+          <a:noFill/>
+        </p:spPr>
+        <p:txBody>
+          <a:bodyPr wrap="square">
+            <a:spAutoFit/>
+          </a:bodyPr>
+          <a:lstStyle/>
+          <a:p>
+            <a:pPr>
+              <a:defRPr sz="2000"/>
+            </a:pPr>
+            <a:r>
+              <a:rPr lang="en-AU" sz="6600" dirty="0"/>
+              <a:t>🕒</a:t>
+            </a:r>
+            <a:r>
+              <a:rPr lang="en-AU" sz="3200" dirty="0"/>
+              <a:t> </a:t>
+            </a:r>
+          </a:p>
+        </p:txBody>
+      </p:sp>
+      <p:sp>
+        <p:nvSpPr>
+          <p:cNvPr id="9" name="TextBox 8">
+            <a:extLst>
+              <a:ext uri="{FF2B5EF4-FFF2-40B4-BE49-F238E27FC236}">
+                <a16:creationId xmlns:a16="http://schemas.microsoft.com/office/drawing/2014/main" id="{C676CB36-D468-3263-6A8A-A8819F4ABA80}"/>
+              </a:ext>
+            </a:extLst>
+          </p:cNvPr>
+          <p:cNvSpPr txBox="1"/>
+          <p:nvPr/>
+        </p:nvSpPr>
+        <p:spPr>
+          <a:xfrm>
+            <a:off x="3333137" y="2636963"/>
+            <a:ext cx="1219198" cy="1015663"/>
+          </a:xfrm>
+          <a:prstGeom prst="rect">
+            <a:avLst/>
+          </a:prstGeom>
+          <a:noFill/>
+        </p:spPr>
+        <p:txBody>
+          <a:bodyPr wrap="square">
+            <a:spAutoFit/>
+          </a:bodyPr>
+          <a:lstStyle/>
+          <a:p>
+            <a:pPr>
+              <a:defRPr sz="2000"/>
+            </a:pPr>
+            <a:r>
+              <a:rPr lang="en-AU" sz="6000" dirty="0"/>
+              <a:t>⚖️</a:t>
+            </a:r>
+          </a:p>
+        </p:txBody>
+      </p:sp>
+      <p:sp>
+        <p:nvSpPr>
+          <p:cNvPr id="12" name="TextBox 11">
+            <a:extLst>
+              <a:ext uri="{FF2B5EF4-FFF2-40B4-BE49-F238E27FC236}">
+                <a16:creationId xmlns:a16="http://schemas.microsoft.com/office/drawing/2014/main" id="{57CDCAB5-9F94-8682-3C64-799D26194069}"/>
+              </a:ext>
+            </a:extLst>
+          </p:cNvPr>
+          <p:cNvSpPr txBox="1"/>
+          <p:nvPr/>
+        </p:nvSpPr>
+        <p:spPr>
+          <a:xfrm>
+            <a:off x="5486402" y="2677056"/>
+            <a:ext cx="1032386" cy="1015663"/>
+          </a:xfrm>
+          <a:prstGeom prst="rect">
+            <a:avLst/>
+          </a:prstGeom>
+          <a:noFill/>
+        </p:spPr>
+        <p:txBody>
+          <a:bodyPr wrap="square">
+            <a:spAutoFit/>
+          </a:bodyPr>
+          <a:lstStyle/>
+          <a:p>
+            <a:pPr>
+              <a:defRPr sz="2000"/>
+            </a:pPr>
+            <a:r>
+              <a:rPr lang="en-AU" sz="6000" dirty="0"/>
+              <a:t>❌</a:t>
+            </a:r>
+          </a:p>
+        </p:txBody>
+      </p:sp>
+      <p:sp>
+        <p:nvSpPr>
+          <p:cNvPr id="15" name="TextBox 14">
+            <a:extLst>
+              <a:ext uri="{FF2B5EF4-FFF2-40B4-BE49-F238E27FC236}">
+                <a16:creationId xmlns:a16="http://schemas.microsoft.com/office/drawing/2014/main" id="{88523F36-DAEB-2902-7B40-D0BF5EA6D7E4}"/>
+              </a:ext>
+            </a:extLst>
+          </p:cNvPr>
+          <p:cNvSpPr txBox="1"/>
+          <p:nvPr/>
+        </p:nvSpPr>
+        <p:spPr>
+          <a:xfrm>
+            <a:off x="7708492" y="2696887"/>
+            <a:ext cx="988087" cy="1015663"/>
+          </a:xfrm>
+          <a:prstGeom prst="rect">
+            <a:avLst/>
+          </a:prstGeom>
+          <a:noFill/>
+        </p:spPr>
+        <p:txBody>
+          <a:bodyPr wrap="square">
+            <a:spAutoFit/>
+          </a:bodyPr>
+          <a:lstStyle/>
+          <a:p>
+            <a:pPr>
+              <a:defRPr sz="2000"/>
+            </a:pPr>
+            <a:r>
+              <a:rPr lang="en-AU" sz="6000" dirty="0"/>
+              <a:t>⏳</a:t>
+            </a:r>
+          </a:p>
+        </p:txBody>
+      </p:sp>
+      <p:sp>
+        <p:nvSpPr>
+          <p:cNvPr id="17" name="TextBox 16">
+            <a:extLst>
+              <a:ext uri="{FF2B5EF4-FFF2-40B4-BE49-F238E27FC236}">
+                <a16:creationId xmlns:a16="http://schemas.microsoft.com/office/drawing/2014/main" id="{1D12E35F-058E-B68B-0724-C2E005C5BE18}"/>
+              </a:ext>
+            </a:extLst>
+          </p:cNvPr>
+          <p:cNvSpPr txBox="1"/>
+          <p:nvPr/>
+        </p:nvSpPr>
+        <p:spPr>
+          <a:xfrm>
+            <a:off x="9854277" y="2706407"/>
+            <a:ext cx="988087" cy="1015663"/>
+          </a:xfrm>
+          <a:prstGeom prst="rect">
+            <a:avLst/>
+          </a:prstGeom>
+          <a:noFill/>
+        </p:spPr>
+        <p:txBody>
+          <a:bodyPr wrap="square">
+            <a:spAutoFit/>
+          </a:bodyPr>
+          <a:lstStyle/>
+          <a:p>
+            <a:pPr>
+              <a:defRPr sz="2000"/>
+            </a:pPr>
+            <a:r>
+              <a:rPr lang="en-US" sz="6000" dirty="0"/>
+              <a:t>💰</a:t>
+            </a:r>
+          </a:p>
+        </p:txBody>
+      </p:sp>
+      <p:sp>
+        <p:nvSpPr>
+          <p:cNvPr id="19" name="TextBox 18">
+            <a:extLst>
+              <a:ext uri="{FF2B5EF4-FFF2-40B4-BE49-F238E27FC236}">
+                <a16:creationId xmlns:a16="http://schemas.microsoft.com/office/drawing/2014/main" id="{7E466362-C032-D236-9A78-D8A05BE2B352}"/>
+              </a:ext>
+            </a:extLst>
+          </p:cNvPr>
+          <p:cNvSpPr txBox="1"/>
+          <p:nvPr/>
+        </p:nvSpPr>
+        <p:spPr>
+          <a:xfrm>
+            <a:off x="717755" y="4121899"/>
+            <a:ext cx="2074606" cy="707886"/>
+          </a:xfrm>
+          <a:prstGeom prst="rect">
+            <a:avLst/>
+          </a:prstGeom>
+          <a:noFill/>
+        </p:spPr>
+        <p:txBody>
+          <a:bodyPr wrap="square">
+            <a:spAutoFit/>
+          </a:bodyPr>
+          <a:lstStyle/>
+          <a:p>
+            <a:pPr>
+              <a:defRPr sz="2000"/>
+            </a:pPr>
+            <a:r>
+              <a:rPr lang="en-AU" dirty="0"/>
+              <a:t>Time-consuming &amp; </a:t>
+            </a:r>
+            <a:r>
+              <a:rPr lang="en-AU" dirty="0" err="1"/>
+              <a:t>labor-intensive</a:t>
             </a:r>
             <a:endParaRPr lang="en-AU" dirty="0"/>
           </a:p>
         </p:txBody>
       </p:sp>
-      <p:graphicFrame>
-        <p:nvGraphicFramePr>
-          <p:cNvPr id="5" name="Vertical Text Placeholder 2">
+      <p:sp>
+        <p:nvSpPr>
+          <p:cNvPr id="21" name="TextBox 20">
             <a:extLst>
               <a:ext uri="{FF2B5EF4-FFF2-40B4-BE49-F238E27FC236}">
-                <a16:creationId xmlns:a16="http://schemas.microsoft.com/office/drawing/2014/main" id="{14CDEACF-176E-5C6B-0D06-7A3871BCFE12}"/>
+                <a16:creationId xmlns:a16="http://schemas.microsoft.com/office/drawing/2014/main" id="{1F1FFAB2-40FA-C17C-EFC8-5DC3504FBB95}"/>
               </a:ext>
             </a:extLst>
           </p:cNvPr>
-          <p:cNvGraphicFramePr/>
-          <p:nvPr>
-            <p:extLst>
-              <p:ext uri="{D42A27DB-BD31-4B8C-83A1-F6EECF244321}">
-                <p14:modId xmlns:p14="http://schemas.microsoft.com/office/powerpoint/2010/main" val="2529148016"/>
-              </p:ext>
-            </p:extLst>
-          </p:nvPr>
-        </p:nvGraphicFramePr>
-        <p:xfrm>
-          <a:off x="609600" y="1600201"/>
-          <a:ext cx="10972800" cy="4525963"/>
-        </p:xfrm>
-        <a:graphic>
-          <a:graphicData uri="http://schemas.openxmlformats.org/drawingml/2006/diagram">
-            <dgm:relIds xmlns:dgm="http://schemas.openxmlformats.org/drawingml/2006/diagram" xmlns:r="http://schemas.openxmlformats.org/officeDocument/2006/relationships" r:dm="rId2" r:lo="rId3" r:qs="rId4" r:cs="rId5"/>
-          </a:graphicData>
-        </a:graphic>
-      </p:graphicFrame>
+          <p:cNvSpPr txBox="1"/>
+          <p:nvPr/>
+        </p:nvSpPr>
+        <p:spPr>
+          <a:xfrm>
+            <a:off x="3333137" y="4121899"/>
+            <a:ext cx="1489586" cy="646331"/>
+          </a:xfrm>
+          <a:prstGeom prst="rect">
+            <a:avLst/>
+          </a:prstGeom>
+          <a:noFill/>
+        </p:spPr>
+        <p:txBody>
+          <a:bodyPr wrap="square">
+            <a:spAutoFit/>
+          </a:bodyPr>
+          <a:lstStyle/>
+          <a:p>
+            <a:r>
+              <a:rPr lang="en-AU" dirty="0"/>
+              <a:t>Inconsistent evaluations</a:t>
+            </a:r>
+          </a:p>
+        </p:txBody>
+      </p:sp>
+      <p:sp>
+        <p:nvSpPr>
+          <p:cNvPr id="23" name="TextBox 22">
+            <a:extLst>
+              <a:ext uri="{FF2B5EF4-FFF2-40B4-BE49-F238E27FC236}">
+                <a16:creationId xmlns:a16="http://schemas.microsoft.com/office/drawing/2014/main" id="{F99CC1A1-69A0-2E3E-59E0-6C7E0DC6BAA0}"/>
+              </a:ext>
+            </a:extLst>
+          </p:cNvPr>
+          <p:cNvSpPr txBox="1"/>
+          <p:nvPr/>
+        </p:nvSpPr>
+        <p:spPr>
+          <a:xfrm>
+            <a:off x="5486402" y="4110141"/>
+            <a:ext cx="1396181" cy="646331"/>
+          </a:xfrm>
+          <a:prstGeom prst="rect">
+            <a:avLst/>
+          </a:prstGeom>
+          <a:noFill/>
+        </p:spPr>
+        <p:txBody>
+          <a:bodyPr wrap="square">
+            <a:spAutoFit/>
+          </a:bodyPr>
+          <a:lstStyle/>
+          <a:p>
+            <a:r>
+              <a:rPr lang="en-AU" dirty="0"/>
+              <a:t>Prone to human error</a:t>
+            </a:r>
+          </a:p>
+        </p:txBody>
+      </p:sp>
+      <p:sp>
+        <p:nvSpPr>
+          <p:cNvPr id="25" name="TextBox 24">
+            <a:extLst>
+              <a:ext uri="{FF2B5EF4-FFF2-40B4-BE49-F238E27FC236}">
+                <a16:creationId xmlns:a16="http://schemas.microsoft.com/office/drawing/2014/main" id="{D5220ADE-E1CA-ABE6-BBA2-67B9EADEEF0D}"/>
+              </a:ext>
+            </a:extLst>
+          </p:cNvPr>
+          <p:cNvSpPr txBox="1"/>
+          <p:nvPr/>
+        </p:nvSpPr>
+        <p:spPr>
+          <a:xfrm>
+            <a:off x="7536401" y="4152676"/>
+            <a:ext cx="1494503" cy="646331"/>
+          </a:xfrm>
+          <a:prstGeom prst="rect">
+            <a:avLst/>
+          </a:prstGeom>
+          <a:noFill/>
+        </p:spPr>
+        <p:txBody>
+          <a:bodyPr wrap="square">
+            <a:spAutoFit/>
+          </a:bodyPr>
+          <a:lstStyle/>
+          <a:p>
+            <a:r>
+              <a:rPr lang="en-AU" dirty="0"/>
+              <a:t>Delay in claim settlements</a:t>
+            </a:r>
+          </a:p>
+        </p:txBody>
+      </p:sp>
+      <p:sp>
+        <p:nvSpPr>
+          <p:cNvPr id="27" name="TextBox 26">
+            <a:extLst>
+              <a:ext uri="{FF2B5EF4-FFF2-40B4-BE49-F238E27FC236}">
+                <a16:creationId xmlns:a16="http://schemas.microsoft.com/office/drawing/2014/main" id="{C0397BCB-3C5B-BB2C-7115-7ED53D345D04}"/>
+              </a:ext>
+            </a:extLst>
+          </p:cNvPr>
+          <p:cNvSpPr txBox="1"/>
+          <p:nvPr/>
+        </p:nvSpPr>
+        <p:spPr>
+          <a:xfrm>
+            <a:off x="9792878" y="4125067"/>
+            <a:ext cx="1489586" cy="646331"/>
+          </a:xfrm>
+          <a:prstGeom prst="rect">
+            <a:avLst/>
+          </a:prstGeom>
+          <a:noFill/>
+        </p:spPr>
+        <p:txBody>
+          <a:bodyPr wrap="square">
+            <a:spAutoFit/>
+          </a:bodyPr>
+          <a:lstStyle/>
+          <a:p>
+            <a:r>
+              <a:rPr lang="en-US" dirty="0"/>
+              <a:t>High costs &amp; fraud risk</a:t>
+            </a:r>
+            <a:endParaRPr lang="en-AU" dirty="0"/>
+          </a:p>
+        </p:txBody>
+      </p:sp>
     </p:spTree>
     <p:extLst>
       <p:ext uri="{BB962C8B-B14F-4D97-AF65-F5344CB8AC3E}">
-        <p14:creationId xmlns:p14="http://schemas.microsoft.com/office/powerpoint/2010/main" val="3230307650"/>
+        <p14:creationId xmlns:p14="http://schemas.microsoft.com/office/powerpoint/2010/main" val="162994202"/>
       </p:ext>
     </p:extLst>
   </p:cSld>
@@ -20484,8 +18746,8 @@
         </p:nvSpPr>
         <p:spPr>
           <a:xfrm>
-            <a:off x="4273158" y="1900089"/>
-            <a:ext cx="6901028" cy="461665"/>
+            <a:off x="3873910" y="1900089"/>
+            <a:ext cx="7300276" cy="461665"/>
           </a:xfrm>
           <a:prstGeom prst="rect">
             <a:avLst/>
@@ -21967,7 +20229,7 @@
           <p:nvPr>
             <p:extLst>
               <p:ext uri="{D42A27DB-BD31-4B8C-83A1-F6EECF244321}">
-                <p14:modId xmlns:p14="http://schemas.microsoft.com/office/powerpoint/2010/main" val="3125089248"/>
+                <p14:modId xmlns:p14="http://schemas.microsoft.com/office/powerpoint/2010/main" val="3868778876"/>
               </p:ext>
             </p:extLst>
           </p:nvPr>

--- a/MiniProject3/MiniProject3_Presentation.pptx
+++ b/MiniProject3/MiniProject3_Presentation.pptx
@@ -4720,7 +4720,7 @@
         <a:p>
           <a:r>
             <a:rPr lang="en-US" dirty="0"/>
-            <a:t>Use segmentation models for pinpointing damage areas</a:t>
+            <a:t>Use different models/architectures</a:t>
           </a:r>
         </a:p>
       </dgm:t>
@@ -7330,7 +7330,7 @@
           </a:pPr>
           <a:r>
             <a:rPr lang="en-US" sz="2400" kern="1200" dirty="0"/>
-            <a:t>Use segmentation models for pinpointing damage areas</a:t>
+            <a:t>Use different models/architectures</a:t>
           </a:r>
         </a:p>
       </dsp:txBody>
@@ -13623,7 +13623,7 @@
           <a:p>
             <a:fld id="{5BCAD085-E8A6-8845-BD4E-CB4CCA059FC4}" type="datetimeFigureOut">
               <a:rPr lang="en-US" smtClean="0"/>
-              <a:t>7/19/2025</a:t>
+              <a:t>7/21/2025</a:t>
             </a:fld>
             <a:endParaRPr lang="en-US"/>
           </a:p>
@@ -13791,7 +13791,7 @@
           <a:p>
             <a:fld id="{5BCAD085-E8A6-8845-BD4E-CB4CCA059FC4}" type="datetimeFigureOut">
               <a:rPr lang="en-US" smtClean="0"/>
-              <a:t>7/19/2025</a:t>
+              <a:t>7/21/2025</a:t>
             </a:fld>
             <a:endParaRPr lang="en-US"/>
           </a:p>
@@ -13969,7 +13969,7 @@
           <a:p>
             <a:fld id="{5BCAD085-E8A6-8845-BD4E-CB4CCA059FC4}" type="datetimeFigureOut">
               <a:rPr lang="en-US" smtClean="0"/>
-              <a:t>7/19/2025</a:t>
+              <a:t>7/21/2025</a:t>
             </a:fld>
             <a:endParaRPr lang="en-US"/>
           </a:p>
@@ -14137,7 +14137,7 @@
           <a:p>
             <a:fld id="{5BCAD085-E8A6-8845-BD4E-CB4CCA059FC4}" type="datetimeFigureOut">
               <a:rPr lang="en-US" smtClean="0"/>
-              <a:t>7/19/2025</a:t>
+              <a:t>7/21/2025</a:t>
             </a:fld>
             <a:endParaRPr lang="en-US"/>
           </a:p>
@@ -14382,7 +14382,7 @@
           <a:p>
             <a:fld id="{5BCAD085-E8A6-8845-BD4E-CB4CCA059FC4}" type="datetimeFigureOut">
               <a:rPr lang="en-US" smtClean="0"/>
-              <a:t>7/19/2025</a:t>
+              <a:t>7/21/2025</a:t>
             </a:fld>
             <a:endParaRPr lang="en-US"/>
           </a:p>
@@ -14667,7 +14667,7 @@
           <a:p>
             <a:fld id="{5BCAD085-E8A6-8845-BD4E-CB4CCA059FC4}" type="datetimeFigureOut">
               <a:rPr lang="en-US" smtClean="0"/>
-              <a:t>7/19/2025</a:t>
+              <a:t>7/21/2025</a:t>
             </a:fld>
             <a:endParaRPr lang="en-US"/>
           </a:p>
@@ -15086,7 +15086,7 @@
           <a:p>
             <a:fld id="{5BCAD085-E8A6-8845-BD4E-CB4CCA059FC4}" type="datetimeFigureOut">
               <a:rPr lang="en-US" smtClean="0"/>
-              <a:t>7/19/2025</a:t>
+              <a:t>7/21/2025</a:t>
             </a:fld>
             <a:endParaRPr lang="en-US"/>
           </a:p>
@@ -15203,7 +15203,7 @@
           <a:p>
             <a:fld id="{5BCAD085-E8A6-8845-BD4E-CB4CCA059FC4}" type="datetimeFigureOut">
               <a:rPr lang="en-US" smtClean="0"/>
-              <a:t>7/19/2025</a:t>
+              <a:t>7/21/2025</a:t>
             </a:fld>
             <a:endParaRPr lang="en-US"/>
           </a:p>
@@ -15298,7 +15298,7 @@
           <a:p>
             <a:fld id="{5BCAD085-E8A6-8845-BD4E-CB4CCA059FC4}" type="datetimeFigureOut">
               <a:rPr lang="en-US" smtClean="0"/>
-              <a:t>7/19/2025</a:t>
+              <a:t>7/21/2025</a:t>
             </a:fld>
             <a:endParaRPr lang="en-US"/>
           </a:p>
@@ -15573,7 +15573,7 @@
           <a:p>
             <a:fld id="{5BCAD085-E8A6-8845-BD4E-CB4CCA059FC4}" type="datetimeFigureOut">
               <a:rPr lang="en-US" smtClean="0"/>
-              <a:t>7/19/2025</a:t>
+              <a:t>7/21/2025</a:t>
             </a:fld>
             <a:endParaRPr lang="en-US"/>
           </a:p>
@@ -15828,7 +15828,7 @@
           <a:p>
             <a:fld id="{5BCAD085-E8A6-8845-BD4E-CB4CCA059FC4}" type="datetimeFigureOut">
               <a:rPr lang="en-US" smtClean="0"/>
-              <a:t>7/19/2025</a:t>
+              <a:t>7/21/2025</a:t>
             </a:fld>
             <a:endParaRPr lang="en-US"/>
           </a:p>
@@ -16039,7 +16039,7 @@
           <a:p>
             <a:fld id="{5BCAD085-E8A6-8845-BD4E-CB4CCA059FC4}" type="datetimeFigureOut">
               <a:rPr lang="en-US" smtClean="0"/>
-              <a:t>7/19/2025</a:t>
+              <a:t>7/21/2025</a:t>
             </a:fld>
             <a:endParaRPr lang="en-US"/>
           </a:p>
@@ -20229,7 +20229,7 @@
           <p:nvPr>
             <p:extLst>
               <p:ext uri="{D42A27DB-BD31-4B8C-83A1-F6EECF244321}">
-                <p14:modId xmlns:p14="http://schemas.microsoft.com/office/powerpoint/2010/main" val="3868778876"/>
+                <p14:modId xmlns:p14="http://schemas.microsoft.com/office/powerpoint/2010/main" val="1998959395"/>
               </p:ext>
             </p:extLst>
           </p:nvPr>
